--- a/doc/presentations/03 Milestone Presentation/mlmq.pptx
+++ b/doc/presentations/03 Milestone Presentation/mlmq.pptx
@@ -5,15 +5,26 @@
     <p:sldMasterId id="2147484171" r:id="rId1"/>
   </p:sldMasterIdLst>
   <p:notesMasterIdLst>
-    <p:notesMasterId r:id="rId5"/>
+    <p:notesMasterId r:id="rId16"/>
   </p:notesMasterIdLst>
   <p:handoutMasterIdLst>
-    <p:handoutMasterId r:id="rId6"/>
+    <p:handoutMasterId r:id="rId17"/>
   </p:handoutMasterIdLst>
   <p:sldIdLst>
     <p:sldId id="256" r:id="rId2"/>
     <p:sldId id="257" r:id="rId3"/>
-    <p:sldId id="258" r:id="rId4"/>
+    <p:sldId id="263" r:id="rId4"/>
+    <p:sldId id="258" r:id="rId5"/>
+    <p:sldId id="259" r:id="rId6"/>
+    <p:sldId id="261" r:id="rId7"/>
+    <p:sldId id="264" r:id="rId8"/>
+    <p:sldId id="262" r:id="rId9"/>
+    <p:sldId id="260" r:id="rId10"/>
+    <p:sldId id="265" r:id="rId11"/>
+    <p:sldId id="266" r:id="rId12"/>
+    <p:sldId id="267" r:id="rId13"/>
+    <p:sldId id="268" r:id="rId14"/>
+    <p:sldId id="269" r:id="rId15"/>
   </p:sldIdLst>
   <p:sldSz cx="9144000" cy="6858000" type="screen4x3"/>
   <p:notesSz cx="6858000" cy="9144000"/>
@@ -119,7 +130,18 @@
           <p14:sldIdLst>
             <p14:sldId id="256"/>
             <p14:sldId id="257"/>
+            <p14:sldId id="263"/>
             <p14:sldId id="258"/>
+            <p14:sldId id="259"/>
+            <p14:sldId id="261"/>
+            <p14:sldId id="264"/>
+            <p14:sldId id="262"/>
+            <p14:sldId id="260"/>
+            <p14:sldId id="265"/>
+            <p14:sldId id="266"/>
+            <p14:sldId id="267"/>
+            <p14:sldId id="268"/>
+            <p14:sldId id="269"/>
           </p14:sldIdLst>
         </p14:section>
       </p14:sectionLst>
@@ -13945,6 +13967,763 @@
 </p:sld>
 </file>
 
+<file path=ppt/slides/slide10.xml><?xml version="1.0" encoding="utf-8"?>
+<p:sld xmlns:a="http://schemas.openxmlformats.org/drawingml/2006/main" xmlns:r="http://schemas.openxmlformats.org/officeDocument/2006/relationships" xmlns:p="http://schemas.openxmlformats.org/presentationml/2006/main">
+  <p:cSld>
+    <p:spTree>
+      <p:nvGrpSpPr>
+        <p:cNvPr id="1" name=""/>
+        <p:cNvGrpSpPr/>
+        <p:nvPr/>
+      </p:nvGrpSpPr>
+      <p:grpSpPr>
+        <a:xfrm>
+          <a:off x="0" y="0"/>
+          <a:ext cx="0" cy="0"/>
+          <a:chOff x="0" y="0"/>
+          <a:chExt cx="0" cy="0"/>
+        </a:xfrm>
+      </p:grpSpPr>
+      <p:sp>
+        <p:nvSpPr>
+          <p:cNvPr id="2" name="Content Placeholder 1"/>
+          <p:cNvSpPr>
+            <a:spLocks noGrp="1"/>
+          </p:cNvSpPr>
+          <p:nvPr>
+            <p:ph idx="1"/>
+          </p:nvPr>
+        </p:nvSpPr>
+        <p:spPr/>
+        <p:txBody>
+          <a:bodyPr/>
+          <a:lstStyle/>
+          <a:p>
+            <a:r>
+              <a:rPr lang="en-US" dirty="0" smtClean="0"/>
+              <a:t>???</a:t>
+            </a:r>
+            <a:endParaRPr lang="en-US" dirty="0"/>
+          </a:p>
+        </p:txBody>
+      </p:sp>
+      <p:sp>
+        <p:nvSpPr>
+          <p:cNvPr id="3" name="Date Placeholder 2"/>
+          <p:cNvSpPr>
+            <a:spLocks noGrp="1"/>
+          </p:cNvSpPr>
+          <p:nvPr>
+            <p:ph type="dt" sz="half" idx="10"/>
+          </p:nvPr>
+        </p:nvSpPr>
+        <p:spPr/>
+        <p:txBody>
+          <a:bodyPr/>
+          <a:lstStyle/>
+          <a:p>
+            <a:fld id="{9078C016-7B68-A44C-907E-E68C841E31AA}" type="datetime2">
+              <a:rPr lang="en-US" smtClean="0"/>
+              <a:t>Tuesday 12 November 13</a:t>
+            </a:fld>
+            <a:endParaRPr lang="en-US"/>
+          </a:p>
+        </p:txBody>
+      </p:sp>
+      <p:sp>
+        <p:nvSpPr>
+          <p:cNvPr id="4" name="Footer Placeholder 3"/>
+          <p:cNvSpPr>
+            <a:spLocks noGrp="1"/>
+          </p:cNvSpPr>
+          <p:nvPr>
+            <p:ph type="ftr" sz="quarter" idx="11"/>
+          </p:nvPr>
+        </p:nvSpPr>
+        <p:spPr/>
+        <p:txBody>
+          <a:bodyPr/>
+          <a:lstStyle/>
+          <a:p>
+            <a:r>
+              <a:rPr lang="en-US" smtClean="0"/>
+              <a:t>MLMQ</a:t>
+            </a:r>
+            <a:endParaRPr lang="en-US"/>
+          </a:p>
+        </p:txBody>
+      </p:sp>
+      <p:sp>
+        <p:nvSpPr>
+          <p:cNvPr id="5" name="Slide Number Placeholder 4"/>
+          <p:cNvSpPr>
+            <a:spLocks noGrp="1"/>
+          </p:cNvSpPr>
+          <p:nvPr>
+            <p:ph type="sldNum" sz="quarter" idx="12"/>
+          </p:nvPr>
+        </p:nvSpPr>
+        <p:spPr/>
+        <p:txBody>
+          <a:bodyPr/>
+          <a:lstStyle/>
+          <a:p>
+            <a:fld id="{657B2308-30A8-9242-AB00-DAE35BE06ADD}" type="slidenum">
+              <a:rPr lang="en-US" smtClean="0"/>
+              <a:t>10</a:t>
+            </a:fld>
+            <a:endParaRPr lang="en-US"/>
+          </a:p>
+        </p:txBody>
+      </p:sp>
+      <p:sp>
+        <p:nvSpPr>
+          <p:cNvPr id="6" name="Title 5"/>
+          <p:cNvSpPr>
+            <a:spLocks noGrp="1"/>
+          </p:cNvSpPr>
+          <p:nvPr>
+            <p:ph type="title"/>
+          </p:nvPr>
+        </p:nvSpPr>
+        <p:spPr/>
+        <p:txBody>
+          <a:bodyPr/>
+          <a:lstStyle/>
+          <a:p>
+            <a:r>
+              <a:rPr lang="en-US" dirty="0" smtClean="0"/>
+              <a:t>Experiments - Summary</a:t>
+            </a:r>
+            <a:endParaRPr lang="en-US" dirty="0"/>
+          </a:p>
+        </p:txBody>
+      </p:sp>
+    </p:spTree>
+    <p:extLst>
+      <p:ext uri="{BB962C8B-B14F-4D97-AF65-F5344CB8AC3E}">
+        <p14:creationId xmlns:p14="http://schemas.microsoft.com/office/powerpoint/2010/main" val="3907856246"/>
+      </p:ext>
+    </p:extLst>
+  </p:cSld>
+  <p:clrMapOvr>
+    <a:masterClrMapping/>
+  </p:clrMapOvr>
+</p:sld>
+</file>
+
+<file path=ppt/slides/slide11.xml><?xml version="1.0" encoding="utf-8"?>
+<p:sld xmlns:a="http://schemas.openxmlformats.org/drawingml/2006/main" xmlns:r="http://schemas.openxmlformats.org/officeDocument/2006/relationships" xmlns:p="http://schemas.openxmlformats.org/presentationml/2006/main">
+  <p:cSld>
+    <p:spTree>
+      <p:nvGrpSpPr>
+        <p:cNvPr id="1" name=""/>
+        <p:cNvGrpSpPr/>
+        <p:nvPr/>
+      </p:nvGrpSpPr>
+      <p:grpSpPr>
+        <a:xfrm>
+          <a:off x="0" y="0"/>
+          <a:ext cx="0" cy="0"/>
+          <a:chOff x="0" y="0"/>
+          <a:chExt cx="0" cy="0"/>
+        </a:xfrm>
+      </p:grpSpPr>
+      <p:sp>
+        <p:nvSpPr>
+          <p:cNvPr id="2" name="Content Placeholder 1"/>
+          <p:cNvSpPr>
+            <a:spLocks noGrp="1"/>
+          </p:cNvSpPr>
+          <p:nvPr>
+            <p:ph idx="1"/>
+          </p:nvPr>
+        </p:nvSpPr>
+        <p:spPr/>
+        <p:txBody>
+          <a:bodyPr/>
+          <a:lstStyle/>
+          <a:p>
+            <a:endParaRPr lang="en-US" dirty="0"/>
+          </a:p>
+        </p:txBody>
+      </p:sp>
+      <p:sp>
+        <p:nvSpPr>
+          <p:cNvPr id="3" name="Date Placeholder 2"/>
+          <p:cNvSpPr>
+            <a:spLocks noGrp="1"/>
+          </p:cNvSpPr>
+          <p:nvPr>
+            <p:ph type="dt" sz="half" idx="10"/>
+          </p:nvPr>
+        </p:nvSpPr>
+        <p:spPr/>
+        <p:txBody>
+          <a:bodyPr/>
+          <a:lstStyle/>
+          <a:p>
+            <a:fld id="{9078C016-7B68-A44C-907E-E68C841E31AA}" type="datetime2">
+              <a:rPr lang="en-US" smtClean="0"/>
+              <a:t>Tuesday 12 November 13</a:t>
+            </a:fld>
+            <a:endParaRPr lang="en-US"/>
+          </a:p>
+        </p:txBody>
+      </p:sp>
+      <p:sp>
+        <p:nvSpPr>
+          <p:cNvPr id="4" name="Footer Placeholder 3"/>
+          <p:cNvSpPr>
+            <a:spLocks noGrp="1"/>
+          </p:cNvSpPr>
+          <p:nvPr>
+            <p:ph type="ftr" sz="quarter" idx="11"/>
+          </p:nvPr>
+        </p:nvSpPr>
+        <p:spPr/>
+        <p:txBody>
+          <a:bodyPr/>
+          <a:lstStyle/>
+          <a:p>
+            <a:r>
+              <a:rPr lang="en-US" smtClean="0"/>
+              <a:t>MLMQ</a:t>
+            </a:r>
+            <a:endParaRPr lang="en-US"/>
+          </a:p>
+        </p:txBody>
+      </p:sp>
+      <p:sp>
+        <p:nvSpPr>
+          <p:cNvPr id="5" name="Slide Number Placeholder 4"/>
+          <p:cNvSpPr>
+            <a:spLocks noGrp="1"/>
+          </p:cNvSpPr>
+          <p:nvPr>
+            <p:ph type="sldNum" sz="quarter" idx="12"/>
+          </p:nvPr>
+        </p:nvSpPr>
+        <p:spPr/>
+        <p:txBody>
+          <a:bodyPr/>
+          <a:lstStyle/>
+          <a:p>
+            <a:fld id="{657B2308-30A8-9242-AB00-DAE35BE06ADD}" type="slidenum">
+              <a:rPr lang="en-US" smtClean="0"/>
+              <a:t>11</a:t>
+            </a:fld>
+            <a:endParaRPr lang="en-US"/>
+          </a:p>
+        </p:txBody>
+      </p:sp>
+      <p:sp>
+        <p:nvSpPr>
+          <p:cNvPr id="6" name="Title 5"/>
+          <p:cNvSpPr>
+            <a:spLocks noGrp="1"/>
+          </p:cNvSpPr>
+          <p:nvPr>
+            <p:ph type="title"/>
+          </p:nvPr>
+        </p:nvSpPr>
+        <p:spPr/>
+        <p:txBody>
+          <a:bodyPr/>
+          <a:lstStyle/>
+          <a:p>
+            <a:r>
+              <a:rPr lang="en-US" dirty="0" smtClean="0"/>
+              <a:t>Experiments - Results</a:t>
+            </a:r>
+            <a:endParaRPr lang="en-US" dirty="0"/>
+          </a:p>
+        </p:txBody>
+      </p:sp>
+    </p:spTree>
+    <p:extLst>
+      <p:ext uri="{BB962C8B-B14F-4D97-AF65-F5344CB8AC3E}">
+        <p14:creationId xmlns:p14="http://schemas.microsoft.com/office/powerpoint/2010/main" val="634597313"/>
+      </p:ext>
+    </p:extLst>
+  </p:cSld>
+  <p:clrMapOvr>
+    <a:masterClrMapping/>
+  </p:clrMapOvr>
+</p:sld>
+</file>
+
+<file path=ppt/slides/slide12.xml><?xml version="1.0" encoding="utf-8"?>
+<p:sld xmlns:a="http://schemas.openxmlformats.org/drawingml/2006/main" xmlns:r="http://schemas.openxmlformats.org/officeDocument/2006/relationships" xmlns:p="http://schemas.openxmlformats.org/presentationml/2006/main">
+  <p:cSld>
+    <p:spTree>
+      <p:nvGrpSpPr>
+        <p:cNvPr id="1" name=""/>
+        <p:cNvGrpSpPr/>
+        <p:nvPr/>
+      </p:nvGrpSpPr>
+      <p:grpSpPr>
+        <a:xfrm>
+          <a:off x="0" y="0"/>
+          <a:ext cx="0" cy="0"/>
+          <a:chOff x="0" y="0"/>
+          <a:chExt cx="0" cy="0"/>
+        </a:xfrm>
+      </p:grpSpPr>
+      <p:sp>
+        <p:nvSpPr>
+          <p:cNvPr id="2" name="Content Placeholder 1"/>
+          <p:cNvSpPr>
+            <a:spLocks noGrp="1"/>
+          </p:cNvSpPr>
+          <p:nvPr>
+            <p:ph idx="1"/>
+          </p:nvPr>
+        </p:nvSpPr>
+        <p:spPr/>
+        <p:txBody>
+          <a:bodyPr/>
+          <a:lstStyle/>
+          <a:p>
+            <a:endParaRPr lang="en-US" dirty="0"/>
+          </a:p>
+        </p:txBody>
+      </p:sp>
+      <p:sp>
+        <p:nvSpPr>
+          <p:cNvPr id="3" name="Date Placeholder 2"/>
+          <p:cNvSpPr>
+            <a:spLocks noGrp="1"/>
+          </p:cNvSpPr>
+          <p:nvPr>
+            <p:ph type="dt" sz="half" idx="10"/>
+          </p:nvPr>
+        </p:nvSpPr>
+        <p:spPr/>
+        <p:txBody>
+          <a:bodyPr/>
+          <a:lstStyle/>
+          <a:p>
+            <a:fld id="{9078C016-7B68-A44C-907E-E68C841E31AA}" type="datetime2">
+              <a:rPr lang="en-US" smtClean="0"/>
+              <a:t>Tuesday 12 November 13</a:t>
+            </a:fld>
+            <a:endParaRPr lang="en-US"/>
+          </a:p>
+        </p:txBody>
+      </p:sp>
+      <p:sp>
+        <p:nvSpPr>
+          <p:cNvPr id="4" name="Footer Placeholder 3"/>
+          <p:cNvSpPr>
+            <a:spLocks noGrp="1"/>
+          </p:cNvSpPr>
+          <p:nvPr>
+            <p:ph type="ftr" sz="quarter" idx="11"/>
+          </p:nvPr>
+        </p:nvSpPr>
+        <p:spPr/>
+        <p:txBody>
+          <a:bodyPr/>
+          <a:lstStyle/>
+          <a:p>
+            <a:r>
+              <a:rPr lang="en-US" smtClean="0"/>
+              <a:t>MLMQ</a:t>
+            </a:r>
+            <a:endParaRPr lang="en-US"/>
+          </a:p>
+        </p:txBody>
+      </p:sp>
+      <p:sp>
+        <p:nvSpPr>
+          <p:cNvPr id="5" name="Slide Number Placeholder 4"/>
+          <p:cNvSpPr>
+            <a:spLocks noGrp="1"/>
+          </p:cNvSpPr>
+          <p:nvPr>
+            <p:ph type="sldNum" sz="quarter" idx="12"/>
+          </p:nvPr>
+        </p:nvSpPr>
+        <p:spPr/>
+        <p:txBody>
+          <a:bodyPr/>
+          <a:lstStyle/>
+          <a:p>
+            <a:fld id="{657B2308-30A8-9242-AB00-DAE35BE06ADD}" type="slidenum">
+              <a:rPr lang="en-US" smtClean="0"/>
+              <a:t>12</a:t>
+            </a:fld>
+            <a:endParaRPr lang="en-US"/>
+          </a:p>
+        </p:txBody>
+      </p:sp>
+      <p:sp>
+        <p:nvSpPr>
+          <p:cNvPr id="6" name="Title 5"/>
+          <p:cNvSpPr>
+            <a:spLocks noGrp="1"/>
+          </p:cNvSpPr>
+          <p:nvPr>
+            <p:ph type="title"/>
+          </p:nvPr>
+        </p:nvSpPr>
+        <p:spPr/>
+        <p:txBody>
+          <a:bodyPr/>
+          <a:lstStyle/>
+          <a:p>
+            <a:r>
+              <a:rPr lang="en-US" dirty="0" smtClean="0"/>
+              <a:t>Experiments – 2h Trace</a:t>
+            </a:r>
+            <a:endParaRPr lang="en-US" dirty="0"/>
+          </a:p>
+        </p:txBody>
+      </p:sp>
+    </p:spTree>
+    <p:extLst>
+      <p:ext uri="{BB962C8B-B14F-4D97-AF65-F5344CB8AC3E}">
+        <p14:creationId xmlns:p14="http://schemas.microsoft.com/office/powerpoint/2010/main" val="611512312"/>
+      </p:ext>
+    </p:extLst>
+  </p:cSld>
+  <p:clrMapOvr>
+    <a:masterClrMapping/>
+  </p:clrMapOvr>
+</p:sld>
+</file>
+
+<file path=ppt/slides/slide13.xml><?xml version="1.0" encoding="utf-8"?>
+<p:sld xmlns:a="http://schemas.openxmlformats.org/drawingml/2006/main" xmlns:r="http://schemas.openxmlformats.org/officeDocument/2006/relationships" xmlns:p="http://schemas.openxmlformats.org/presentationml/2006/main">
+  <p:cSld>
+    <p:spTree>
+      <p:nvGrpSpPr>
+        <p:cNvPr id="1" name=""/>
+        <p:cNvGrpSpPr/>
+        <p:nvPr/>
+      </p:nvGrpSpPr>
+      <p:grpSpPr>
+        <a:xfrm>
+          <a:off x="0" y="0"/>
+          <a:ext cx="0" cy="0"/>
+          <a:chOff x="0" y="0"/>
+          <a:chExt cx="0" cy="0"/>
+        </a:xfrm>
+      </p:grpSpPr>
+      <p:sp>
+        <p:nvSpPr>
+          <p:cNvPr id="2" name="Content Placeholder 1"/>
+          <p:cNvSpPr>
+            <a:spLocks noGrp="1"/>
+          </p:cNvSpPr>
+          <p:nvPr>
+            <p:ph idx="1"/>
+          </p:nvPr>
+        </p:nvSpPr>
+        <p:spPr/>
+        <p:txBody>
+          <a:bodyPr/>
+          <a:lstStyle/>
+          <a:p>
+            <a:r>
+              <a:rPr lang="en-US" dirty="0" smtClean="0"/>
+              <a:t>Fast, sometimes rather high variance</a:t>
+            </a:r>
+          </a:p>
+          <a:p>
+            <a:r>
+              <a:rPr lang="en-US" dirty="0" smtClean="0"/>
+              <a:t>Improvements</a:t>
+            </a:r>
+          </a:p>
+          <a:p>
+            <a:pPr lvl="1"/>
+            <a:r>
+              <a:rPr lang="en-US" dirty="0" smtClean="0"/>
+              <a:t>More stable</a:t>
+            </a:r>
+          </a:p>
+          <a:p>
+            <a:pPr lvl="1"/>
+            <a:r>
+              <a:rPr lang="en-US" dirty="0" smtClean="0"/>
+              <a:t>Faster</a:t>
+            </a:r>
+          </a:p>
+          <a:p>
+            <a:r>
+              <a:rPr lang="en-US" dirty="0" smtClean="0"/>
+              <a:t>“In 95% of the cases, the response time for XXXX will be below </a:t>
+            </a:r>
+            <a:r>
+              <a:rPr lang="en-US" dirty="0" err="1" smtClean="0"/>
+              <a:t>YYYms</a:t>
+            </a:r>
+            <a:r>
+              <a:rPr lang="en-US" dirty="0" smtClean="0"/>
+              <a:t>”</a:t>
+            </a:r>
+          </a:p>
+        </p:txBody>
+      </p:sp>
+      <p:sp>
+        <p:nvSpPr>
+          <p:cNvPr id="3" name="Date Placeholder 2"/>
+          <p:cNvSpPr>
+            <a:spLocks noGrp="1"/>
+          </p:cNvSpPr>
+          <p:nvPr>
+            <p:ph type="dt" sz="half" idx="10"/>
+          </p:nvPr>
+        </p:nvSpPr>
+        <p:spPr/>
+        <p:txBody>
+          <a:bodyPr/>
+          <a:lstStyle/>
+          <a:p>
+            <a:fld id="{9078C016-7B68-A44C-907E-E68C841E31AA}" type="datetime2">
+              <a:rPr lang="en-US" smtClean="0"/>
+              <a:t>Tuesday 12 November 13</a:t>
+            </a:fld>
+            <a:endParaRPr lang="en-US"/>
+          </a:p>
+        </p:txBody>
+      </p:sp>
+      <p:sp>
+        <p:nvSpPr>
+          <p:cNvPr id="4" name="Footer Placeholder 3"/>
+          <p:cNvSpPr>
+            <a:spLocks noGrp="1"/>
+          </p:cNvSpPr>
+          <p:nvPr>
+            <p:ph type="ftr" sz="quarter" idx="11"/>
+          </p:nvPr>
+        </p:nvSpPr>
+        <p:spPr/>
+        <p:txBody>
+          <a:bodyPr/>
+          <a:lstStyle/>
+          <a:p>
+            <a:r>
+              <a:rPr lang="en-US" smtClean="0"/>
+              <a:t>MLMQ</a:t>
+            </a:r>
+            <a:endParaRPr lang="en-US"/>
+          </a:p>
+        </p:txBody>
+      </p:sp>
+      <p:sp>
+        <p:nvSpPr>
+          <p:cNvPr id="5" name="Slide Number Placeholder 4"/>
+          <p:cNvSpPr>
+            <a:spLocks noGrp="1"/>
+          </p:cNvSpPr>
+          <p:nvPr>
+            <p:ph type="sldNum" sz="quarter" idx="12"/>
+          </p:nvPr>
+        </p:nvSpPr>
+        <p:spPr/>
+        <p:txBody>
+          <a:bodyPr/>
+          <a:lstStyle/>
+          <a:p>
+            <a:fld id="{657B2308-30A8-9242-AB00-DAE35BE06ADD}" type="slidenum">
+              <a:rPr lang="en-US" smtClean="0"/>
+              <a:t>13</a:t>
+            </a:fld>
+            <a:endParaRPr lang="en-US"/>
+          </a:p>
+        </p:txBody>
+      </p:sp>
+      <p:sp>
+        <p:nvSpPr>
+          <p:cNvPr id="6" name="Title 5"/>
+          <p:cNvSpPr>
+            <a:spLocks noGrp="1"/>
+          </p:cNvSpPr>
+          <p:nvPr>
+            <p:ph type="title"/>
+          </p:nvPr>
+        </p:nvSpPr>
+        <p:spPr/>
+        <p:txBody>
+          <a:bodyPr/>
+          <a:lstStyle/>
+          <a:p>
+            <a:r>
+              <a:rPr lang="en-US" dirty="0"/>
+              <a:t>Lessons Learned about the System</a:t>
+            </a:r>
+            <a:endParaRPr lang="en-US" dirty="0"/>
+          </a:p>
+        </p:txBody>
+      </p:sp>
+    </p:spTree>
+    <p:extLst>
+      <p:ext uri="{BB962C8B-B14F-4D97-AF65-F5344CB8AC3E}">
+        <p14:creationId xmlns:p14="http://schemas.microsoft.com/office/powerpoint/2010/main" val="1239660611"/>
+      </p:ext>
+    </p:extLst>
+  </p:cSld>
+  <p:clrMapOvr>
+    <a:masterClrMapping/>
+  </p:clrMapOvr>
+</p:sld>
+</file>
+
+<file path=ppt/slides/slide14.xml><?xml version="1.0" encoding="utf-8"?>
+<p:sld xmlns:a="http://schemas.openxmlformats.org/drawingml/2006/main" xmlns:r="http://schemas.openxmlformats.org/officeDocument/2006/relationships" xmlns:p="http://schemas.openxmlformats.org/presentationml/2006/main">
+  <p:cSld>
+    <p:spTree>
+      <p:nvGrpSpPr>
+        <p:cNvPr id="1" name=""/>
+        <p:cNvGrpSpPr/>
+        <p:nvPr/>
+      </p:nvGrpSpPr>
+      <p:grpSpPr>
+        <a:xfrm>
+          <a:off x="0" y="0"/>
+          <a:ext cx="0" cy="0"/>
+          <a:chOff x="0" y="0"/>
+          <a:chExt cx="0" cy="0"/>
+        </a:xfrm>
+      </p:grpSpPr>
+      <p:sp>
+        <p:nvSpPr>
+          <p:cNvPr id="6" name="Title 5"/>
+          <p:cNvSpPr>
+            <a:spLocks noGrp="1"/>
+          </p:cNvSpPr>
+          <p:nvPr>
+            <p:ph type="title"/>
+          </p:nvPr>
+        </p:nvSpPr>
+        <p:spPr/>
+        <p:txBody>
+          <a:bodyPr/>
+          <a:lstStyle/>
+          <a:p>
+            <a:r>
+              <a:rPr lang="en-US" dirty="0" smtClean="0"/>
+              <a:t>Questions</a:t>
+            </a:r>
+            <a:endParaRPr lang="en-US" dirty="0"/>
+          </a:p>
+        </p:txBody>
+      </p:sp>
+      <p:sp>
+        <p:nvSpPr>
+          <p:cNvPr id="9" name="Text Placeholder 8"/>
+          <p:cNvSpPr>
+            <a:spLocks noGrp="1"/>
+          </p:cNvSpPr>
+          <p:nvPr>
+            <p:ph type="body" idx="1"/>
+          </p:nvPr>
+        </p:nvSpPr>
+        <p:spPr/>
+        <p:txBody>
+          <a:bodyPr/>
+          <a:lstStyle/>
+          <a:p>
+            <a:r>
+              <a:rPr lang="en-US" dirty="0" smtClean="0"/>
+              <a:t>Thank you</a:t>
+            </a:r>
+            <a:endParaRPr lang="en-US" dirty="0"/>
+          </a:p>
+        </p:txBody>
+      </p:sp>
+      <p:sp>
+        <p:nvSpPr>
+          <p:cNvPr id="3" name="Date Placeholder 2"/>
+          <p:cNvSpPr>
+            <a:spLocks noGrp="1"/>
+          </p:cNvSpPr>
+          <p:nvPr>
+            <p:ph type="dt" sz="half" idx="10"/>
+          </p:nvPr>
+        </p:nvSpPr>
+        <p:spPr/>
+        <p:txBody>
+          <a:bodyPr/>
+          <a:lstStyle/>
+          <a:p>
+            <a:fld id="{9078C016-7B68-A44C-907E-E68C841E31AA}" type="datetime2">
+              <a:rPr lang="en-US" smtClean="0"/>
+              <a:t>Tuesday 12 November 13</a:t>
+            </a:fld>
+            <a:endParaRPr lang="en-US"/>
+          </a:p>
+        </p:txBody>
+      </p:sp>
+      <p:sp>
+        <p:nvSpPr>
+          <p:cNvPr id="4" name="Footer Placeholder 3"/>
+          <p:cNvSpPr>
+            <a:spLocks noGrp="1"/>
+          </p:cNvSpPr>
+          <p:nvPr>
+            <p:ph type="ftr" sz="quarter" idx="11"/>
+          </p:nvPr>
+        </p:nvSpPr>
+        <p:spPr/>
+        <p:txBody>
+          <a:bodyPr/>
+          <a:lstStyle/>
+          <a:p>
+            <a:r>
+              <a:rPr lang="en-US" smtClean="0"/>
+              <a:t>MLMQ</a:t>
+            </a:r>
+            <a:endParaRPr lang="en-US"/>
+          </a:p>
+        </p:txBody>
+      </p:sp>
+      <p:sp>
+        <p:nvSpPr>
+          <p:cNvPr id="5" name="Slide Number Placeholder 4"/>
+          <p:cNvSpPr>
+            <a:spLocks noGrp="1"/>
+          </p:cNvSpPr>
+          <p:nvPr>
+            <p:ph type="sldNum" sz="quarter" idx="12"/>
+          </p:nvPr>
+        </p:nvSpPr>
+        <p:spPr/>
+        <p:txBody>
+          <a:bodyPr/>
+          <a:lstStyle/>
+          <a:p>
+            <a:fld id="{657B2308-30A8-9242-AB00-DAE35BE06ADD}" type="slidenum">
+              <a:rPr lang="en-US" smtClean="0"/>
+              <a:t>14</a:t>
+            </a:fld>
+            <a:endParaRPr lang="en-US"/>
+          </a:p>
+        </p:txBody>
+      </p:sp>
+    </p:spTree>
+    <p:extLst>
+      <p:ext uri="{BB962C8B-B14F-4D97-AF65-F5344CB8AC3E}">
+        <p14:creationId xmlns:p14="http://schemas.microsoft.com/office/powerpoint/2010/main" val="1573961915"/>
+      </p:ext>
+    </p:extLst>
+  </p:cSld>
+  <p:clrMapOvr>
+    <a:masterClrMapping/>
+  </p:clrMapOvr>
+  <p:timing>
+    <p:tnLst>
+      <p:par>
+        <p:cTn xmlns:p14="http://schemas.microsoft.com/office/powerpoint/2010/main" id="1" dur="indefinite" restart="never" nodeType="tmRoot"/>
+      </p:par>
+    </p:tnLst>
+  </p:timing>
+</p:sld>
+</file>
+
 <file path=ppt/slides/slide2.xml><?xml version="1.0" encoding="utf-8"?>
 <p:sld xmlns:a="http://schemas.openxmlformats.org/drawingml/2006/main" xmlns:r="http://schemas.openxmlformats.org/officeDocument/2006/relationships" xmlns:p="http://schemas.openxmlformats.org/presentationml/2006/main">
   <p:cSld>
@@ -13975,26 +14754,27 @@
         <p:spPr/>
         <p:txBody>
           <a:bodyPr>
-            <a:normAutofit fontScale="92500" lnSpcReduction="20000"/>
+            <a:normAutofit/>
           </a:bodyPr>
           <a:lstStyle/>
           <a:p>
             <a:r>
               <a:rPr lang="en-US" dirty="0" smtClean="0"/>
-              <a:t>Agenda</a:t>
-            </a:r>
-          </a:p>
-          <a:p>
-            <a:r>
-              <a:rPr lang="en-US" dirty="0" smtClean="0"/>
-              <a:t>System</a:t>
+              <a:t>Design</a:t>
             </a:r>
           </a:p>
           <a:p>
             <a:pPr lvl="1"/>
             <a:r>
               <a:rPr lang="en-US" dirty="0" smtClean="0"/>
-              <a:t>System Overview</a:t>
+              <a:t>Overview</a:t>
+            </a:r>
+          </a:p>
+          <a:p>
+            <a:pPr lvl="1"/>
+            <a:r>
+              <a:rPr lang="en-US" dirty="0" smtClean="0"/>
+              <a:t>Middleware</a:t>
             </a:r>
           </a:p>
           <a:p>
@@ -14008,25 +14788,7 @@
             <a:pPr lvl="1"/>
             <a:r>
               <a:rPr lang="en-US" dirty="0" smtClean="0"/>
-              <a:t>Message System</a:t>
-            </a:r>
-          </a:p>
-          <a:p>
-            <a:pPr lvl="1"/>
-            <a:r>
-              <a:rPr lang="en-US" dirty="0" smtClean="0"/>
-              <a:t>Client / Broker Communication</a:t>
-            </a:r>
-          </a:p>
-          <a:p>
-            <a:pPr lvl="1"/>
-            <a:r>
-              <a:rPr lang="en-US" dirty="0"/>
-              <a:t>Design </a:t>
-            </a:r>
-            <a:r>
-              <a:rPr lang="en-US" dirty="0" smtClean="0"/>
-              <a:t>Decisions</a:t>
+              <a:t>(Design Decisions)</a:t>
             </a:r>
           </a:p>
           <a:p>
@@ -14034,14 +14796,6 @@
               <a:rPr lang="en-US" dirty="0" smtClean="0"/>
               <a:t>Experiments</a:t>
             </a:r>
-          </a:p>
-          <a:p>
-            <a:pPr lvl="1"/>
-            <a:r>
-              <a:rPr lang="en-US" dirty="0" err="1" smtClean="0"/>
-              <a:t>Testmaster</a:t>
-            </a:r>
-            <a:endParaRPr lang="en-US" dirty="0" smtClean="0"/>
           </a:p>
           <a:p>
             <a:pPr lvl="1"/>
@@ -14054,36 +14808,51 @@
             <a:pPr lvl="1"/>
             <a:r>
               <a:rPr lang="en-US" dirty="0" smtClean="0"/>
-              <a:t>Factors</a:t>
-            </a:r>
-            <a:endParaRPr lang="en-US" dirty="0"/>
-          </a:p>
-          <a:p>
-            <a:pPr lvl="1"/>
-            <a:r>
-              <a:rPr lang="en-US" dirty="0"/>
-              <a:t>2h Test</a:t>
+              <a:t>Summary</a:t>
             </a:r>
           </a:p>
           <a:p>
             <a:pPr lvl="1"/>
             <a:r>
               <a:rPr lang="en-US" dirty="0" smtClean="0"/>
+              <a:t>Results </a:t>
+            </a:r>
+            <a:r>
+              <a:rPr lang="en-US" dirty="0"/>
+              <a:t>(Factors</a:t>
+            </a:r>
+            <a:r>
+              <a:rPr lang="en-US" dirty="0" smtClean="0"/>
+              <a:t>) (</a:t>
+            </a:r>
+            <a:r>
+              <a:rPr lang="en-US" dirty="0"/>
               <a:t>2</a:t>
             </a:r>
             <a:r>
-              <a:rPr lang="en-US" baseline="30000" dirty="0" smtClean="0"/>
+              <a:rPr lang="en-US" baseline="30000" dirty="0"/>
               <a:t>k</a:t>
             </a:r>
             <a:r>
-              <a:rPr lang="en-US" dirty="0" smtClean="0"/>
+              <a:rPr lang="en-US" dirty="0"/>
               <a:t> Test</a:t>
             </a:r>
-          </a:p>
-          <a:p>
             <a:r>
               <a:rPr lang="en-US" dirty="0" smtClean="0"/>
-              <a:t>Lessons Learned</a:t>
+              <a:t>)</a:t>
+            </a:r>
+          </a:p>
+          <a:p>
+            <a:pPr lvl="1"/>
+            <a:r>
+              <a:rPr lang="en-US" dirty="0" smtClean="0"/>
+              <a:t>2h Trace</a:t>
+            </a:r>
+          </a:p>
+          <a:p>
+            <a:r>
+              <a:rPr lang="en-US" dirty="0" smtClean="0"/>
+              <a:t>Lessons Learned about the System</a:t>
             </a:r>
             <a:endParaRPr lang="en-US" dirty="0"/>
           </a:p>
@@ -14129,7 +14898,7 @@
           <a:p>
             <a:fld id="{1ACCE183-9360-AB4B-BC2B-BFF7ED076B94}" type="datetime2">
               <a:rPr lang="en-US" smtClean="0"/>
-              <a:t>Monday 11 November 13</a:t>
+              <a:t>Tuesday 12 November 13</a:t>
             </a:fld>
             <a:endParaRPr lang="en-US"/>
           </a:p>
@@ -14254,7 +15023,7 @@
           <a:p>
             <a:fld id="{9078C016-7B68-A44C-907E-E68C841E31AA}" type="datetime2">
               <a:rPr lang="en-US" smtClean="0"/>
-              <a:t>Monday 11 November 13</a:t>
+              <a:t>Tuesday 12 November 13</a:t>
             </a:fld>
             <a:endParaRPr lang="en-US"/>
           </a:p>
@@ -14321,7 +15090,163 @@
           <a:bodyPr/>
           <a:lstStyle/>
           <a:p>
+            <a:r>
+              <a:rPr lang="en-US" dirty="0" smtClean="0"/>
+              <a:t>Design</a:t>
+            </a:r>
+            <a:endParaRPr lang="en-US" dirty="0"/>
+          </a:p>
+        </p:txBody>
+      </p:sp>
+    </p:spTree>
+    <p:extLst>
+      <p:ext uri="{BB962C8B-B14F-4D97-AF65-F5344CB8AC3E}">
+        <p14:creationId xmlns:p14="http://schemas.microsoft.com/office/powerpoint/2010/main" val="3467480201"/>
+      </p:ext>
+    </p:extLst>
+  </p:cSld>
+  <p:clrMapOvr>
+    <a:masterClrMapping/>
+  </p:clrMapOvr>
+</p:sld>
+</file>
+
+<file path=ppt/slides/slide4.xml><?xml version="1.0" encoding="utf-8"?>
+<p:sld xmlns:a="http://schemas.openxmlformats.org/drawingml/2006/main" xmlns:r="http://schemas.openxmlformats.org/officeDocument/2006/relationships" xmlns:p="http://schemas.openxmlformats.org/presentationml/2006/main">
+  <p:cSld>
+    <p:spTree>
+      <p:nvGrpSpPr>
+        <p:cNvPr id="1" name=""/>
+        <p:cNvGrpSpPr/>
+        <p:nvPr/>
+      </p:nvGrpSpPr>
+      <p:grpSpPr>
+        <a:xfrm>
+          <a:off x="0" y="0"/>
+          <a:ext cx="0" cy="0"/>
+          <a:chOff x="0" y="0"/>
+          <a:chExt cx="0" cy="0"/>
+        </a:xfrm>
+      </p:grpSpPr>
+      <p:pic>
+        <p:nvPicPr>
+          <p:cNvPr id="7" name="Content Placeholder 6" descr="system-overview.eps"/>
+          <p:cNvPicPr>
+            <a:picLocks noGrp="1" noChangeAspect="1"/>
+          </p:cNvPicPr>
+          <p:nvPr>
+            <p:ph idx="1"/>
+          </p:nvPr>
+        </p:nvPicPr>
+        <p:blipFill>
+          <a:blip r:embed="rId2">
+            <a:extLst>
+              <a:ext uri="{28A0092B-C50C-407E-A947-70E740481C1C}">
+                <a14:useLocalDpi xmlns:a14="http://schemas.microsoft.com/office/drawing/2010/main" val="0"/>
+              </a:ext>
+            </a:extLst>
+          </a:blip>
+          <a:srcRect t="-15371" b="-15371"/>
+          <a:stretch>
+            <a:fillRect/>
+          </a:stretch>
+        </p:blipFill>
+        <p:spPr>
+          <a:xfrm>
+            <a:off x="871538" y="1295400"/>
+            <a:ext cx="7408862" cy="4830763"/>
+          </a:xfrm>
+        </p:spPr>
+      </p:pic>
+      <p:sp>
+        <p:nvSpPr>
+          <p:cNvPr id="3" name="Date Placeholder 2"/>
+          <p:cNvSpPr>
+            <a:spLocks noGrp="1"/>
+          </p:cNvSpPr>
+          <p:nvPr>
+            <p:ph type="dt" sz="half" idx="10"/>
+          </p:nvPr>
+        </p:nvSpPr>
+        <p:spPr/>
+        <p:txBody>
+          <a:bodyPr/>
+          <a:lstStyle/>
+          <a:p>
+            <a:fld id="{9078C016-7B68-A44C-907E-E68C841E31AA}" type="datetime2">
+              <a:rPr lang="en-US" smtClean="0"/>
+              <a:t>Monday 11 November 13</a:t>
+            </a:fld>
             <a:endParaRPr lang="en-US"/>
+          </a:p>
+        </p:txBody>
+      </p:sp>
+      <p:sp>
+        <p:nvSpPr>
+          <p:cNvPr id="4" name="Footer Placeholder 3"/>
+          <p:cNvSpPr>
+            <a:spLocks noGrp="1"/>
+          </p:cNvSpPr>
+          <p:nvPr>
+            <p:ph type="ftr" sz="quarter" idx="11"/>
+          </p:nvPr>
+        </p:nvSpPr>
+        <p:spPr/>
+        <p:txBody>
+          <a:bodyPr/>
+          <a:lstStyle/>
+          <a:p>
+            <a:r>
+              <a:rPr lang="en-US" smtClean="0"/>
+              <a:t>MLMQ</a:t>
+            </a:r>
+            <a:endParaRPr lang="en-US"/>
+          </a:p>
+        </p:txBody>
+      </p:sp>
+      <p:sp>
+        <p:nvSpPr>
+          <p:cNvPr id="5" name="Slide Number Placeholder 4"/>
+          <p:cNvSpPr>
+            <a:spLocks noGrp="1"/>
+          </p:cNvSpPr>
+          <p:nvPr>
+            <p:ph type="sldNum" sz="quarter" idx="12"/>
+          </p:nvPr>
+        </p:nvSpPr>
+        <p:spPr/>
+        <p:txBody>
+          <a:bodyPr/>
+          <a:lstStyle/>
+          <a:p>
+            <a:fld id="{657B2308-30A8-9242-AB00-DAE35BE06ADD}" type="slidenum">
+              <a:rPr lang="en-US" smtClean="0"/>
+              <a:t>4</a:t>
+            </a:fld>
+            <a:endParaRPr lang="en-US"/>
+          </a:p>
+        </p:txBody>
+      </p:sp>
+      <p:sp>
+        <p:nvSpPr>
+          <p:cNvPr id="6" name="Title 5"/>
+          <p:cNvSpPr>
+            <a:spLocks noGrp="1"/>
+          </p:cNvSpPr>
+          <p:nvPr>
+            <p:ph type="title"/>
+          </p:nvPr>
+        </p:nvSpPr>
+        <p:spPr/>
+        <p:txBody>
+          <a:bodyPr/>
+          <a:lstStyle/>
+          <a:p>
+            <a:r>
+              <a:rPr lang="en-US" dirty="0" smtClean="0"/>
+              <a:t>Design - Overview</a:t>
+            </a:r>
+            <a:endParaRPr lang="en-US" dirty="0"/>
           </a:p>
         </p:txBody>
       </p:sp>
@@ -14329,6 +15254,730 @@
     <p:extLst>
       <p:ext uri="{BB962C8B-B14F-4D97-AF65-F5344CB8AC3E}">
         <p14:creationId xmlns:p14="http://schemas.microsoft.com/office/powerpoint/2010/main" val="4268179950"/>
+      </p:ext>
+    </p:extLst>
+  </p:cSld>
+  <p:clrMapOvr>
+    <a:masterClrMapping/>
+  </p:clrMapOvr>
+</p:sld>
+</file>
+
+<file path=ppt/slides/slide5.xml><?xml version="1.0" encoding="utf-8"?>
+<p:sld xmlns:a="http://schemas.openxmlformats.org/drawingml/2006/main" xmlns:r="http://schemas.openxmlformats.org/officeDocument/2006/relationships" xmlns:p="http://schemas.openxmlformats.org/presentationml/2006/main">
+  <p:cSld>
+    <p:spTree>
+      <p:nvGrpSpPr>
+        <p:cNvPr id="1" name=""/>
+        <p:cNvGrpSpPr/>
+        <p:nvPr/>
+      </p:nvGrpSpPr>
+      <p:grpSpPr>
+        <a:xfrm>
+          <a:off x="0" y="0"/>
+          <a:ext cx="0" cy="0"/>
+          <a:chOff x="0" y="0"/>
+          <a:chExt cx="0" cy="0"/>
+        </a:xfrm>
+      </p:grpSpPr>
+      <p:pic>
+        <p:nvPicPr>
+          <p:cNvPr id="7" name="Content Placeholder 6" descr="broker-threading.eps"/>
+          <p:cNvPicPr>
+            <a:picLocks noGrp="1" noChangeAspect="1"/>
+          </p:cNvPicPr>
+          <p:nvPr>
+            <p:ph idx="1"/>
+          </p:nvPr>
+        </p:nvPicPr>
+        <p:blipFill>
+          <a:blip r:embed="rId2">
+            <a:extLst>
+              <a:ext uri="{28A0092B-C50C-407E-A947-70E740481C1C}">
+                <a14:useLocalDpi xmlns:a14="http://schemas.microsoft.com/office/drawing/2010/main" val="0"/>
+              </a:ext>
+            </a:extLst>
+          </a:blip>
+          <a:srcRect t="-27774" b="-27774"/>
+          <a:stretch>
+            <a:fillRect/>
+          </a:stretch>
+        </p:blipFill>
+        <p:spPr/>
+      </p:pic>
+      <p:sp>
+        <p:nvSpPr>
+          <p:cNvPr id="3" name="Date Placeholder 2"/>
+          <p:cNvSpPr>
+            <a:spLocks noGrp="1"/>
+          </p:cNvSpPr>
+          <p:nvPr>
+            <p:ph type="dt" sz="half" idx="10"/>
+          </p:nvPr>
+        </p:nvSpPr>
+        <p:spPr/>
+        <p:txBody>
+          <a:bodyPr/>
+          <a:lstStyle/>
+          <a:p>
+            <a:fld id="{9078C016-7B68-A44C-907E-E68C841E31AA}" type="datetime2">
+              <a:rPr lang="en-US" smtClean="0"/>
+              <a:t>Tuesday 12 November 13</a:t>
+            </a:fld>
+            <a:endParaRPr lang="en-US"/>
+          </a:p>
+        </p:txBody>
+      </p:sp>
+      <p:sp>
+        <p:nvSpPr>
+          <p:cNvPr id="4" name="Footer Placeholder 3"/>
+          <p:cNvSpPr>
+            <a:spLocks noGrp="1"/>
+          </p:cNvSpPr>
+          <p:nvPr>
+            <p:ph type="ftr" sz="quarter" idx="11"/>
+          </p:nvPr>
+        </p:nvSpPr>
+        <p:spPr/>
+        <p:txBody>
+          <a:bodyPr/>
+          <a:lstStyle/>
+          <a:p>
+            <a:r>
+              <a:rPr lang="en-US" smtClean="0"/>
+              <a:t>MLMQ</a:t>
+            </a:r>
+            <a:endParaRPr lang="en-US"/>
+          </a:p>
+        </p:txBody>
+      </p:sp>
+      <p:sp>
+        <p:nvSpPr>
+          <p:cNvPr id="5" name="Slide Number Placeholder 4"/>
+          <p:cNvSpPr>
+            <a:spLocks noGrp="1"/>
+          </p:cNvSpPr>
+          <p:nvPr>
+            <p:ph type="sldNum" sz="quarter" idx="12"/>
+          </p:nvPr>
+        </p:nvSpPr>
+        <p:spPr/>
+        <p:txBody>
+          <a:bodyPr/>
+          <a:lstStyle/>
+          <a:p>
+            <a:fld id="{657B2308-30A8-9242-AB00-DAE35BE06ADD}" type="slidenum">
+              <a:rPr lang="en-US" smtClean="0"/>
+              <a:t>5</a:t>
+            </a:fld>
+            <a:endParaRPr lang="en-US"/>
+          </a:p>
+        </p:txBody>
+      </p:sp>
+      <p:sp>
+        <p:nvSpPr>
+          <p:cNvPr id="6" name="Title 5"/>
+          <p:cNvSpPr>
+            <a:spLocks noGrp="1"/>
+          </p:cNvSpPr>
+          <p:nvPr>
+            <p:ph type="title"/>
+          </p:nvPr>
+        </p:nvSpPr>
+        <p:spPr/>
+        <p:txBody>
+          <a:bodyPr/>
+          <a:lstStyle/>
+          <a:p>
+            <a:r>
+              <a:rPr lang="en-US" dirty="0"/>
+              <a:t>Design - </a:t>
+            </a:r>
+            <a:r>
+              <a:rPr lang="en-US" dirty="0" smtClean="0"/>
+              <a:t>Middleware</a:t>
+            </a:r>
+            <a:endParaRPr lang="en-US" dirty="0"/>
+          </a:p>
+        </p:txBody>
+      </p:sp>
+    </p:spTree>
+    <p:extLst>
+      <p:ext uri="{BB962C8B-B14F-4D97-AF65-F5344CB8AC3E}">
+        <p14:creationId xmlns:p14="http://schemas.microsoft.com/office/powerpoint/2010/main" val="3360172846"/>
+      </p:ext>
+    </p:extLst>
+  </p:cSld>
+  <p:clrMapOvr>
+    <a:masterClrMapping/>
+  </p:clrMapOvr>
+</p:sld>
+</file>
+
+<file path=ppt/slides/slide6.xml><?xml version="1.0" encoding="utf-8"?>
+<p:sld xmlns:a="http://schemas.openxmlformats.org/drawingml/2006/main" xmlns:r="http://schemas.openxmlformats.org/officeDocument/2006/relationships" xmlns:p="http://schemas.openxmlformats.org/presentationml/2006/main">
+  <p:cSld>
+    <p:spTree>
+      <p:nvGrpSpPr>
+        <p:cNvPr id="1" name=""/>
+        <p:cNvGrpSpPr/>
+        <p:nvPr/>
+      </p:nvGrpSpPr>
+      <p:grpSpPr>
+        <a:xfrm>
+          <a:off x="0" y="0"/>
+          <a:ext cx="0" cy="0"/>
+          <a:chOff x="0" y="0"/>
+          <a:chExt cx="0" cy="0"/>
+        </a:xfrm>
+      </p:grpSpPr>
+      <p:sp>
+        <p:nvSpPr>
+          <p:cNvPr id="2" name="Content Placeholder 1"/>
+          <p:cNvSpPr>
+            <a:spLocks noGrp="1"/>
+          </p:cNvSpPr>
+          <p:nvPr>
+            <p:ph idx="1"/>
+          </p:nvPr>
+        </p:nvSpPr>
+        <p:spPr/>
+        <p:txBody>
+          <a:bodyPr/>
+          <a:lstStyle/>
+          <a:p>
+            <a:endParaRPr lang="en-US"/>
+          </a:p>
+        </p:txBody>
+      </p:sp>
+      <p:sp>
+        <p:nvSpPr>
+          <p:cNvPr id="3" name="Date Placeholder 2"/>
+          <p:cNvSpPr>
+            <a:spLocks noGrp="1"/>
+          </p:cNvSpPr>
+          <p:nvPr>
+            <p:ph type="dt" sz="half" idx="10"/>
+          </p:nvPr>
+        </p:nvSpPr>
+        <p:spPr/>
+        <p:txBody>
+          <a:bodyPr/>
+          <a:lstStyle/>
+          <a:p>
+            <a:fld id="{9078C016-7B68-A44C-907E-E68C841E31AA}" type="datetime2">
+              <a:rPr lang="en-US" smtClean="0"/>
+              <a:t>Tuesday 12 November 13</a:t>
+            </a:fld>
+            <a:endParaRPr lang="en-US"/>
+          </a:p>
+        </p:txBody>
+      </p:sp>
+      <p:sp>
+        <p:nvSpPr>
+          <p:cNvPr id="4" name="Footer Placeholder 3"/>
+          <p:cNvSpPr>
+            <a:spLocks noGrp="1"/>
+          </p:cNvSpPr>
+          <p:nvPr>
+            <p:ph type="ftr" sz="quarter" idx="11"/>
+          </p:nvPr>
+        </p:nvSpPr>
+        <p:spPr/>
+        <p:txBody>
+          <a:bodyPr/>
+          <a:lstStyle/>
+          <a:p>
+            <a:r>
+              <a:rPr lang="en-US" smtClean="0"/>
+              <a:t>MLMQ</a:t>
+            </a:r>
+            <a:endParaRPr lang="en-US"/>
+          </a:p>
+        </p:txBody>
+      </p:sp>
+      <p:sp>
+        <p:nvSpPr>
+          <p:cNvPr id="5" name="Slide Number Placeholder 4"/>
+          <p:cNvSpPr>
+            <a:spLocks noGrp="1"/>
+          </p:cNvSpPr>
+          <p:nvPr>
+            <p:ph type="sldNum" sz="quarter" idx="12"/>
+          </p:nvPr>
+        </p:nvSpPr>
+        <p:spPr/>
+        <p:txBody>
+          <a:bodyPr/>
+          <a:lstStyle/>
+          <a:p>
+            <a:fld id="{657B2308-30A8-9242-AB00-DAE35BE06ADD}" type="slidenum">
+              <a:rPr lang="en-US" smtClean="0"/>
+              <a:t>6</a:t>
+            </a:fld>
+            <a:endParaRPr lang="en-US"/>
+          </a:p>
+        </p:txBody>
+      </p:sp>
+      <p:sp>
+        <p:nvSpPr>
+          <p:cNvPr id="6" name="Title 5"/>
+          <p:cNvSpPr>
+            <a:spLocks noGrp="1"/>
+          </p:cNvSpPr>
+          <p:nvPr>
+            <p:ph type="title"/>
+          </p:nvPr>
+        </p:nvSpPr>
+        <p:spPr/>
+        <p:txBody>
+          <a:bodyPr/>
+          <a:lstStyle/>
+          <a:p>
+            <a:r>
+              <a:rPr lang="en-US" dirty="0" smtClean="0"/>
+              <a:t>Design - Database</a:t>
+            </a:r>
+            <a:endParaRPr lang="en-US" dirty="0"/>
+          </a:p>
+        </p:txBody>
+      </p:sp>
+    </p:spTree>
+    <p:extLst>
+      <p:ext uri="{BB962C8B-B14F-4D97-AF65-F5344CB8AC3E}">
+        <p14:creationId xmlns:p14="http://schemas.microsoft.com/office/powerpoint/2010/main" val="701551957"/>
+      </p:ext>
+    </p:extLst>
+  </p:cSld>
+  <p:clrMapOvr>
+    <a:masterClrMapping/>
+  </p:clrMapOvr>
+</p:sld>
+</file>
+
+<file path=ppt/slides/slide7.xml><?xml version="1.0" encoding="utf-8"?>
+<p:sld xmlns:a="http://schemas.openxmlformats.org/drawingml/2006/main" xmlns:r="http://schemas.openxmlformats.org/officeDocument/2006/relationships" xmlns:p="http://schemas.openxmlformats.org/presentationml/2006/main">
+  <p:cSld>
+    <p:spTree>
+      <p:nvGrpSpPr>
+        <p:cNvPr id="1" name=""/>
+        <p:cNvGrpSpPr/>
+        <p:nvPr/>
+      </p:nvGrpSpPr>
+      <p:grpSpPr>
+        <a:xfrm>
+          <a:off x="0" y="0"/>
+          <a:ext cx="0" cy="0"/>
+          <a:chOff x="0" y="0"/>
+          <a:chExt cx="0" cy="0"/>
+        </a:xfrm>
+      </p:grpSpPr>
+      <p:sp>
+        <p:nvSpPr>
+          <p:cNvPr id="2" name="Content Placeholder 1"/>
+          <p:cNvSpPr>
+            <a:spLocks noGrp="1"/>
+          </p:cNvSpPr>
+          <p:nvPr>
+            <p:ph idx="1"/>
+          </p:nvPr>
+        </p:nvSpPr>
+        <p:spPr/>
+        <p:txBody>
+          <a:bodyPr/>
+          <a:lstStyle/>
+          <a:p>
+            <a:endParaRPr lang="en-US"/>
+          </a:p>
+        </p:txBody>
+      </p:sp>
+      <p:sp>
+        <p:nvSpPr>
+          <p:cNvPr id="3" name="Date Placeholder 2"/>
+          <p:cNvSpPr>
+            <a:spLocks noGrp="1"/>
+          </p:cNvSpPr>
+          <p:nvPr>
+            <p:ph type="dt" sz="half" idx="10"/>
+          </p:nvPr>
+        </p:nvSpPr>
+        <p:spPr/>
+        <p:txBody>
+          <a:bodyPr/>
+          <a:lstStyle/>
+          <a:p>
+            <a:fld id="{9078C016-7B68-A44C-907E-E68C841E31AA}" type="datetime2">
+              <a:rPr lang="en-US" smtClean="0"/>
+              <a:t>Tuesday 12 November 13</a:t>
+            </a:fld>
+            <a:endParaRPr lang="en-US"/>
+          </a:p>
+        </p:txBody>
+      </p:sp>
+      <p:sp>
+        <p:nvSpPr>
+          <p:cNvPr id="4" name="Footer Placeholder 3"/>
+          <p:cNvSpPr>
+            <a:spLocks noGrp="1"/>
+          </p:cNvSpPr>
+          <p:nvPr>
+            <p:ph type="ftr" sz="quarter" idx="11"/>
+          </p:nvPr>
+        </p:nvSpPr>
+        <p:spPr/>
+        <p:txBody>
+          <a:bodyPr/>
+          <a:lstStyle/>
+          <a:p>
+            <a:r>
+              <a:rPr lang="en-US" smtClean="0"/>
+              <a:t>MLMQ</a:t>
+            </a:r>
+            <a:endParaRPr lang="en-US"/>
+          </a:p>
+        </p:txBody>
+      </p:sp>
+      <p:sp>
+        <p:nvSpPr>
+          <p:cNvPr id="5" name="Slide Number Placeholder 4"/>
+          <p:cNvSpPr>
+            <a:spLocks noGrp="1"/>
+          </p:cNvSpPr>
+          <p:nvPr>
+            <p:ph type="sldNum" sz="quarter" idx="12"/>
+          </p:nvPr>
+        </p:nvSpPr>
+        <p:spPr/>
+        <p:txBody>
+          <a:bodyPr/>
+          <a:lstStyle/>
+          <a:p>
+            <a:fld id="{657B2308-30A8-9242-AB00-DAE35BE06ADD}" type="slidenum">
+              <a:rPr lang="en-US" smtClean="0"/>
+              <a:t>7</a:t>
+            </a:fld>
+            <a:endParaRPr lang="en-US"/>
+          </a:p>
+        </p:txBody>
+      </p:sp>
+      <p:sp>
+        <p:nvSpPr>
+          <p:cNvPr id="6" name="Title 5"/>
+          <p:cNvSpPr>
+            <a:spLocks noGrp="1"/>
+          </p:cNvSpPr>
+          <p:nvPr>
+            <p:ph type="title"/>
+          </p:nvPr>
+        </p:nvSpPr>
+        <p:spPr/>
+        <p:txBody>
+          <a:bodyPr/>
+          <a:lstStyle/>
+          <a:p>
+            <a:r>
+              <a:rPr lang="en-US" dirty="0" smtClean="0"/>
+              <a:t>Design - Interfaces</a:t>
+            </a:r>
+            <a:endParaRPr lang="en-US" dirty="0"/>
+          </a:p>
+        </p:txBody>
+      </p:sp>
+    </p:spTree>
+    <p:extLst>
+      <p:ext uri="{BB962C8B-B14F-4D97-AF65-F5344CB8AC3E}">
+        <p14:creationId xmlns:p14="http://schemas.microsoft.com/office/powerpoint/2010/main" val="1096479053"/>
+      </p:ext>
+    </p:extLst>
+  </p:cSld>
+  <p:clrMapOvr>
+    <a:masterClrMapping/>
+  </p:clrMapOvr>
+</p:sld>
+</file>
+
+<file path=ppt/slides/slide8.xml><?xml version="1.0" encoding="utf-8"?>
+<p:sld xmlns:a="http://schemas.openxmlformats.org/drawingml/2006/main" xmlns:r="http://schemas.openxmlformats.org/officeDocument/2006/relationships" xmlns:p="http://schemas.openxmlformats.org/presentationml/2006/main">
+  <p:cSld>
+    <p:spTree>
+      <p:nvGrpSpPr>
+        <p:cNvPr id="1" name=""/>
+        <p:cNvGrpSpPr/>
+        <p:nvPr/>
+      </p:nvGrpSpPr>
+      <p:grpSpPr>
+        <a:xfrm>
+          <a:off x="0" y="0"/>
+          <a:ext cx="0" cy="0"/>
+          <a:chOff x="0" y="0"/>
+          <a:chExt cx="0" cy="0"/>
+        </a:xfrm>
+      </p:grpSpPr>
+      <p:sp>
+        <p:nvSpPr>
+          <p:cNvPr id="2" name="Content Placeholder 1"/>
+          <p:cNvSpPr>
+            <a:spLocks noGrp="1"/>
+          </p:cNvSpPr>
+          <p:nvPr>
+            <p:ph idx="1"/>
+          </p:nvPr>
+        </p:nvSpPr>
+        <p:spPr/>
+        <p:txBody>
+          <a:bodyPr/>
+          <a:lstStyle/>
+          <a:p>
+            <a:endParaRPr lang="en-US"/>
+          </a:p>
+        </p:txBody>
+      </p:sp>
+      <p:sp>
+        <p:nvSpPr>
+          <p:cNvPr id="3" name="Date Placeholder 2"/>
+          <p:cNvSpPr>
+            <a:spLocks noGrp="1"/>
+          </p:cNvSpPr>
+          <p:nvPr>
+            <p:ph type="dt" sz="half" idx="10"/>
+          </p:nvPr>
+        </p:nvSpPr>
+        <p:spPr/>
+        <p:txBody>
+          <a:bodyPr/>
+          <a:lstStyle/>
+          <a:p>
+            <a:fld id="{9078C016-7B68-A44C-907E-E68C841E31AA}" type="datetime2">
+              <a:rPr lang="en-US" smtClean="0"/>
+              <a:t>Tuesday 12 November 13</a:t>
+            </a:fld>
+            <a:endParaRPr lang="en-US"/>
+          </a:p>
+        </p:txBody>
+      </p:sp>
+      <p:sp>
+        <p:nvSpPr>
+          <p:cNvPr id="4" name="Footer Placeholder 3"/>
+          <p:cNvSpPr>
+            <a:spLocks noGrp="1"/>
+          </p:cNvSpPr>
+          <p:nvPr>
+            <p:ph type="ftr" sz="quarter" idx="11"/>
+          </p:nvPr>
+        </p:nvSpPr>
+        <p:spPr/>
+        <p:txBody>
+          <a:bodyPr/>
+          <a:lstStyle/>
+          <a:p>
+            <a:r>
+              <a:rPr lang="en-US" smtClean="0"/>
+              <a:t>MLMQ</a:t>
+            </a:r>
+            <a:endParaRPr lang="en-US"/>
+          </a:p>
+        </p:txBody>
+      </p:sp>
+      <p:sp>
+        <p:nvSpPr>
+          <p:cNvPr id="5" name="Slide Number Placeholder 4"/>
+          <p:cNvSpPr>
+            <a:spLocks noGrp="1"/>
+          </p:cNvSpPr>
+          <p:nvPr>
+            <p:ph type="sldNum" sz="quarter" idx="12"/>
+          </p:nvPr>
+        </p:nvSpPr>
+        <p:spPr/>
+        <p:txBody>
+          <a:bodyPr/>
+          <a:lstStyle/>
+          <a:p>
+            <a:fld id="{657B2308-30A8-9242-AB00-DAE35BE06ADD}" type="slidenum">
+              <a:rPr lang="en-US" smtClean="0"/>
+              <a:t>8</a:t>
+            </a:fld>
+            <a:endParaRPr lang="en-US"/>
+          </a:p>
+        </p:txBody>
+      </p:sp>
+      <p:sp>
+        <p:nvSpPr>
+          <p:cNvPr id="6" name="Title 5"/>
+          <p:cNvSpPr>
+            <a:spLocks noGrp="1"/>
+          </p:cNvSpPr>
+          <p:nvPr>
+            <p:ph type="title"/>
+          </p:nvPr>
+        </p:nvSpPr>
+        <p:spPr/>
+        <p:txBody>
+          <a:bodyPr/>
+          <a:lstStyle/>
+          <a:p>
+            <a:r>
+              <a:rPr lang="en-US" dirty="0" smtClean="0"/>
+              <a:t>Experiments</a:t>
+            </a:r>
+            <a:endParaRPr lang="en-US" dirty="0"/>
+          </a:p>
+        </p:txBody>
+      </p:sp>
+    </p:spTree>
+    <p:extLst>
+      <p:ext uri="{BB962C8B-B14F-4D97-AF65-F5344CB8AC3E}">
+        <p14:creationId xmlns:p14="http://schemas.microsoft.com/office/powerpoint/2010/main" val="2974931231"/>
+      </p:ext>
+    </p:extLst>
+  </p:cSld>
+  <p:clrMapOvr>
+    <a:masterClrMapping/>
+  </p:clrMapOvr>
+</p:sld>
+</file>
+
+<file path=ppt/slides/slide9.xml><?xml version="1.0" encoding="utf-8"?>
+<p:sld xmlns:a="http://schemas.openxmlformats.org/drawingml/2006/main" xmlns:r="http://schemas.openxmlformats.org/officeDocument/2006/relationships" xmlns:p="http://schemas.openxmlformats.org/presentationml/2006/main">
+  <p:cSld>
+    <p:spTree>
+      <p:nvGrpSpPr>
+        <p:cNvPr id="1" name=""/>
+        <p:cNvGrpSpPr/>
+        <p:nvPr/>
+      </p:nvGrpSpPr>
+      <p:grpSpPr>
+        <a:xfrm>
+          <a:off x="0" y="0"/>
+          <a:ext cx="0" cy="0"/>
+          <a:chOff x="0" y="0"/>
+          <a:chExt cx="0" cy="0"/>
+        </a:xfrm>
+      </p:grpSpPr>
+      <p:pic>
+        <p:nvPicPr>
+          <p:cNvPr id="7" name="Content Placeholder 6" descr="testsystem-overview.eps"/>
+          <p:cNvPicPr>
+            <a:picLocks noGrp="1" noChangeAspect="1"/>
+          </p:cNvPicPr>
+          <p:nvPr>
+            <p:ph idx="1"/>
+          </p:nvPr>
+        </p:nvPicPr>
+        <p:blipFill rotWithShape="1">
+          <a:blip r:embed="rId2">
+            <a:extLst>
+              <a:ext uri="{28A0092B-C50C-407E-A947-70E740481C1C}">
+                <a14:useLocalDpi xmlns:a14="http://schemas.microsoft.com/office/drawing/2010/main" val="0"/>
+              </a:ext>
+            </a:extLst>
+          </a:blip>
+          <a:srcRect l="6117" t="1680" r="23374" b="4931"/>
+          <a:stretch/>
+        </p:blipFill>
+        <p:spPr>
+          <a:xfrm>
+            <a:off x="1556573" y="1590271"/>
+            <a:ext cx="6030853" cy="4306957"/>
+          </a:xfrm>
+        </p:spPr>
+      </p:pic>
+      <p:sp>
+        <p:nvSpPr>
+          <p:cNvPr id="3" name="Date Placeholder 2"/>
+          <p:cNvSpPr>
+            <a:spLocks noGrp="1"/>
+          </p:cNvSpPr>
+          <p:nvPr>
+            <p:ph type="dt" sz="half" idx="10"/>
+          </p:nvPr>
+        </p:nvSpPr>
+        <p:spPr/>
+        <p:txBody>
+          <a:bodyPr/>
+          <a:lstStyle/>
+          <a:p>
+            <a:fld id="{9078C016-7B68-A44C-907E-E68C841E31AA}" type="datetime2">
+              <a:rPr lang="en-US" smtClean="0"/>
+              <a:t>Tuesday 12 November 13</a:t>
+            </a:fld>
+            <a:endParaRPr lang="en-US"/>
+          </a:p>
+        </p:txBody>
+      </p:sp>
+      <p:sp>
+        <p:nvSpPr>
+          <p:cNvPr id="4" name="Footer Placeholder 3"/>
+          <p:cNvSpPr>
+            <a:spLocks noGrp="1"/>
+          </p:cNvSpPr>
+          <p:nvPr>
+            <p:ph type="ftr" sz="quarter" idx="11"/>
+          </p:nvPr>
+        </p:nvSpPr>
+        <p:spPr/>
+        <p:txBody>
+          <a:bodyPr/>
+          <a:lstStyle/>
+          <a:p>
+            <a:r>
+              <a:rPr lang="en-US" smtClean="0"/>
+              <a:t>MLMQ</a:t>
+            </a:r>
+            <a:endParaRPr lang="en-US"/>
+          </a:p>
+        </p:txBody>
+      </p:sp>
+      <p:sp>
+        <p:nvSpPr>
+          <p:cNvPr id="5" name="Slide Number Placeholder 4"/>
+          <p:cNvSpPr>
+            <a:spLocks noGrp="1"/>
+          </p:cNvSpPr>
+          <p:nvPr>
+            <p:ph type="sldNum" sz="quarter" idx="12"/>
+          </p:nvPr>
+        </p:nvSpPr>
+        <p:spPr/>
+        <p:txBody>
+          <a:bodyPr/>
+          <a:lstStyle/>
+          <a:p>
+            <a:fld id="{657B2308-30A8-9242-AB00-DAE35BE06ADD}" type="slidenum">
+              <a:rPr lang="en-US" smtClean="0"/>
+              <a:t>9</a:t>
+            </a:fld>
+            <a:endParaRPr lang="en-US"/>
+          </a:p>
+        </p:txBody>
+      </p:sp>
+      <p:sp>
+        <p:nvSpPr>
+          <p:cNvPr id="6" name="Title 5"/>
+          <p:cNvSpPr>
+            <a:spLocks noGrp="1"/>
+          </p:cNvSpPr>
+          <p:nvPr>
+            <p:ph type="title"/>
+          </p:nvPr>
+        </p:nvSpPr>
+        <p:spPr/>
+        <p:txBody>
+          <a:bodyPr/>
+          <a:lstStyle/>
+          <a:p>
+            <a:r>
+              <a:rPr lang="en-US" dirty="0" smtClean="0"/>
+              <a:t>Experiments - Setup</a:t>
+            </a:r>
+            <a:endParaRPr lang="en-US" dirty="0"/>
+          </a:p>
+        </p:txBody>
+      </p:sp>
+    </p:spTree>
+    <p:extLst>
+      <p:ext uri="{BB962C8B-B14F-4D97-AF65-F5344CB8AC3E}">
+        <p14:creationId xmlns:p14="http://schemas.microsoft.com/office/powerpoint/2010/main" val="1837807830"/>
       </p:ext>
     </p:extLst>
   </p:cSld>

--- a/doc/presentations/03 Milestone Presentation/mlmq.pptx
+++ b/doc/presentations/03 Milestone Presentation/mlmq.pptx
@@ -2561,9 +2561,9 @@
           <a:bodyPr/>
           <a:lstStyle/>
           <a:p>
-            <a:fld id="{DC0E173B-E027-B746-895B-311FDA0D72D3}" type="datetime2">
+            <a:fld id="{BCB4C393-8F08-6646-8AFC-DBD8F856E782}" type="datetime2">
               <a:rPr lang="en-US" smtClean="0"/>
-              <a:t>Monday 11 November 13</a:t>
+              <a:t>Tuesday 12 November 13</a:t>
             </a:fld>
             <a:endParaRPr lang="en-US"/>
           </a:p>
@@ -2586,7 +2586,7 @@
           <a:p>
             <a:r>
               <a:rPr lang="en-US" smtClean="0"/>
-              <a:t>MLMQ</a:t>
+              <a:t>MLMQ - ASL HS 13/14 - ETHZ</a:t>
             </a:r>
             <a:endParaRPr lang="en-US"/>
           </a:p>
@@ -2746,9 +2746,9 @@
           <a:bodyPr/>
           <a:lstStyle/>
           <a:p>
-            <a:fld id="{0E98EF4D-6E88-A144-BB6B-EB92F2FF21D8}" type="datetime2">
+            <a:fld id="{2723AE73-AF49-134F-BE0A-11815868C76B}" type="datetime2">
               <a:rPr lang="en-US" smtClean="0"/>
-              <a:t>Monday 11 November 13</a:t>
+              <a:t>Tuesday 12 November 13</a:t>
             </a:fld>
             <a:endParaRPr lang="en-US"/>
           </a:p>
@@ -2771,7 +2771,7 @@
           <a:p>
             <a:r>
               <a:rPr lang="en-US" smtClean="0"/>
-              <a:t>MLMQ</a:t>
+              <a:t>MLMQ - ASL HS 13/14 - ETHZ</a:t>
             </a:r>
             <a:endParaRPr lang="en-US"/>
           </a:p>
@@ -2901,9 +2901,9 @@
           <a:bodyPr/>
           <a:lstStyle/>
           <a:p>
-            <a:fld id="{7C56F38B-EC43-5646-9F76-0B57DEC95471}" type="datetime2">
+            <a:fld id="{84FA4388-52E8-864C-A783-95CAD7816AE5}" type="datetime2">
               <a:rPr lang="en-US" smtClean="0"/>
-              <a:t>Monday 11 November 13</a:t>
+              <a:t>Tuesday 12 November 13</a:t>
             </a:fld>
             <a:endParaRPr lang="en-US"/>
           </a:p>
@@ -2926,7 +2926,7 @@
           <a:p>
             <a:r>
               <a:rPr lang="en-US" smtClean="0"/>
-              <a:t>MLMQ</a:t>
+              <a:t>MLMQ - ASL HS 13/14 - ETHZ</a:t>
             </a:r>
             <a:endParaRPr lang="en-US"/>
           </a:p>
@@ -4731,9 +4731,9 @@
           <a:bodyPr/>
           <a:lstStyle/>
           <a:p>
-            <a:fld id="{9078C016-7B68-A44C-907E-E68C841E31AA}" type="datetime2">
+            <a:fld id="{243500E8-960B-434E-9710-0EFC96982CF8}" type="datetime2">
               <a:rPr lang="en-US" smtClean="0"/>
-              <a:t>Monday 11 November 13</a:t>
+              <a:t>Tuesday 12 November 13</a:t>
             </a:fld>
             <a:endParaRPr lang="en-US"/>
           </a:p>
@@ -4756,7 +4756,7 @@
           <a:p>
             <a:r>
               <a:rPr lang="en-US" smtClean="0"/>
-              <a:t>MLMQ</a:t>
+              <a:t>MLMQ - ASL HS 13/14 - ETHZ</a:t>
             </a:r>
             <a:endParaRPr lang="en-US"/>
           </a:p>
@@ -6631,9 +6631,9 @@
           <a:bodyPr/>
           <a:lstStyle/>
           <a:p>
-            <a:fld id="{9C4BFB78-2EBB-FD4C-9034-19F398E67BF1}" type="datetime2">
+            <a:fld id="{DAE45CD7-4F19-1847-B868-CDE0868CFA03}" type="datetime2">
               <a:rPr lang="en-US" smtClean="0"/>
-              <a:t>Monday 11 November 13</a:t>
+              <a:t>Tuesday 12 November 13</a:t>
             </a:fld>
             <a:endParaRPr lang="en-US"/>
           </a:p>
@@ -6656,7 +6656,7 @@
           <a:p>
             <a:r>
               <a:rPr lang="en-US" smtClean="0"/>
-              <a:t>MLMQ</a:t>
+              <a:t>MLMQ - ASL HS 13/14 - ETHZ</a:t>
             </a:r>
             <a:endParaRPr lang="en-US"/>
           </a:p>
@@ -6748,9 +6748,9 @@
           <a:bodyPr/>
           <a:lstStyle/>
           <a:p>
-            <a:fld id="{837BF8D5-DBF4-7246-BB3F-8D155BD26DDB}" type="datetime2">
+            <a:fld id="{DE644ACD-7E3B-114C-8A44-818B69A27A8B}" type="datetime2">
               <a:rPr lang="en-US" smtClean="0"/>
-              <a:t>Monday 11 November 13</a:t>
+              <a:t>Tuesday 12 November 13</a:t>
             </a:fld>
             <a:endParaRPr lang="en-US"/>
           </a:p>
@@ -6773,7 +6773,7 @@
           <a:p>
             <a:r>
               <a:rPr lang="en-US" smtClean="0"/>
-              <a:t>MLMQ</a:t>
+              <a:t>MLMQ - ASL HS 13/14 - ETHZ</a:t>
             </a:r>
             <a:endParaRPr lang="en-US"/>
           </a:p>
@@ -7293,9 +7293,9 @@
           <a:bodyPr/>
           <a:lstStyle/>
           <a:p>
-            <a:fld id="{40B6C9B2-212C-0E42-B084-86FA07F0304A}" type="datetime2">
+            <a:fld id="{C6209709-7843-5840-A153-D360E356AD10}" type="datetime2">
               <a:rPr lang="en-US" smtClean="0"/>
-              <a:t>Monday 11 November 13</a:t>
+              <a:t>Tuesday 12 November 13</a:t>
             </a:fld>
             <a:endParaRPr lang="en-US"/>
           </a:p>
@@ -7318,7 +7318,7 @@
           <a:p>
             <a:r>
               <a:rPr lang="en-US" smtClean="0"/>
-              <a:t>MLMQ</a:t>
+              <a:t>MLMQ - ASL HS 13/14 - ETHZ</a:t>
             </a:r>
             <a:endParaRPr lang="en-US"/>
           </a:p>
@@ -7410,9 +7410,9 @@
           <a:bodyPr/>
           <a:lstStyle/>
           <a:p>
-            <a:fld id="{966A93F5-C43E-5E49-B954-73EA5C012A2D}" type="datetime2">
+            <a:fld id="{67FA89D5-FE7E-5946-8743-6579849CD5C6}" type="datetime2">
               <a:rPr lang="en-US" smtClean="0"/>
-              <a:t>Monday 11 November 13</a:t>
+              <a:t>Tuesday 12 November 13</a:t>
             </a:fld>
             <a:endParaRPr lang="en-US"/>
           </a:p>
@@ -7435,7 +7435,7 @@
           <a:p>
             <a:r>
               <a:rPr lang="en-US" smtClean="0"/>
-              <a:t>MLMQ</a:t>
+              <a:t>MLMQ - ASL HS 13/14 - ETHZ</a:t>
             </a:r>
             <a:endParaRPr lang="en-US"/>
           </a:p>
@@ -9125,9 +9125,9 @@
           <a:bodyPr/>
           <a:lstStyle/>
           <a:p>
-            <a:fld id="{7E32FA63-687E-C644-AF73-1CDA73D0ABA2}" type="datetime2">
+            <a:fld id="{5A9876D1-FE2F-9546-99E5-AFCF9A1EF08A}" type="datetime2">
               <a:rPr lang="en-US" smtClean="0"/>
-              <a:t>Monday 11 November 13</a:t>
+              <a:t>Tuesday 12 November 13</a:t>
             </a:fld>
             <a:endParaRPr lang="en-US"/>
           </a:p>
@@ -9150,7 +9150,7 @@
           <a:p>
             <a:r>
               <a:rPr lang="en-US" smtClean="0"/>
-              <a:t>MLMQ</a:t>
+              <a:t>MLMQ - ASL HS 13/14 - ETHZ</a:t>
             </a:r>
             <a:endParaRPr lang="en-US"/>
           </a:p>
@@ -9280,9 +9280,9 @@
           <a:bodyPr/>
           <a:lstStyle/>
           <a:p>
-            <a:fld id="{BD502B1A-8A14-0743-AC0A-F392D3A1442E}" type="datetime2">
+            <a:fld id="{5333769A-6503-4844-8A79-18EB9412718B}" type="datetime2">
               <a:rPr lang="en-US" smtClean="0"/>
-              <a:t>Monday 11 November 13</a:t>
+              <a:t>Tuesday 12 November 13</a:t>
             </a:fld>
             <a:endParaRPr lang="en-US"/>
           </a:p>
@@ -9305,7 +9305,7 @@
           <a:p>
             <a:r>
               <a:rPr lang="en-US" smtClean="0"/>
-              <a:t>MLMQ</a:t>
+              <a:t>MLMQ - ASL HS 13/14 - ETHZ</a:t>
             </a:r>
             <a:endParaRPr lang="en-US"/>
           </a:p>
@@ -12899,9 +12899,9 @@
           <a:bodyPr/>
           <a:lstStyle/>
           <a:p>
-            <a:fld id="{6513088F-D31D-9745-8C6D-416DD6F43A0C}" type="datetime2">
+            <a:fld id="{84CD5027-B64D-5D45-A5EB-9DB6BD0E46C2}" type="datetime2">
               <a:rPr lang="en-US" smtClean="0"/>
-              <a:t>Monday 11 November 13</a:t>
+              <a:t>Tuesday 12 November 13</a:t>
             </a:fld>
             <a:endParaRPr lang="en-US"/>
           </a:p>
@@ -12924,7 +12924,7 @@
           <a:p>
             <a:r>
               <a:rPr lang="en-US" smtClean="0"/>
-              <a:t>MLMQ</a:t>
+              <a:t>MLMQ - ASL HS 13/14 - ETHZ</a:t>
             </a:r>
             <a:endParaRPr lang="en-US"/>
           </a:p>
@@ -13218,11 +13218,11 @@
             </a:lvl1pPr>
           </a:lstStyle>
           <a:p>
-            <a:fld id="{BC767891-FCDA-5942-9E02-9025425D59B2}" type="datetime2">
+            <a:fld id="{4E0A033D-2CD1-C04D-A677-A38261D9801F}" type="datetime2">
               <a:rPr lang="en-US" smtClean="0"/>
-              <a:t>Monday 11 November 13</a:t>
+              <a:t>Tuesday 12 November 13</a:t>
             </a:fld>
-            <a:endParaRPr lang="en-US"/>
+            <a:endParaRPr lang="en-US" dirty="0"/>
           </a:p>
         </p:txBody>
       </p:sp>
@@ -13259,7 +13259,7 @@
           <a:p>
             <a:r>
               <a:rPr lang="en-US" smtClean="0"/>
-              <a:t>MLMQ</a:t>
+              <a:t>MLMQ - ASL HS 13/14 - ETHZ</a:t>
             </a:r>
             <a:endParaRPr lang="en-US" dirty="0"/>
           </a:p>
@@ -13298,6 +13298,7 @@
           <a:p>
             <a:fld id="{657B2308-30A8-9242-AB00-DAE35BE06ADD}" type="slidenum">
               <a:rPr lang="en-US" smtClean="0"/>
+              <a:pPr/>
               <a:t>‹#›</a:t>
             </a:fld>
             <a:endParaRPr lang="en-US" dirty="0"/>
@@ -13438,6 +13439,13 @@
     <p:sldLayoutId id="2147484181" r:id="rId10"/>
     <p:sldLayoutId id="2147484182" r:id="rId11"/>
   </p:sldLayoutIdLst>
+  <p:timing>
+    <p:tnLst>
+      <p:par>
+        <p:cTn xmlns:p14="http://schemas.microsoft.com/office/powerpoint/2010/main" id="1" dur="indefinite" restart="never" nodeType="tmRoot"/>
+      </p:par>
+    </p:tnLst>
+  </p:timing>
   <p:hf hdr="0"/>
   <p:txStyles>
     <p:titleStyle>
@@ -13523,7 +13531,7 @@
         <a:buSzPct val="100000"/>
         <a:buFont typeface="Symbol" pitchFamily="18" charset="2"/>
         <a:buChar char=""/>
-        <a:defRPr sz="2400" kern="1200">
+        <a:defRPr sz="3200" kern="1200">
           <a:solidFill>
             <a:schemeClr val="tx2"/>
           </a:solidFill>
@@ -13542,7 +13550,7 @@
         <a:buSzPct val="100000"/>
         <a:buFont typeface="Symbol" pitchFamily="18" charset="2"/>
         <a:buChar char=""/>
-        <a:defRPr sz="2200" kern="1200">
+        <a:defRPr sz="2800" kern="1200">
           <a:solidFill>
             <a:schemeClr val="tx2"/>
           </a:solidFill>
@@ -13561,7 +13569,7 @@
         <a:buSzPct val="100000"/>
         <a:buFont typeface="Symbol" pitchFamily="18" charset="2"/>
         <a:buChar char=""/>
-        <a:defRPr sz="2000" kern="1200">
+        <a:defRPr sz="2800" kern="1200">
           <a:solidFill>
             <a:schemeClr val="tx2"/>
           </a:solidFill>
@@ -13580,7 +13588,7 @@
         <a:buSzPct val="100000"/>
         <a:buFont typeface="Symbol" pitchFamily="18" charset="2"/>
         <a:buChar char=""/>
-        <a:defRPr sz="1800" kern="1200">
+        <a:defRPr sz="2400" kern="1200">
           <a:solidFill>
             <a:schemeClr val="tx2"/>
           </a:solidFill>
@@ -13599,7 +13607,7 @@
         <a:buSzPct val="100000"/>
         <a:buFont typeface="Symbol" pitchFamily="18" charset="2"/>
         <a:buChar char=""/>
-        <a:defRPr sz="1600" kern="1200">
+        <a:defRPr sz="2000" kern="1200">
           <a:solidFill>
             <a:schemeClr val="tx2"/>
           </a:solidFill>
@@ -13850,11 +13858,11 @@
             </a:r>
             <a:r>
               <a:rPr lang="en-US" dirty="0"/>
-              <a:t>Systems Lab – Milestone 1 &amp; </a:t>
+              <a:t>Systems Lab – Milestone </a:t>
             </a:r>
             <a:r>
               <a:rPr lang="en-US" dirty="0" smtClean="0"/>
-              <a:t>2</a:t>
+              <a:t>1</a:t>
             </a:r>
           </a:p>
           <a:p>
@@ -13874,7 +13882,7 @@
           <a:p>
             <a:r>
               <a:rPr lang="en-US" dirty="0" smtClean="0"/>
-              <a:t>HS 2013/2014</a:t>
+              <a:t>HS 13/14</a:t>
             </a:r>
           </a:p>
           <a:p>
@@ -13900,9 +13908,9 @@
           <a:bodyPr/>
           <a:lstStyle/>
           <a:p>
-            <a:fld id="{592ED148-DAA4-9F4F-B52E-5F21D03F4FAF}" type="datetime2">
+            <a:fld id="{9F1F4DAB-225D-3F47-8143-0FE8F68490F5}" type="datetime2">
               <a:rPr lang="en-US" smtClean="0"/>
-              <a:t>Monday 11 November 13</a:t>
+              <a:t>Tuesday 12 November 13</a:t>
             </a:fld>
             <a:endParaRPr lang="en-US"/>
           </a:p>
@@ -13925,9 +13933,9 @@
           <a:p>
             <a:r>
               <a:rPr lang="en-US" smtClean="0"/>
-              <a:t>MLMQ</a:t>
+              <a:t>MLMQ - ASL HS 13/14 - ETHZ</a:t>
             </a:r>
-            <a:endParaRPr lang="en-US"/>
+            <a:endParaRPr lang="en-US" dirty="0"/>
           </a:p>
         </p:txBody>
       </p:sp>
@@ -13964,6 +13972,13 @@
   <p:clrMapOvr>
     <a:masterClrMapping/>
   </p:clrMapOvr>
+  <p:timing>
+    <p:tnLst>
+      <p:par>
+        <p:cTn xmlns:p14="http://schemas.microsoft.com/office/powerpoint/2010/main" id="1" dur="indefinite" restart="never" nodeType="tmRoot"/>
+      </p:par>
+    </p:tnLst>
+  </p:timing>
 </p:sld>
 </file>
 
@@ -14022,7 +14037,7 @@
           <a:bodyPr/>
           <a:lstStyle/>
           <a:p>
-            <a:fld id="{9078C016-7B68-A44C-907E-E68C841E31AA}" type="datetime2">
+            <a:fld id="{B03837AF-35AD-2747-AB6F-627B1AFEC256}" type="datetime2">
               <a:rPr lang="en-US" smtClean="0"/>
               <a:t>Tuesday 12 November 13</a:t>
             </a:fld>
@@ -14047,7 +14062,7 @@
           <a:p>
             <a:r>
               <a:rPr lang="en-US" smtClean="0"/>
-              <a:t>MLMQ</a:t>
+              <a:t>MLMQ - ASL HS 13/14 - ETHZ</a:t>
             </a:r>
             <a:endParaRPr lang="en-US"/>
           </a:p>
@@ -14163,7 +14178,7 @@
           <a:bodyPr/>
           <a:lstStyle/>
           <a:p>
-            <a:fld id="{9078C016-7B68-A44C-907E-E68C841E31AA}" type="datetime2">
+            <a:fld id="{C4EDD0DC-BB1B-8D44-A75A-A066D117F03D}" type="datetime2">
               <a:rPr lang="en-US" smtClean="0"/>
               <a:t>Tuesday 12 November 13</a:t>
             </a:fld>
@@ -14188,7 +14203,7 @@
           <a:p>
             <a:r>
               <a:rPr lang="en-US" smtClean="0"/>
-              <a:t>MLMQ</a:t>
+              <a:t>MLMQ - ASL HS 13/14 - ETHZ</a:t>
             </a:r>
             <a:endParaRPr lang="en-US"/>
           </a:p>
@@ -14304,7 +14319,7 @@
           <a:bodyPr/>
           <a:lstStyle/>
           <a:p>
-            <a:fld id="{9078C016-7B68-A44C-907E-E68C841E31AA}" type="datetime2">
+            <a:fld id="{EE1BE8E2-D429-A04A-9788-2B52011B367A}" type="datetime2">
               <a:rPr lang="en-US" smtClean="0"/>
               <a:t>Tuesday 12 November 13</a:t>
             </a:fld>
@@ -14329,7 +14344,7 @@
           <a:p>
             <a:r>
               <a:rPr lang="en-US" smtClean="0"/>
-              <a:t>MLMQ</a:t>
+              <a:t>MLMQ - ASL HS 13/14 - ETHZ</a:t>
             </a:r>
             <a:endParaRPr lang="en-US"/>
           </a:p>
@@ -14423,12 +14438,34 @@
         </p:nvSpPr>
         <p:spPr/>
         <p:txBody>
-          <a:bodyPr/>
+          <a:bodyPr>
+            <a:normAutofit fontScale="92500" lnSpcReduction="10000"/>
+          </a:bodyPr>
           <a:lstStyle/>
           <a:p>
             <a:r>
               <a:rPr lang="en-US" dirty="0" smtClean="0"/>
-              <a:t>Fast, sometimes rather high variance</a:t>
+              <a:t>Fast and stable</a:t>
+            </a:r>
+          </a:p>
+          <a:p>
+            <a:pPr lvl="1"/>
+            <a:r>
+              <a:rPr lang="en-US" dirty="0" smtClean="0"/>
+              <a:t>High variance when system is overloaded</a:t>
+            </a:r>
+          </a:p>
+          <a:p>
+            <a:r>
+              <a:rPr lang="en-US" dirty="0" smtClean="0"/>
+              <a:t>Scales</a:t>
+            </a:r>
+          </a:p>
+          <a:p>
+            <a:pPr lvl="1"/>
+            <a:r>
+              <a:rPr lang="en-US" dirty="0" smtClean="0"/>
+              <a:t>Bottleneck: Database</a:t>
             </a:r>
           </a:p>
           <a:p>
@@ -14454,7 +14491,7 @@
           <a:p>
             <a:r>
               <a:rPr lang="en-US" dirty="0" smtClean="0"/>
-              <a:t>“In 95% of the cases, the response time for XXXX will be below </a:t>
+              <a:t>Statements like “In 95% of the cases, the response time for XXXX will be below </a:t>
             </a:r>
             <a:r>
               <a:rPr lang="en-US" dirty="0" err="1" smtClean="0"/>
@@ -14462,7 +14499,7 @@
             </a:r>
             <a:r>
               <a:rPr lang="en-US" dirty="0" smtClean="0"/>
-              <a:t>”</a:t>
+              <a:t>” possible</a:t>
             </a:r>
           </a:p>
         </p:txBody>
@@ -14482,7 +14519,7 @@
           <a:bodyPr/>
           <a:lstStyle/>
           <a:p>
-            <a:fld id="{9078C016-7B68-A44C-907E-E68C841E31AA}" type="datetime2">
+            <a:fld id="{AD09753E-4C68-FB45-B840-538DA970D939}" type="datetime2">
               <a:rPr lang="en-US" smtClean="0"/>
               <a:t>Tuesday 12 November 13</a:t>
             </a:fld>
@@ -14507,7 +14544,7 @@
           <a:p>
             <a:r>
               <a:rPr lang="en-US" smtClean="0"/>
-              <a:t>MLMQ</a:t>
+              <a:t>MLMQ - ASL HS 13/14 - ETHZ</a:t>
             </a:r>
             <a:endParaRPr lang="en-US"/>
           </a:p>
@@ -14650,7 +14687,7 @@
           <a:bodyPr/>
           <a:lstStyle/>
           <a:p>
-            <a:fld id="{9078C016-7B68-A44C-907E-E68C841E31AA}" type="datetime2">
+            <a:fld id="{49891774-9E15-0747-B037-09BDD2E11EBC}" type="datetime2">
               <a:rPr lang="en-US" smtClean="0"/>
               <a:t>Tuesday 12 November 13</a:t>
             </a:fld>
@@ -14675,7 +14712,7 @@
           <a:p>
             <a:r>
               <a:rPr lang="en-US" smtClean="0"/>
-              <a:t>MLMQ</a:t>
+              <a:t>MLMQ - ASL HS 13/14 - ETHZ</a:t>
             </a:r>
             <a:endParaRPr lang="en-US"/>
           </a:p>
@@ -14754,7 +14791,7 @@
         <p:spPr/>
         <p:txBody>
           <a:bodyPr>
-            <a:normAutofit/>
+            <a:normAutofit fontScale="92500" lnSpcReduction="20000"/>
           </a:bodyPr>
           <a:lstStyle/>
           <a:p>
@@ -14896,7 +14933,7 @@
           <a:bodyPr/>
           <a:lstStyle/>
           <a:p>
-            <a:fld id="{1ACCE183-9360-AB4B-BC2B-BFF7ED076B94}" type="datetime2">
+            <a:fld id="{24F90653-9F08-6748-BC30-F72B071DE240}" type="datetime2">
               <a:rPr lang="en-US" smtClean="0"/>
               <a:t>Tuesday 12 November 13</a:t>
             </a:fld>
@@ -14921,7 +14958,7 @@
           <a:p>
             <a:r>
               <a:rPr lang="en-US" smtClean="0"/>
-              <a:t>MLMQ</a:t>
+              <a:t>MLMQ - ASL HS 13/14 - ETHZ</a:t>
             </a:r>
             <a:endParaRPr lang="en-US"/>
           </a:p>
@@ -15021,7 +15058,7 @@
           <a:bodyPr/>
           <a:lstStyle/>
           <a:p>
-            <a:fld id="{9078C016-7B68-A44C-907E-E68C841E31AA}" type="datetime2">
+            <a:fld id="{79A575B5-6A25-2D45-8C8A-DD947253BF82}" type="datetime2">
               <a:rPr lang="en-US" smtClean="0"/>
               <a:t>Tuesday 12 November 13</a:t>
             </a:fld>
@@ -15046,7 +15083,7 @@
           <a:p>
             <a:r>
               <a:rPr lang="en-US" smtClean="0"/>
-              <a:t>MLMQ</a:t>
+              <a:t>MLMQ - ASL HS 13/14 - ETHZ</a:t>
             </a:r>
             <a:endParaRPr lang="en-US"/>
           </a:p>
@@ -15173,9 +15210,9 @@
           <a:bodyPr/>
           <a:lstStyle/>
           <a:p>
-            <a:fld id="{9078C016-7B68-A44C-907E-E68C841E31AA}" type="datetime2">
+            <a:fld id="{6153476E-D800-424B-B65F-23515A59B544}" type="datetime2">
               <a:rPr lang="en-US" smtClean="0"/>
-              <a:t>Monday 11 November 13</a:t>
+              <a:t>Tuesday 12 November 13</a:t>
             </a:fld>
             <a:endParaRPr lang="en-US"/>
           </a:p>
@@ -15198,7 +15235,7 @@
           <a:p>
             <a:r>
               <a:rPr lang="en-US" smtClean="0"/>
-              <a:t>MLMQ</a:t>
+              <a:t>MLMQ - ASL HS 13/14 - ETHZ</a:t>
             </a:r>
             <a:endParaRPr lang="en-US"/>
           </a:p>
@@ -15320,7 +15357,7 @@
           <a:bodyPr/>
           <a:lstStyle/>
           <a:p>
-            <a:fld id="{9078C016-7B68-A44C-907E-E68C841E31AA}" type="datetime2">
+            <a:fld id="{59901F8A-7647-344E-BC71-1B713E5427C0}" type="datetime2">
               <a:rPr lang="en-US" smtClean="0"/>
               <a:t>Tuesday 12 November 13</a:t>
             </a:fld>
@@ -15345,7 +15382,7 @@
           <a:p>
             <a:r>
               <a:rPr lang="en-US" smtClean="0"/>
-              <a:t>MLMQ</a:t>
+              <a:t>MLMQ - ASL HS 13/14 - ETHZ</a:t>
             </a:r>
             <a:endParaRPr lang="en-US"/>
           </a:p>
@@ -15465,7 +15502,7 @@
           <a:bodyPr/>
           <a:lstStyle/>
           <a:p>
-            <a:fld id="{9078C016-7B68-A44C-907E-E68C841E31AA}" type="datetime2">
+            <a:fld id="{F01EF410-F04B-1A48-B844-F1EDEDD75244}" type="datetime2">
               <a:rPr lang="en-US" smtClean="0"/>
               <a:t>Tuesday 12 November 13</a:t>
             </a:fld>
@@ -15490,7 +15527,7 @@
           <a:p>
             <a:r>
               <a:rPr lang="en-US" smtClean="0"/>
-              <a:t>MLMQ</a:t>
+              <a:t>MLMQ - ASL HS 13/14 - ETHZ</a:t>
             </a:r>
             <a:endParaRPr lang="en-US"/>
           </a:p>
@@ -15606,7 +15643,7 @@
           <a:bodyPr/>
           <a:lstStyle/>
           <a:p>
-            <a:fld id="{9078C016-7B68-A44C-907E-E68C841E31AA}" type="datetime2">
+            <a:fld id="{9E2FB5A3-CE31-DD4B-B760-F3FE9D4C3106}" type="datetime2">
               <a:rPr lang="en-US" smtClean="0"/>
               <a:t>Tuesday 12 November 13</a:t>
             </a:fld>
@@ -15631,7 +15668,7 @@
           <a:p>
             <a:r>
               <a:rPr lang="en-US" smtClean="0"/>
-              <a:t>MLMQ</a:t>
+              <a:t>MLMQ - ASL HS 13/14 - ETHZ</a:t>
             </a:r>
             <a:endParaRPr lang="en-US"/>
           </a:p>
@@ -15747,7 +15784,7 @@
           <a:bodyPr/>
           <a:lstStyle/>
           <a:p>
-            <a:fld id="{9078C016-7B68-A44C-907E-E68C841E31AA}" type="datetime2">
+            <a:fld id="{013D06A0-C6F4-A74A-9742-57B7FE2716B7}" type="datetime2">
               <a:rPr lang="en-US" smtClean="0"/>
               <a:t>Tuesday 12 November 13</a:t>
             </a:fld>
@@ -15772,7 +15809,7 @@
           <a:p>
             <a:r>
               <a:rPr lang="en-US" smtClean="0"/>
-              <a:t>MLMQ</a:t>
+              <a:t>MLMQ - ASL HS 13/14 - ETHZ</a:t>
             </a:r>
             <a:endParaRPr lang="en-US"/>
           </a:p>
@@ -15897,7 +15934,7 @@
           <a:bodyPr/>
           <a:lstStyle/>
           <a:p>
-            <a:fld id="{9078C016-7B68-A44C-907E-E68C841E31AA}" type="datetime2">
+            <a:fld id="{90A3ECEC-D3DE-EE41-9AA6-A99EE53834FE}" type="datetime2">
               <a:rPr lang="en-US" smtClean="0"/>
               <a:t>Tuesday 12 November 13</a:t>
             </a:fld>
@@ -15922,7 +15959,7 @@
           <a:p>
             <a:r>
               <a:rPr lang="en-US" smtClean="0"/>
-              <a:t>MLMQ</a:t>
+              <a:t>MLMQ - ASL HS 13/14 - ETHZ</a:t>
             </a:r>
             <a:endParaRPr lang="en-US"/>
           </a:p>

--- a/doc/presentations/03 Milestone Presentation/mlmq.pptx
+++ b/doc/presentations/03 Milestone Presentation/mlmq.pptx
@@ -5,10 +5,10 @@
     <p:sldMasterId id="2147484171" r:id="rId1"/>
   </p:sldMasterIdLst>
   <p:notesMasterIdLst>
-    <p:notesMasterId r:id="rId16"/>
+    <p:notesMasterId r:id="rId17"/>
   </p:notesMasterIdLst>
   <p:handoutMasterIdLst>
-    <p:handoutMasterId r:id="rId17"/>
+    <p:handoutMasterId r:id="rId18"/>
   </p:handoutMasterIdLst>
   <p:sldIdLst>
     <p:sldId id="256" r:id="rId2"/>
@@ -18,13 +18,14 @@
     <p:sldId id="259" r:id="rId6"/>
     <p:sldId id="261" r:id="rId7"/>
     <p:sldId id="264" r:id="rId8"/>
-    <p:sldId id="262" r:id="rId9"/>
-    <p:sldId id="260" r:id="rId10"/>
-    <p:sldId id="265" r:id="rId11"/>
-    <p:sldId id="266" r:id="rId12"/>
-    <p:sldId id="267" r:id="rId13"/>
-    <p:sldId id="268" r:id="rId14"/>
-    <p:sldId id="269" r:id="rId15"/>
+    <p:sldId id="270" r:id="rId9"/>
+    <p:sldId id="262" r:id="rId10"/>
+    <p:sldId id="260" r:id="rId11"/>
+    <p:sldId id="265" r:id="rId12"/>
+    <p:sldId id="266" r:id="rId13"/>
+    <p:sldId id="267" r:id="rId14"/>
+    <p:sldId id="268" r:id="rId15"/>
+    <p:sldId id="269" r:id="rId16"/>
   </p:sldIdLst>
   <p:sldSz cx="9144000" cy="6858000" type="screen4x3"/>
   <p:notesSz cx="6858000" cy="9144000"/>
@@ -135,6 +136,7 @@
             <p14:sldId id="259"/>
             <p14:sldId id="261"/>
             <p14:sldId id="264"/>
+            <p14:sldId id="270"/>
             <p14:sldId id="262"/>
             <p14:sldId id="260"/>
             <p14:sldId id="265"/>
@@ -13999,29 +14001,34 @@
           <a:chExt cx="0" cy="0"/>
         </a:xfrm>
       </p:grpSpPr>
-      <p:sp>
-        <p:nvSpPr>
-          <p:cNvPr id="2" name="Content Placeholder 1"/>
-          <p:cNvSpPr>
-            <a:spLocks noGrp="1"/>
-          </p:cNvSpPr>
+      <p:pic>
+        <p:nvPicPr>
+          <p:cNvPr id="7" name="Content Placeholder 6" descr="testsystem-overview.eps"/>
+          <p:cNvPicPr>
+            <a:picLocks noGrp="1" noChangeAspect="1"/>
+          </p:cNvPicPr>
           <p:nvPr>
             <p:ph idx="1"/>
           </p:nvPr>
-        </p:nvSpPr>
-        <p:spPr/>
-        <p:txBody>
-          <a:bodyPr/>
-          <a:lstStyle/>
-          <a:p>
-            <a:r>
-              <a:rPr lang="en-US" dirty="0" smtClean="0"/>
-              <a:t>???</a:t>
-            </a:r>
-            <a:endParaRPr lang="en-US" dirty="0"/>
-          </a:p>
-        </p:txBody>
-      </p:sp>
+        </p:nvPicPr>
+        <p:blipFill rotWithShape="1">
+          <a:blip r:embed="rId2">
+            <a:extLst>
+              <a:ext uri="{28A0092B-C50C-407E-A947-70E740481C1C}">
+                <a14:useLocalDpi xmlns:a14="http://schemas.microsoft.com/office/drawing/2010/main" val="0"/>
+              </a:ext>
+            </a:extLst>
+          </a:blip>
+          <a:srcRect l="6117" t="1680" r="23374" b="4931"/>
+          <a:stretch/>
+        </p:blipFill>
+        <p:spPr>
+          <a:xfrm>
+            <a:off x="1556573" y="1590271"/>
+            <a:ext cx="6030853" cy="4306957"/>
+          </a:xfrm>
+        </p:spPr>
+      </p:pic>
       <p:sp>
         <p:nvSpPr>
           <p:cNvPr id="3" name="Date Placeholder 2"/>
@@ -14037,7 +14044,7 @@
           <a:bodyPr/>
           <a:lstStyle/>
           <a:p>
-            <a:fld id="{B03837AF-35AD-2747-AB6F-627B1AFEC256}" type="datetime2">
+            <a:fld id="{90A3ECEC-D3DE-EE41-9AA6-A99EE53834FE}" type="datetime2">
               <a:rPr lang="en-US" smtClean="0"/>
               <a:t>Tuesday 12 November 13</a:t>
             </a:fld>
@@ -14108,7 +14115,15 @@
           <a:p>
             <a:r>
               <a:rPr lang="en-US" dirty="0" smtClean="0"/>
-              <a:t>Experiments - Summary</a:t>
+              <a:t>Experiments </a:t>
+            </a:r>
+            <a:r>
+              <a:rPr lang="en-US" dirty="0"/>
+              <a:t>–</a:t>
+            </a:r>
+            <a:r>
+              <a:rPr lang="en-US" dirty="0" smtClean="0"/>
+              <a:t> Setup</a:t>
             </a:r>
             <a:endParaRPr lang="en-US" dirty="0"/>
           </a:p>
@@ -14117,13 +14132,20 @@
     </p:spTree>
     <p:extLst>
       <p:ext uri="{BB962C8B-B14F-4D97-AF65-F5344CB8AC3E}">
-        <p14:creationId xmlns:p14="http://schemas.microsoft.com/office/powerpoint/2010/main" val="3907856246"/>
+        <p14:creationId xmlns:p14="http://schemas.microsoft.com/office/powerpoint/2010/main" val="1837807830"/>
       </p:ext>
     </p:extLst>
   </p:cSld>
   <p:clrMapOvr>
     <a:masterClrMapping/>
   </p:clrMapOvr>
+  <p:timing>
+    <p:tnLst>
+      <p:par>
+        <p:cTn xmlns:p14="http://schemas.microsoft.com/office/powerpoint/2010/main" id="1" dur="indefinite" restart="never" nodeType="tmRoot"/>
+      </p:par>
+    </p:tnLst>
+  </p:timing>
 </p:sld>
 </file>
 
@@ -14159,6 +14181,10 @@
           <a:bodyPr/>
           <a:lstStyle/>
           <a:p>
+            <a:r>
+              <a:rPr lang="en-US" dirty="0" smtClean="0"/>
+              <a:t>???</a:t>
+            </a:r>
             <a:endParaRPr lang="en-US" dirty="0"/>
           </a:p>
         </p:txBody>
@@ -14178,7 +14204,7 @@
           <a:bodyPr/>
           <a:lstStyle/>
           <a:p>
-            <a:fld id="{C4EDD0DC-BB1B-8D44-A75A-A066D117F03D}" type="datetime2">
+            <a:fld id="{B03837AF-35AD-2747-AB6F-627B1AFEC256}" type="datetime2">
               <a:rPr lang="en-US" smtClean="0"/>
               <a:t>Tuesday 12 November 13</a:t>
             </a:fld>
@@ -14249,7 +14275,15 @@
           <a:p>
             <a:r>
               <a:rPr lang="en-US" dirty="0" smtClean="0"/>
-              <a:t>Experiments - Results</a:t>
+              <a:t>Experiments </a:t>
+            </a:r>
+            <a:r>
+              <a:rPr lang="en-US" dirty="0"/>
+              <a:t>–</a:t>
+            </a:r>
+            <a:r>
+              <a:rPr lang="en-US" dirty="0" smtClean="0"/>
+              <a:t> Summary</a:t>
             </a:r>
             <a:endParaRPr lang="en-US" dirty="0"/>
           </a:p>
@@ -14258,7 +14292,7 @@
     </p:spTree>
     <p:extLst>
       <p:ext uri="{BB962C8B-B14F-4D97-AF65-F5344CB8AC3E}">
-        <p14:creationId xmlns:p14="http://schemas.microsoft.com/office/powerpoint/2010/main" val="634597313"/>
+        <p14:creationId xmlns:p14="http://schemas.microsoft.com/office/powerpoint/2010/main" val="3907856246"/>
       </p:ext>
     </p:extLst>
   </p:cSld>
@@ -14319,7 +14353,7 @@
           <a:bodyPr/>
           <a:lstStyle/>
           <a:p>
-            <a:fld id="{EE1BE8E2-D429-A04A-9788-2B52011B367A}" type="datetime2">
+            <a:fld id="{C4EDD0DC-BB1B-8D44-A75A-A066D117F03D}" type="datetime2">
               <a:rPr lang="en-US" smtClean="0"/>
               <a:t>Tuesday 12 November 13</a:t>
             </a:fld>
@@ -14390,7 +14424,15 @@
           <a:p>
             <a:r>
               <a:rPr lang="en-US" dirty="0" smtClean="0"/>
-              <a:t>Experiments – 2h Trace</a:t>
+              <a:t>Experiments </a:t>
+            </a:r>
+            <a:r>
+              <a:rPr lang="en-US" dirty="0"/>
+              <a:t>–</a:t>
+            </a:r>
+            <a:r>
+              <a:rPr lang="en-US" dirty="0" smtClean="0"/>
+              <a:t> Results</a:t>
             </a:r>
             <a:endParaRPr lang="en-US" dirty="0"/>
           </a:p>
@@ -14399,7 +14441,7 @@
     </p:spTree>
     <p:extLst>
       <p:ext uri="{BB962C8B-B14F-4D97-AF65-F5344CB8AC3E}">
-        <p14:creationId xmlns:p14="http://schemas.microsoft.com/office/powerpoint/2010/main" val="611512312"/>
+        <p14:creationId xmlns:p14="http://schemas.microsoft.com/office/powerpoint/2010/main" val="634597313"/>
       </p:ext>
     </p:extLst>
   </p:cSld>
@@ -14438,69 +14480,10 @@
         </p:nvSpPr>
         <p:spPr/>
         <p:txBody>
-          <a:bodyPr>
-            <a:normAutofit fontScale="92500" lnSpcReduction="10000"/>
-          </a:bodyPr>
+          <a:bodyPr/>
           <a:lstStyle/>
           <a:p>
-            <a:r>
-              <a:rPr lang="en-US" dirty="0" smtClean="0"/>
-              <a:t>Fast and stable</a:t>
-            </a:r>
-          </a:p>
-          <a:p>
-            <a:pPr lvl="1"/>
-            <a:r>
-              <a:rPr lang="en-US" dirty="0" smtClean="0"/>
-              <a:t>High variance when system is overloaded</a:t>
-            </a:r>
-          </a:p>
-          <a:p>
-            <a:r>
-              <a:rPr lang="en-US" dirty="0" smtClean="0"/>
-              <a:t>Scales</a:t>
-            </a:r>
-          </a:p>
-          <a:p>
-            <a:pPr lvl="1"/>
-            <a:r>
-              <a:rPr lang="en-US" dirty="0" smtClean="0"/>
-              <a:t>Bottleneck: Database</a:t>
-            </a:r>
-          </a:p>
-          <a:p>
-            <a:r>
-              <a:rPr lang="en-US" dirty="0" smtClean="0"/>
-              <a:t>Improvements</a:t>
-            </a:r>
-          </a:p>
-          <a:p>
-            <a:pPr lvl="1"/>
-            <a:r>
-              <a:rPr lang="en-US" dirty="0" smtClean="0"/>
-              <a:t>More stable</a:t>
-            </a:r>
-          </a:p>
-          <a:p>
-            <a:pPr lvl="1"/>
-            <a:r>
-              <a:rPr lang="en-US" dirty="0" smtClean="0"/>
-              <a:t>Faster</a:t>
-            </a:r>
-          </a:p>
-          <a:p>
-            <a:r>
-              <a:rPr lang="en-US" dirty="0" smtClean="0"/>
-              <a:t>Statements like “In 95% of the cases, the response time for XXXX will be below </a:t>
-            </a:r>
-            <a:r>
-              <a:rPr lang="en-US" dirty="0" err="1" smtClean="0"/>
-              <a:t>YYYms</a:t>
-            </a:r>
-            <a:r>
-              <a:rPr lang="en-US" dirty="0" smtClean="0"/>
-              <a:t>” possible</a:t>
-            </a:r>
+            <a:endParaRPr lang="en-US" dirty="0"/>
           </a:p>
         </p:txBody>
       </p:sp>
@@ -14519,7 +14502,7 @@
           <a:bodyPr/>
           <a:lstStyle/>
           <a:p>
-            <a:fld id="{AD09753E-4C68-FB45-B840-538DA970D939}" type="datetime2">
+            <a:fld id="{EE1BE8E2-D429-A04A-9788-2B52011B367A}" type="datetime2">
               <a:rPr lang="en-US" smtClean="0"/>
               <a:t>Tuesday 12 November 13</a:t>
             </a:fld>
@@ -14589,6 +14572,206 @@
           <a:lstStyle/>
           <a:p>
             <a:r>
+              <a:rPr lang="en-US" dirty="0" smtClean="0"/>
+              <a:t>Experiments – 2h Trace</a:t>
+            </a:r>
+            <a:endParaRPr lang="en-US" dirty="0"/>
+          </a:p>
+        </p:txBody>
+      </p:sp>
+    </p:spTree>
+    <p:extLst>
+      <p:ext uri="{BB962C8B-B14F-4D97-AF65-F5344CB8AC3E}">
+        <p14:creationId xmlns:p14="http://schemas.microsoft.com/office/powerpoint/2010/main" val="611512312"/>
+      </p:ext>
+    </p:extLst>
+  </p:cSld>
+  <p:clrMapOvr>
+    <a:masterClrMapping/>
+  </p:clrMapOvr>
+</p:sld>
+</file>
+
+<file path=ppt/slides/slide14.xml><?xml version="1.0" encoding="utf-8"?>
+<p:sld xmlns:a="http://schemas.openxmlformats.org/drawingml/2006/main" xmlns:r="http://schemas.openxmlformats.org/officeDocument/2006/relationships" xmlns:p="http://schemas.openxmlformats.org/presentationml/2006/main">
+  <p:cSld>
+    <p:spTree>
+      <p:nvGrpSpPr>
+        <p:cNvPr id="1" name=""/>
+        <p:cNvGrpSpPr/>
+        <p:nvPr/>
+      </p:nvGrpSpPr>
+      <p:grpSpPr>
+        <a:xfrm>
+          <a:off x="0" y="0"/>
+          <a:ext cx="0" cy="0"/>
+          <a:chOff x="0" y="0"/>
+          <a:chExt cx="0" cy="0"/>
+        </a:xfrm>
+      </p:grpSpPr>
+      <p:sp>
+        <p:nvSpPr>
+          <p:cNvPr id="2" name="Content Placeholder 1"/>
+          <p:cNvSpPr>
+            <a:spLocks noGrp="1"/>
+          </p:cNvSpPr>
+          <p:nvPr>
+            <p:ph idx="1"/>
+          </p:nvPr>
+        </p:nvSpPr>
+        <p:spPr/>
+        <p:txBody>
+          <a:bodyPr>
+            <a:normAutofit fontScale="92500" lnSpcReduction="10000"/>
+          </a:bodyPr>
+          <a:lstStyle/>
+          <a:p>
+            <a:r>
+              <a:rPr lang="en-US" dirty="0" smtClean="0"/>
+              <a:t>Fast and stable</a:t>
+            </a:r>
+          </a:p>
+          <a:p>
+            <a:pPr lvl="1"/>
+            <a:r>
+              <a:rPr lang="en-US" dirty="0" smtClean="0"/>
+              <a:t>High variance when system is overloaded</a:t>
+            </a:r>
+          </a:p>
+          <a:p>
+            <a:r>
+              <a:rPr lang="en-US" dirty="0" smtClean="0"/>
+              <a:t>Scales</a:t>
+            </a:r>
+          </a:p>
+          <a:p>
+            <a:pPr lvl="1"/>
+            <a:r>
+              <a:rPr lang="en-US" dirty="0" smtClean="0"/>
+              <a:t>Bottleneck: Database</a:t>
+            </a:r>
+          </a:p>
+          <a:p>
+            <a:r>
+              <a:rPr lang="en-US" dirty="0" smtClean="0"/>
+              <a:t>Improvements</a:t>
+            </a:r>
+          </a:p>
+          <a:p>
+            <a:pPr lvl="1"/>
+            <a:r>
+              <a:rPr lang="en-US" dirty="0" smtClean="0"/>
+              <a:t>More stable</a:t>
+            </a:r>
+          </a:p>
+          <a:p>
+            <a:pPr lvl="1"/>
+            <a:r>
+              <a:rPr lang="en-US" dirty="0" smtClean="0"/>
+              <a:t>Faster</a:t>
+            </a:r>
+          </a:p>
+          <a:p>
+            <a:r>
+              <a:rPr lang="en-US" dirty="0" smtClean="0"/>
+              <a:t>Statements like “In 95% of the cases, the response time for XXXX will be below </a:t>
+            </a:r>
+            <a:r>
+              <a:rPr lang="en-US" dirty="0" err="1" smtClean="0"/>
+              <a:t>YYYms</a:t>
+            </a:r>
+            <a:r>
+              <a:rPr lang="en-US" dirty="0" smtClean="0"/>
+              <a:t>” possible</a:t>
+            </a:r>
+          </a:p>
+        </p:txBody>
+      </p:sp>
+      <p:sp>
+        <p:nvSpPr>
+          <p:cNvPr id="3" name="Date Placeholder 2"/>
+          <p:cNvSpPr>
+            <a:spLocks noGrp="1"/>
+          </p:cNvSpPr>
+          <p:nvPr>
+            <p:ph type="dt" sz="half" idx="10"/>
+          </p:nvPr>
+        </p:nvSpPr>
+        <p:spPr/>
+        <p:txBody>
+          <a:bodyPr/>
+          <a:lstStyle/>
+          <a:p>
+            <a:fld id="{AD09753E-4C68-FB45-B840-538DA970D939}" type="datetime2">
+              <a:rPr lang="en-US" smtClean="0"/>
+              <a:t>Tuesday 12 November 13</a:t>
+            </a:fld>
+            <a:endParaRPr lang="en-US"/>
+          </a:p>
+        </p:txBody>
+      </p:sp>
+      <p:sp>
+        <p:nvSpPr>
+          <p:cNvPr id="4" name="Footer Placeholder 3"/>
+          <p:cNvSpPr>
+            <a:spLocks noGrp="1"/>
+          </p:cNvSpPr>
+          <p:nvPr>
+            <p:ph type="ftr" sz="quarter" idx="11"/>
+          </p:nvPr>
+        </p:nvSpPr>
+        <p:spPr/>
+        <p:txBody>
+          <a:bodyPr/>
+          <a:lstStyle/>
+          <a:p>
+            <a:r>
+              <a:rPr lang="en-US" smtClean="0"/>
+              <a:t>MLMQ - ASL HS 13/14 - ETHZ</a:t>
+            </a:r>
+            <a:endParaRPr lang="en-US"/>
+          </a:p>
+        </p:txBody>
+      </p:sp>
+      <p:sp>
+        <p:nvSpPr>
+          <p:cNvPr id="5" name="Slide Number Placeholder 4"/>
+          <p:cNvSpPr>
+            <a:spLocks noGrp="1"/>
+          </p:cNvSpPr>
+          <p:nvPr>
+            <p:ph type="sldNum" sz="quarter" idx="12"/>
+          </p:nvPr>
+        </p:nvSpPr>
+        <p:spPr/>
+        <p:txBody>
+          <a:bodyPr/>
+          <a:lstStyle/>
+          <a:p>
+            <a:fld id="{657B2308-30A8-9242-AB00-DAE35BE06ADD}" type="slidenum">
+              <a:rPr lang="en-US" smtClean="0"/>
+              <a:t>14</a:t>
+            </a:fld>
+            <a:endParaRPr lang="en-US"/>
+          </a:p>
+        </p:txBody>
+      </p:sp>
+      <p:sp>
+        <p:nvSpPr>
+          <p:cNvPr id="6" name="Title 5"/>
+          <p:cNvSpPr>
+            <a:spLocks noGrp="1"/>
+          </p:cNvSpPr>
+          <p:nvPr>
+            <p:ph type="title"/>
+          </p:nvPr>
+        </p:nvSpPr>
+        <p:spPr/>
+        <p:txBody>
+          <a:bodyPr/>
+          <a:lstStyle/>
+          <a:p>
+            <a:r>
               <a:rPr lang="en-US" dirty="0"/>
               <a:t>Lessons Learned about the System</a:t>
             </a:r>
@@ -14609,7 +14792,7 @@
 </p:sld>
 </file>
 
-<file path=ppt/slides/slide14.xml><?xml version="1.0" encoding="utf-8"?>
+<file path=ppt/slides/slide15.xml><?xml version="1.0" encoding="utf-8"?>
 <p:sld xmlns:a="http://schemas.openxmlformats.org/drawingml/2006/main" xmlns:r="http://schemas.openxmlformats.org/officeDocument/2006/relationships" xmlns:p="http://schemas.openxmlformats.org/presentationml/2006/main">
   <p:cSld>
     <p:spTree>
@@ -14735,7 +14918,7 @@
           <a:p>
             <a:fld id="{657B2308-30A8-9242-AB00-DAE35BE06ADD}" type="slidenum">
               <a:rPr lang="en-US" smtClean="0"/>
-              <a:t>14</a:t>
+              <a:t>15</a:t>
             </a:fld>
             <a:endParaRPr lang="en-US"/>
           </a:p>
@@ -15145,6 +15328,13 @@
   <p:clrMapOvr>
     <a:masterClrMapping/>
   </p:clrMapOvr>
+  <p:timing>
+    <p:tnLst>
+      <p:par>
+        <p:cTn xmlns:p14="http://schemas.microsoft.com/office/powerpoint/2010/main" id="1" dur="indefinite" restart="never" nodeType="tmRoot"/>
+      </p:par>
+    </p:tnLst>
+  </p:timing>
 </p:sld>
 </file>
 
@@ -15165,36 +15355,6 @@
           <a:chExt cx="0" cy="0"/>
         </a:xfrm>
       </p:grpSpPr>
-      <p:pic>
-        <p:nvPicPr>
-          <p:cNvPr id="7" name="Content Placeholder 6" descr="system-overview.eps"/>
-          <p:cNvPicPr>
-            <a:picLocks noGrp="1" noChangeAspect="1"/>
-          </p:cNvPicPr>
-          <p:nvPr>
-            <p:ph idx="1"/>
-          </p:nvPr>
-        </p:nvPicPr>
-        <p:blipFill>
-          <a:blip r:embed="rId2">
-            <a:extLst>
-              <a:ext uri="{28A0092B-C50C-407E-A947-70E740481C1C}">
-                <a14:useLocalDpi xmlns:a14="http://schemas.microsoft.com/office/drawing/2010/main" val="0"/>
-              </a:ext>
-            </a:extLst>
-          </a:blip>
-          <a:srcRect t="-15371" b="-15371"/>
-          <a:stretch>
-            <a:fillRect/>
-          </a:stretch>
-        </p:blipFill>
-        <p:spPr>
-          <a:xfrm>
-            <a:off x="871538" y="1295400"/>
-            <a:ext cx="7408862" cy="4830763"/>
-          </a:xfrm>
-        </p:spPr>
-      </p:pic>
       <p:sp>
         <p:nvSpPr>
           <p:cNvPr id="3" name="Date Placeholder 2"/>
@@ -15281,9 +15441,1070 @@
           <a:p>
             <a:r>
               <a:rPr lang="en-US" dirty="0" smtClean="0"/>
-              <a:t>Design - Overview</a:t>
+              <a:t>Design </a:t>
+            </a:r>
+            <a:r>
+              <a:rPr lang="en-US" dirty="0"/>
+              <a:t>–</a:t>
+            </a:r>
+            <a:r>
+              <a:rPr lang="en-US" dirty="0" smtClean="0"/>
+              <a:t> Overview</a:t>
             </a:r>
             <a:endParaRPr lang="en-US" dirty="0"/>
+          </a:p>
+        </p:txBody>
+      </p:sp>
+      <p:grpSp>
+        <p:nvGrpSpPr>
+          <p:cNvPr id="79" name="Group 78"/>
+          <p:cNvGrpSpPr/>
+          <p:nvPr/>
+        </p:nvGrpSpPr>
+        <p:grpSpPr>
+          <a:xfrm>
+            <a:off x="871538" y="1733826"/>
+            <a:ext cx="7408862" cy="4052956"/>
+            <a:chOff x="871538" y="1733826"/>
+            <a:chExt cx="7408862" cy="4052956"/>
+          </a:xfrm>
+        </p:grpSpPr>
+        <p:sp>
+          <p:nvSpPr>
+            <p:cNvPr id="64" name="Rectangle 63"/>
+            <p:cNvSpPr/>
+            <p:nvPr/>
+          </p:nvSpPr>
+          <p:spPr>
+            <a:xfrm>
+              <a:off x="871538" y="1733826"/>
+              <a:ext cx="7408862" cy="4052956"/>
+            </a:xfrm>
+            <a:prstGeom prst="rect">
+              <a:avLst/>
+            </a:prstGeom>
+            <a:solidFill>
+              <a:schemeClr val="bg1"/>
+            </a:solidFill>
+          </p:spPr>
+          <p:style>
+            <a:lnRef idx="1">
+              <a:schemeClr val="accent1"/>
+            </a:lnRef>
+            <a:fillRef idx="3">
+              <a:schemeClr val="accent1"/>
+            </a:fillRef>
+            <a:effectRef idx="2">
+              <a:schemeClr val="accent1"/>
+            </a:effectRef>
+            <a:fontRef idx="minor">
+              <a:schemeClr val="lt1"/>
+            </a:fontRef>
+          </p:style>
+          <p:txBody>
+            <a:bodyPr rtlCol="0" anchor="ctr"/>
+            <a:lstStyle/>
+            <a:p>
+              <a:pPr algn="ctr"/>
+              <a:endParaRPr lang="en-US" dirty="0"/>
+            </a:p>
+          </p:txBody>
+        </p:sp>
+        <p:grpSp>
+          <p:nvGrpSpPr>
+            <p:cNvPr id="34" name="Group 33"/>
+            <p:cNvGrpSpPr/>
+            <p:nvPr/>
+          </p:nvGrpSpPr>
+          <p:grpSpPr>
+            <a:xfrm>
+              <a:off x="1634435" y="2054091"/>
+              <a:ext cx="3518479" cy="1106550"/>
+              <a:chOff x="1634435" y="2043048"/>
+              <a:chExt cx="3518479" cy="1106550"/>
+            </a:xfrm>
+          </p:grpSpPr>
+          <p:grpSp>
+            <p:nvGrpSpPr>
+              <p:cNvPr id="24" name="Group 23"/>
+              <p:cNvGrpSpPr/>
+              <p:nvPr/>
+            </p:nvGrpSpPr>
+            <p:grpSpPr>
+              <a:xfrm>
+                <a:off x="1634435" y="2043048"/>
+                <a:ext cx="3518479" cy="1106550"/>
+                <a:chOff x="1634435" y="2043048"/>
+                <a:chExt cx="3518479" cy="1106550"/>
+              </a:xfrm>
+            </p:grpSpPr>
+            <p:grpSp>
+              <p:nvGrpSpPr>
+                <p:cNvPr id="11" name="Group 10"/>
+                <p:cNvGrpSpPr/>
+                <p:nvPr/>
+              </p:nvGrpSpPr>
+              <p:grpSpPr>
+                <a:xfrm>
+                  <a:off x="1634435" y="2043048"/>
+                  <a:ext cx="1115391" cy="1104348"/>
+                  <a:chOff x="1634435" y="2142435"/>
+                  <a:chExt cx="1115391" cy="1104348"/>
+                </a:xfrm>
+              </p:grpSpPr>
+              <p:sp>
+                <p:nvSpPr>
+                  <p:cNvPr id="8" name="Rounded Rectangle 7"/>
+                  <p:cNvSpPr/>
+                  <p:nvPr/>
+                </p:nvSpPr>
+                <p:spPr>
+                  <a:xfrm>
+                    <a:off x="1634435" y="2142435"/>
+                    <a:ext cx="921021" cy="921021"/>
+                  </a:xfrm>
+                  <a:prstGeom prst="roundRect">
+                    <a:avLst/>
+                  </a:prstGeom>
+                </p:spPr>
+                <p:style>
+                  <a:lnRef idx="1">
+                    <a:schemeClr val="accent1"/>
+                  </a:lnRef>
+                  <a:fillRef idx="3">
+                    <a:schemeClr val="accent1"/>
+                  </a:fillRef>
+                  <a:effectRef idx="2">
+                    <a:schemeClr val="accent1"/>
+                  </a:effectRef>
+                  <a:fontRef idx="minor">
+                    <a:schemeClr val="lt1"/>
+                  </a:fontRef>
+                </p:style>
+                <p:txBody>
+                  <a:bodyPr rtlCol="0" anchor="ctr"/>
+                  <a:lstStyle/>
+                  <a:p>
+                    <a:pPr algn="ctr"/>
+                    <a:r>
+                      <a:rPr lang="en-US" sz="1600" dirty="0" smtClean="0"/>
+                      <a:t>Client</a:t>
+                    </a:r>
+                    <a:endParaRPr lang="en-US" sz="1600" dirty="0"/>
+                  </a:p>
+                </p:txBody>
+              </p:sp>
+              <p:sp>
+                <p:nvSpPr>
+                  <p:cNvPr id="9" name="Rounded Rectangle 8"/>
+                  <p:cNvSpPr/>
+                  <p:nvPr/>
+                </p:nvSpPr>
+                <p:spPr>
+                  <a:xfrm>
+                    <a:off x="1731620" y="2228577"/>
+                    <a:ext cx="921021" cy="921021"/>
+                  </a:xfrm>
+                  <a:prstGeom prst="roundRect">
+                    <a:avLst/>
+                  </a:prstGeom>
+                </p:spPr>
+                <p:style>
+                  <a:lnRef idx="1">
+                    <a:schemeClr val="accent1"/>
+                  </a:lnRef>
+                  <a:fillRef idx="3">
+                    <a:schemeClr val="accent1"/>
+                  </a:fillRef>
+                  <a:effectRef idx="2">
+                    <a:schemeClr val="accent1"/>
+                  </a:effectRef>
+                  <a:fontRef idx="minor">
+                    <a:schemeClr val="lt1"/>
+                  </a:fontRef>
+                </p:style>
+                <p:txBody>
+                  <a:bodyPr rtlCol="0" anchor="ctr"/>
+                  <a:lstStyle/>
+                  <a:p>
+                    <a:pPr algn="ctr"/>
+                    <a:r>
+                      <a:rPr lang="en-US" sz="1600" dirty="0" smtClean="0"/>
+                      <a:t>Client</a:t>
+                    </a:r>
+                    <a:endParaRPr lang="en-US" sz="1600" dirty="0"/>
+                  </a:p>
+                </p:txBody>
+              </p:sp>
+              <p:sp>
+                <p:nvSpPr>
+                  <p:cNvPr id="10" name="Rounded Rectangle 9"/>
+                  <p:cNvSpPr/>
+                  <p:nvPr/>
+                </p:nvSpPr>
+                <p:spPr>
+                  <a:xfrm>
+                    <a:off x="1828805" y="2325762"/>
+                    <a:ext cx="921021" cy="921021"/>
+                  </a:xfrm>
+                  <a:prstGeom prst="roundRect">
+                    <a:avLst/>
+                  </a:prstGeom>
+                </p:spPr>
+                <p:style>
+                  <a:lnRef idx="1">
+                    <a:schemeClr val="accent1"/>
+                  </a:lnRef>
+                  <a:fillRef idx="3">
+                    <a:schemeClr val="accent1"/>
+                  </a:fillRef>
+                  <a:effectRef idx="2">
+                    <a:schemeClr val="accent1"/>
+                  </a:effectRef>
+                  <a:fontRef idx="minor">
+                    <a:schemeClr val="lt1"/>
+                  </a:fontRef>
+                </p:style>
+                <p:txBody>
+                  <a:bodyPr rtlCol="0" anchor="ctr"/>
+                  <a:lstStyle/>
+                  <a:p>
+                    <a:pPr algn="ctr"/>
+                    <a:r>
+                      <a:rPr lang="en-US" sz="1600" dirty="0" smtClean="0"/>
+                      <a:t>Client</a:t>
+                    </a:r>
+                    <a:endParaRPr lang="en-US" sz="1600" dirty="0"/>
+                  </a:p>
+                </p:txBody>
+              </p:sp>
+            </p:grpSp>
+            <p:sp>
+              <p:nvSpPr>
+                <p:cNvPr id="12" name="Rounded Rectangle 11"/>
+                <p:cNvSpPr/>
+                <p:nvPr/>
+              </p:nvSpPr>
+              <p:spPr>
+                <a:xfrm>
+                  <a:off x="4231893" y="2228577"/>
+                  <a:ext cx="921021" cy="921021"/>
+                </a:xfrm>
+                <a:prstGeom prst="roundRect">
+                  <a:avLst/>
+                </a:prstGeom>
+              </p:spPr>
+              <p:style>
+                <a:lnRef idx="1">
+                  <a:schemeClr val="accent1"/>
+                </a:lnRef>
+                <a:fillRef idx="3">
+                  <a:schemeClr val="accent1"/>
+                </a:fillRef>
+                <a:effectRef idx="2">
+                  <a:schemeClr val="accent1"/>
+                </a:effectRef>
+                <a:fontRef idx="minor">
+                  <a:schemeClr val="lt1"/>
+                </a:fontRef>
+              </p:style>
+              <p:txBody>
+                <a:bodyPr rtlCol="0" anchor="ctr"/>
+                <a:lstStyle/>
+                <a:p>
+                  <a:pPr algn="ctr"/>
+                  <a:r>
+                    <a:rPr lang="en-US" sz="1600" dirty="0" smtClean="0"/>
+                    <a:t>Middleware</a:t>
+                  </a:r>
+                  <a:endParaRPr lang="en-US" sz="1600" dirty="0"/>
+                </a:p>
+              </p:txBody>
+            </p:sp>
+          </p:grpSp>
+          <p:cxnSp>
+            <p:nvCxnSpPr>
+              <p:cNvPr id="33" name="Straight Connector 32"/>
+              <p:cNvCxnSpPr>
+                <a:stCxn id="10" idx="3"/>
+                <a:endCxn id="12" idx="1"/>
+              </p:cNvCxnSpPr>
+              <p:nvPr/>
+            </p:nvCxnSpPr>
+            <p:spPr>
+              <a:xfrm>
+                <a:off x="2749826" y="2686886"/>
+                <a:ext cx="1482067" cy="2202"/>
+              </a:xfrm>
+              <a:prstGeom prst="line">
+                <a:avLst/>
+              </a:prstGeom>
+            </p:spPr>
+            <p:style>
+              <a:lnRef idx="2">
+                <a:schemeClr val="accent1"/>
+              </a:lnRef>
+              <a:fillRef idx="0">
+                <a:schemeClr val="accent1"/>
+              </a:fillRef>
+              <a:effectRef idx="1">
+                <a:schemeClr val="accent1"/>
+              </a:effectRef>
+              <a:fontRef idx="minor">
+                <a:schemeClr val="tx1"/>
+              </a:fontRef>
+            </p:style>
+          </p:cxnSp>
+        </p:grpSp>
+        <p:grpSp>
+          <p:nvGrpSpPr>
+            <p:cNvPr id="35" name="Group 34"/>
+            <p:cNvGrpSpPr/>
+            <p:nvPr/>
+          </p:nvGrpSpPr>
+          <p:grpSpPr>
+            <a:xfrm>
+              <a:off x="1634435" y="3235740"/>
+              <a:ext cx="3518479" cy="1106550"/>
+              <a:chOff x="1634435" y="2043048"/>
+              <a:chExt cx="3518479" cy="1106550"/>
+            </a:xfrm>
+          </p:grpSpPr>
+          <p:grpSp>
+            <p:nvGrpSpPr>
+              <p:cNvPr id="36" name="Group 35"/>
+              <p:cNvGrpSpPr/>
+              <p:nvPr/>
+            </p:nvGrpSpPr>
+            <p:grpSpPr>
+              <a:xfrm>
+                <a:off x="1634435" y="2043048"/>
+                <a:ext cx="3518479" cy="1106550"/>
+                <a:chOff x="1634435" y="2043048"/>
+                <a:chExt cx="3518479" cy="1106550"/>
+              </a:xfrm>
+            </p:grpSpPr>
+            <p:grpSp>
+              <p:nvGrpSpPr>
+                <p:cNvPr id="38" name="Group 37"/>
+                <p:cNvGrpSpPr/>
+                <p:nvPr/>
+              </p:nvGrpSpPr>
+              <p:grpSpPr>
+                <a:xfrm>
+                  <a:off x="1634435" y="2043048"/>
+                  <a:ext cx="1115391" cy="1104348"/>
+                  <a:chOff x="1634435" y="2142435"/>
+                  <a:chExt cx="1115391" cy="1104348"/>
+                </a:xfrm>
+              </p:grpSpPr>
+              <p:sp>
+                <p:nvSpPr>
+                  <p:cNvPr id="40" name="Rounded Rectangle 39"/>
+                  <p:cNvSpPr/>
+                  <p:nvPr/>
+                </p:nvSpPr>
+                <p:spPr>
+                  <a:xfrm>
+                    <a:off x="1634435" y="2142435"/>
+                    <a:ext cx="921021" cy="921021"/>
+                  </a:xfrm>
+                  <a:prstGeom prst="roundRect">
+                    <a:avLst/>
+                  </a:prstGeom>
+                </p:spPr>
+                <p:style>
+                  <a:lnRef idx="1">
+                    <a:schemeClr val="accent1"/>
+                  </a:lnRef>
+                  <a:fillRef idx="3">
+                    <a:schemeClr val="accent1"/>
+                  </a:fillRef>
+                  <a:effectRef idx="2">
+                    <a:schemeClr val="accent1"/>
+                  </a:effectRef>
+                  <a:fontRef idx="minor">
+                    <a:schemeClr val="lt1"/>
+                  </a:fontRef>
+                </p:style>
+                <p:txBody>
+                  <a:bodyPr rtlCol="0" anchor="ctr"/>
+                  <a:lstStyle/>
+                  <a:p>
+                    <a:pPr algn="ctr"/>
+                    <a:r>
+                      <a:rPr lang="en-US" sz="1600" dirty="0" smtClean="0"/>
+                      <a:t>Client</a:t>
+                    </a:r>
+                    <a:endParaRPr lang="en-US" sz="1600" dirty="0"/>
+                  </a:p>
+                </p:txBody>
+              </p:sp>
+              <p:sp>
+                <p:nvSpPr>
+                  <p:cNvPr id="41" name="Rounded Rectangle 40"/>
+                  <p:cNvSpPr/>
+                  <p:nvPr/>
+                </p:nvSpPr>
+                <p:spPr>
+                  <a:xfrm>
+                    <a:off x="1731620" y="2228577"/>
+                    <a:ext cx="921021" cy="921021"/>
+                  </a:xfrm>
+                  <a:prstGeom prst="roundRect">
+                    <a:avLst/>
+                  </a:prstGeom>
+                </p:spPr>
+                <p:style>
+                  <a:lnRef idx="1">
+                    <a:schemeClr val="accent1"/>
+                  </a:lnRef>
+                  <a:fillRef idx="3">
+                    <a:schemeClr val="accent1"/>
+                  </a:fillRef>
+                  <a:effectRef idx="2">
+                    <a:schemeClr val="accent1"/>
+                  </a:effectRef>
+                  <a:fontRef idx="minor">
+                    <a:schemeClr val="lt1"/>
+                  </a:fontRef>
+                </p:style>
+                <p:txBody>
+                  <a:bodyPr rtlCol="0" anchor="ctr"/>
+                  <a:lstStyle/>
+                  <a:p>
+                    <a:pPr algn="ctr"/>
+                    <a:r>
+                      <a:rPr lang="en-US" sz="1600" dirty="0" smtClean="0"/>
+                      <a:t>Client</a:t>
+                    </a:r>
+                    <a:endParaRPr lang="en-US" sz="1600" dirty="0"/>
+                  </a:p>
+                </p:txBody>
+              </p:sp>
+              <p:sp>
+                <p:nvSpPr>
+                  <p:cNvPr id="42" name="Rounded Rectangle 41"/>
+                  <p:cNvSpPr/>
+                  <p:nvPr/>
+                </p:nvSpPr>
+                <p:spPr>
+                  <a:xfrm>
+                    <a:off x="1828805" y="2325762"/>
+                    <a:ext cx="921021" cy="921021"/>
+                  </a:xfrm>
+                  <a:prstGeom prst="roundRect">
+                    <a:avLst/>
+                  </a:prstGeom>
+                </p:spPr>
+                <p:style>
+                  <a:lnRef idx="1">
+                    <a:schemeClr val="accent1"/>
+                  </a:lnRef>
+                  <a:fillRef idx="3">
+                    <a:schemeClr val="accent1"/>
+                  </a:fillRef>
+                  <a:effectRef idx="2">
+                    <a:schemeClr val="accent1"/>
+                  </a:effectRef>
+                  <a:fontRef idx="minor">
+                    <a:schemeClr val="lt1"/>
+                  </a:fontRef>
+                </p:style>
+                <p:txBody>
+                  <a:bodyPr rtlCol="0" anchor="ctr"/>
+                  <a:lstStyle/>
+                  <a:p>
+                    <a:pPr algn="ctr"/>
+                    <a:r>
+                      <a:rPr lang="en-US" sz="1600" dirty="0" smtClean="0"/>
+                      <a:t>Client</a:t>
+                    </a:r>
+                    <a:endParaRPr lang="en-US" sz="1600" dirty="0"/>
+                  </a:p>
+                </p:txBody>
+              </p:sp>
+            </p:grpSp>
+            <p:sp>
+              <p:nvSpPr>
+                <p:cNvPr id="39" name="Rounded Rectangle 38"/>
+                <p:cNvSpPr/>
+                <p:nvPr/>
+              </p:nvSpPr>
+              <p:spPr>
+                <a:xfrm>
+                  <a:off x="4231893" y="2228577"/>
+                  <a:ext cx="921021" cy="921021"/>
+                </a:xfrm>
+                <a:prstGeom prst="roundRect">
+                  <a:avLst/>
+                </a:prstGeom>
+              </p:spPr>
+              <p:style>
+                <a:lnRef idx="1">
+                  <a:schemeClr val="accent1"/>
+                </a:lnRef>
+                <a:fillRef idx="3">
+                  <a:schemeClr val="accent1"/>
+                </a:fillRef>
+                <a:effectRef idx="2">
+                  <a:schemeClr val="accent1"/>
+                </a:effectRef>
+                <a:fontRef idx="minor">
+                  <a:schemeClr val="lt1"/>
+                </a:fontRef>
+              </p:style>
+              <p:txBody>
+                <a:bodyPr rtlCol="0" anchor="ctr"/>
+                <a:lstStyle/>
+                <a:p>
+                  <a:pPr algn="ctr"/>
+                  <a:r>
+                    <a:rPr lang="en-US" sz="1600" dirty="0" smtClean="0"/>
+                    <a:t>Middleware</a:t>
+                  </a:r>
+                  <a:endParaRPr lang="en-US" sz="1600" dirty="0"/>
+                </a:p>
+              </p:txBody>
+            </p:sp>
+          </p:grpSp>
+          <p:cxnSp>
+            <p:nvCxnSpPr>
+              <p:cNvPr id="37" name="Straight Connector 36"/>
+              <p:cNvCxnSpPr>
+                <a:stCxn id="42" idx="3"/>
+                <a:endCxn id="39" idx="1"/>
+              </p:cNvCxnSpPr>
+              <p:nvPr/>
+            </p:nvCxnSpPr>
+            <p:spPr>
+              <a:xfrm>
+                <a:off x="2749826" y="2686886"/>
+                <a:ext cx="1482067" cy="2202"/>
+              </a:xfrm>
+              <a:prstGeom prst="line">
+                <a:avLst/>
+              </a:prstGeom>
+            </p:spPr>
+            <p:style>
+              <a:lnRef idx="2">
+                <a:schemeClr val="accent1"/>
+              </a:lnRef>
+              <a:fillRef idx="0">
+                <a:schemeClr val="accent1"/>
+              </a:fillRef>
+              <a:effectRef idx="1">
+                <a:schemeClr val="accent1"/>
+              </a:effectRef>
+              <a:fontRef idx="minor">
+                <a:schemeClr val="tx1"/>
+              </a:fontRef>
+            </p:style>
+          </p:cxnSp>
+        </p:grpSp>
+        <p:grpSp>
+          <p:nvGrpSpPr>
+            <p:cNvPr id="43" name="Group 42"/>
+            <p:cNvGrpSpPr/>
+            <p:nvPr/>
+          </p:nvGrpSpPr>
+          <p:grpSpPr>
+            <a:xfrm>
+              <a:off x="1634435" y="4426234"/>
+              <a:ext cx="3518479" cy="1106550"/>
+              <a:chOff x="1634435" y="2043048"/>
+              <a:chExt cx="3518479" cy="1106550"/>
+            </a:xfrm>
+          </p:grpSpPr>
+          <p:grpSp>
+            <p:nvGrpSpPr>
+              <p:cNvPr id="44" name="Group 43"/>
+              <p:cNvGrpSpPr/>
+              <p:nvPr/>
+            </p:nvGrpSpPr>
+            <p:grpSpPr>
+              <a:xfrm>
+                <a:off x="1634435" y="2043048"/>
+                <a:ext cx="3518479" cy="1106550"/>
+                <a:chOff x="1634435" y="2043048"/>
+                <a:chExt cx="3518479" cy="1106550"/>
+              </a:xfrm>
+            </p:grpSpPr>
+            <p:grpSp>
+              <p:nvGrpSpPr>
+                <p:cNvPr id="46" name="Group 45"/>
+                <p:cNvGrpSpPr/>
+                <p:nvPr/>
+              </p:nvGrpSpPr>
+              <p:grpSpPr>
+                <a:xfrm>
+                  <a:off x="1634435" y="2043048"/>
+                  <a:ext cx="1115391" cy="1104348"/>
+                  <a:chOff x="1634435" y="2142435"/>
+                  <a:chExt cx="1115391" cy="1104348"/>
+                </a:xfrm>
+              </p:grpSpPr>
+              <p:sp>
+                <p:nvSpPr>
+                  <p:cNvPr id="48" name="Rounded Rectangle 47"/>
+                  <p:cNvSpPr/>
+                  <p:nvPr/>
+                </p:nvSpPr>
+                <p:spPr>
+                  <a:xfrm>
+                    <a:off x="1634435" y="2142435"/>
+                    <a:ext cx="921021" cy="921021"/>
+                  </a:xfrm>
+                  <a:prstGeom prst="roundRect">
+                    <a:avLst/>
+                  </a:prstGeom>
+                </p:spPr>
+                <p:style>
+                  <a:lnRef idx="1">
+                    <a:schemeClr val="accent1"/>
+                  </a:lnRef>
+                  <a:fillRef idx="3">
+                    <a:schemeClr val="accent1"/>
+                  </a:fillRef>
+                  <a:effectRef idx="2">
+                    <a:schemeClr val="accent1"/>
+                  </a:effectRef>
+                  <a:fontRef idx="minor">
+                    <a:schemeClr val="lt1"/>
+                  </a:fontRef>
+                </p:style>
+                <p:txBody>
+                  <a:bodyPr rtlCol="0" anchor="ctr"/>
+                  <a:lstStyle/>
+                  <a:p>
+                    <a:pPr algn="ctr"/>
+                    <a:r>
+                      <a:rPr lang="en-US" sz="1600" dirty="0" smtClean="0"/>
+                      <a:t>Client</a:t>
+                    </a:r>
+                    <a:endParaRPr lang="en-US" sz="1600" dirty="0"/>
+                  </a:p>
+                </p:txBody>
+              </p:sp>
+              <p:sp>
+                <p:nvSpPr>
+                  <p:cNvPr id="49" name="Rounded Rectangle 48"/>
+                  <p:cNvSpPr/>
+                  <p:nvPr/>
+                </p:nvSpPr>
+                <p:spPr>
+                  <a:xfrm>
+                    <a:off x="1731620" y="2228577"/>
+                    <a:ext cx="921021" cy="921021"/>
+                  </a:xfrm>
+                  <a:prstGeom prst="roundRect">
+                    <a:avLst/>
+                  </a:prstGeom>
+                </p:spPr>
+                <p:style>
+                  <a:lnRef idx="1">
+                    <a:schemeClr val="accent1"/>
+                  </a:lnRef>
+                  <a:fillRef idx="3">
+                    <a:schemeClr val="accent1"/>
+                  </a:fillRef>
+                  <a:effectRef idx="2">
+                    <a:schemeClr val="accent1"/>
+                  </a:effectRef>
+                  <a:fontRef idx="minor">
+                    <a:schemeClr val="lt1"/>
+                  </a:fontRef>
+                </p:style>
+                <p:txBody>
+                  <a:bodyPr rtlCol="0" anchor="ctr"/>
+                  <a:lstStyle/>
+                  <a:p>
+                    <a:pPr algn="ctr"/>
+                    <a:r>
+                      <a:rPr lang="en-US" sz="1600" dirty="0" smtClean="0"/>
+                      <a:t>Client</a:t>
+                    </a:r>
+                    <a:endParaRPr lang="en-US" sz="1600" dirty="0"/>
+                  </a:p>
+                </p:txBody>
+              </p:sp>
+              <p:sp>
+                <p:nvSpPr>
+                  <p:cNvPr id="50" name="Rounded Rectangle 49"/>
+                  <p:cNvSpPr/>
+                  <p:nvPr/>
+                </p:nvSpPr>
+                <p:spPr>
+                  <a:xfrm>
+                    <a:off x="1828805" y="2325762"/>
+                    <a:ext cx="921021" cy="921021"/>
+                  </a:xfrm>
+                  <a:prstGeom prst="roundRect">
+                    <a:avLst/>
+                  </a:prstGeom>
+                </p:spPr>
+                <p:style>
+                  <a:lnRef idx="1">
+                    <a:schemeClr val="accent1"/>
+                  </a:lnRef>
+                  <a:fillRef idx="3">
+                    <a:schemeClr val="accent1"/>
+                  </a:fillRef>
+                  <a:effectRef idx="2">
+                    <a:schemeClr val="accent1"/>
+                  </a:effectRef>
+                  <a:fontRef idx="minor">
+                    <a:schemeClr val="lt1"/>
+                  </a:fontRef>
+                </p:style>
+                <p:txBody>
+                  <a:bodyPr rtlCol="0" anchor="ctr"/>
+                  <a:lstStyle/>
+                  <a:p>
+                    <a:pPr algn="ctr"/>
+                    <a:r>
+                      <a:rPr lang="en-US" sz="1600" dirty="0" smtClean="0"/>
+                      <a:t>Client</a:t>
+                    </a:r>
+                    <a:endParaRPr lang="en-US" sz="1600" dirty="0"/>
+                  </a:p>
+                </p:txBody>
+              </p:sp>
+            </p:grpSp>
+            <p:sp>
+              <p:nvSpPr>
+                <p:cNvPr id="47" name="Rounded Rectangle 46"/>
+                <p:cNvSpPr/>
+                <p:nvPr/>
+              </p:nvSpPr>
+              <p:spPr>
+                <a:xfrm>
+                  <a:off x="4231893" y="2228577"/>
+                  <a:ext cx="921021" cy="921021"/>
+                </a:xfrm>
+                <a:prstGeom prst="roundRect">
+                  <a:avLst/>
+                </a:prstGeom>
+              </p:spPr>
+              <p:style>
+                <a:lnRef idx="1">
+                  <a:schemeClr val="accent1"/>
+                </a:lnRef>
+                <a:fillRef idx="3">
+                  <a:schemeClr val="accent1"/>
+                </a:fillRef>
+                <a:effectRef idx="2">
+                  <a:schemeClr val="accent1"/>
+                </a:effectRef>
+                <a:fontRef idx="minor">
+                  <a:schemeClr val="lt1"/>
+                </a:fontRef>
+              </p:style>
+              <p:txBody>
+                <a:bodyPr rtlCol="0" anchor="ctr"/>
+                <a:lstStyle/>
+                <a:p>
+                  <a:pPr algn="ctr"/>
+                  <a:r>
+                    <a:rPr lang="en-US" sz="1600" dirty="0" smtClean="0"/>
+                    <a:t>Middleware</a:t>
+                  </a:r>
+                  <a:endParaRPr lang="en-US" sz="1600" dirty="0"/>
+                </a:p>
+              </p:txBody>
+            </p:sp>
+          </p:grpSp>
+          <p:cxnSp>
+            <p:nvCxnSpPr>
+              <p:cNvPr id="45" name="Straight Connector 44"/>
+              <p:cNvCxnSpPr>
+                <a:stCxn id="50" idx="3"/>
+                <a:endCxn id="47" idx="1"/>
+              </p:cNvCxnSpPr>
+              <p:nvPr/>
+            </p:nvCxnSpPr>
+            <p:spPr>
+              <a:xfrm>
+                <a:off x="2749826" y="2686886"/>
+                <a:ext cx="1482067" cy="2202"/>
+              </a:xfrm>
+              <a:prstGeom prst="line">
+                <a:avLst/>
+              </a:prstGeom>
+            </p:spPr>
+            <p:style>
+              <a:lnRef idx="2">
+                <a:schemeClr val="accent1"/>
+              </a:lnRef>
+              <a:fillRef idx="0">
+                <a:schemeClr val="accent1"/>
+              </a:fillRef>
+              <a:effectRef idx="1">
+                <a:schemeClr val="accent1"/>
+              </a:effectRef>
+              <a:fontRef idx="minor">
+                <a:schemeClr val="tx1"/>
+              </a:fontRef>
+            </p:style>
+          </p:cxnSp>
+        </p:grpSp>
+        <p:sp>
+          <p:nvSpPr>
+            <p:cNvPr id="51" name="Can 50"/>
+            <p:cNvSpPr/>
+            <p:nvPr/>
+          </p:nvSpPr>
+          <p:spPr>
+            <a:xfrm>
+              <a:off x="6283739" y="2890351"/>
+              <a:ext cx="1490870" cy="1982857"/>
+            </a:xfrm>
+            <a:prstGeom prst="can">
+              <a:avLst/>
+            </a:prstGeom>
+          </p:spPr>
+          <p:style>
+            <a:lnRef idx="1">
+              <a:schemeClr val="accent1"/>
+            </a:lnRef>
+            <a:fillRef idx="3">
+              <a:schemeClr val="accent1"/>
+            </a:fillRef>
+            <a:effectRef idx="2">
+              <a:schemeClr val="accent1"/>
+            </a:effectRef>
+            <a:fontRef idx="minor">
+              <a:schemeClr val="lt1"/>
+            </a:fontRef>
+          </p:style>
+          <p:txBody>
+            <a:bodyPr rtlCol="0" anchor="ctr"/>
+            <a:lstStyle/>
+            <a:p>
+              <a:pPr algn="ctr"/>
+              <a:r>
+                <a:rPr lang="en-US" dirty="0" smtClean="0"/>
+                <a:t>Database</a:t>
+              </a:r>
+              <a:endParaRPr lang="en-US" dirty="0"/>
+            </a:p>
+          </p:txBody>
+        </p:sp>
+        <p:cxnSp>
+          <p:nvCxnSpPr>
+            <p:cNvPr id="53" name="Straight Connector 52"/>
+            <p:cNvCxnSpPr>
+              <a:stCxn id="12" idx="3"/>
+              <a:endCxn id="51" idx="2"/>
+            </p:cNvCxnSpPr>
+            <p:nvPr/>
+          </p:nvCxnSpPr>
+          <p:spPr>
+            <a:xfrm>
+              <a:off x="5152914" y="2700131"/>
+              <a:ext cx="1130825" cy="1181649"/>
+            </a:xfrm>
+            <a:prstGeom prst="line">
+              <a:avLst/>
+            </a:prstGeom>
+          </p:spPr>
+          <p:style>
+            <a:lnRef idx="2">
+              <a:schemeClr val="accent1"/>
+            </a:lnRef>
+            <a:fillRef idx="0">
+              <a:schemeClr val="accent1"/>
+            </a:fillRef>
+            <a:effectRef idx="1">
+              <a:schemeClr val="accent1"/>
+            </a:effectRef>
+            <a:fontRef idx="minor">
+              <a:schemeClr val="tx1"/>
+            </a:fontRef>
+          </p:style>
+        </p:cxnSp>
+        <p:cxnSp>
+          <p:nvCxnSpPr>
+            <p:cNvPr id="55" name="Straight Connector 54"/>
+            <p:cNvCxnSpPr>
+              <a:stCxn id="39" idx="3"/>
+              <a:endCxn id="51" idx="2"/>
+            </p:cNvCxnSpPr>
+            <p:nvPr/>
+          </p:nvCxnSpPr>
+          <p:spPr>
+            <a:xfrm>
+              <a:off x="5152914" y="3881780"/>
+              <a:ext cx="1130825" cy="0"/>
+            </a:xfrm>
+            <a:prstGeom prst="line">
+              <a:avLst/>
+            </a:prstGeom>
+          </p:spPr>
+          <p:style>
+            <a:lnRef idx="2">
+              <a:schemeClr val="accent1"/>
+            </a:lnRef>
+            <a:fillRef idx="0">
+              <a:schemeClr val="accent1"/>
+            </a:fillRef>
+            <a:effectRef idx="1">
+              <a:schemeClr val="accent1"/>
+            </a:effectRef>
+            <a:fontRef idx="minor">
+              <a:schemeClr val="tx1"/>
+            </a:fontRef>
+          </p:style>
+        </p:cxnSp>
+        <p:cxnSp>
+          <p:nvCxnSpPr>
+            <p:cNvPr id="57" name="Straight Connector 56"/>
+            <p:cNvCxnSpPr>
+              <a:stCxn id="47" idx="3"/>
+              <a:endCxn id="51" idx="2"/>
+            </p:cNvCxnSpPr>
+            <p:nvPr/>
+          </p:nvCxnSpPr>
+          <p:spPr>
+            <a:xfrm flipV="1">
+              <a:off x="5152914" y="3881780"/>
+              <a:ext cx="1130825" cy="1190494"/>
+            </a:xfrm>
+            <a:prstGeom prst="line">
+              <a:avLst/>
+            </a:prstGeom>
+          </p:spPr>
+          <p:style>
+            <a:lnRef idx="2">
+              <a:schemeClr val="accent1"/>
+            </a:lnRef>
+            <a:fillRef idx="0">
+              <a:schemeClr val="accent1"/>
+            </a:fillRef>
+            <a:effectRef idx="1">
+              <a:schemeClr val="accent1"/>
+            </a:effectRef>
+            <a:fontRef idx="minor">
+              <a:schemeClr val="tx1"/>
+            </a:fontRef>
+          </p:style>
+        </p:cxnSp>
+      </p:grpSp>
+      <p:cxnSp>
+        <p:nvCxnSpPr>
+          <p:cNvPr id="67" name="Straight Connector 66"/>
+          <p:cNvCxnSpPr/>
+          <p:nvPr/>
+        </p:nvCxnSpPr>
+        <p:spPr>
+          <a:xfrm>
+            <a:off x="3357217" y="1733826"/>
+            <a:ext cx="0" cy="4052956"/>
+          </a:xfrm>
+          <a:prstGeom prst="line">
+            <a:avLst/>
+          </a:prstGeom>
+        </p:spPr>
+        <p:style>
+          <a:lnRef idx="2">
+            <a:schemeClr val="accent1"/>
+          </a:lnRef>
+          <a:fillRef idx="0">
+            <a:schemeClr val="accent1"/>
+          </a:fillRef>
+          <a:effectRef idx="1">
+            <a:schemeClr val="accent1"/>
+          </a:effectRef>
+          <a:fontRef idx="minor">
+            <a:schemeClr val="tx1"/>
+          </a:fontRef>
+        </p:style>
+      </p:cxnSp>
+      <p:cxnSp>
+        <p:nvCxnSpPr>
+          <p:cNvPr id="68" name="Straight Connector 67"/>
+          <p:cNvCxnSpPr/>
+          <p:nvPr/>
+        </p:nvCxnSpPr>
+        <p:spPr>
+          <a:xfrm>
+            <a:off x="5806660" y="1733826"/>
+            <a:ext cx="0" cy="4048546"/>
+          </a:xfrm>
+          <a:prstGeom prst="line">
+            <a:avLst/>
+          </a:prstGeom>
+        </p:spPr>
+        <p:style>
+          <a:lnRef idx="2">
+            <a:schemeClr val="accent1"/>
+          </a:lnRef>
+          <a:fillRef idx="0">
+            <a:schemeClr val="accent1"/>
+          </a:fillRef>
+          <a:effectRef idx="1">
+            <a:schemeClr val="accent1"/>
+          </a:effectRef>
+          <a:fontRef idx="minor">
+            <a:schemeClr val="tx1"/>
+          </a:fontRef>
+        </p:style>
+      </p:cxnSp>
+      <p:sp>
+        <p:nvSpPr>
+          <p:cNvPr id="80" name="TextBox 79"/>
+          <p:cNvSpPr txBox="1"/>
+          <p:nvPr/>
+        </p:nvSpPr>
+        <p:spPr>
+          <a:xfrm>
+            <a:off x="5510691" y="3556008"/>
+            <a:ext cx="872435" cy="369332"/>
+          </a:xfrm>
+          <a:prstGeom prst="rect">
+            <a:avLst/>
+          </a:prstGeom>
+          <a:noFill/>
+        </p:spPr>
+        <p:txBody>
+          <a:bodyPr wrap="square" rtlCol="0">
+            <a:spAutoFit/>
+          </a:bodyPr>
+          <a:lstStyle/>
+          <a:p>
+            <a:r>
+              <a:rPr lang="en-US" dirty="0" smtClean="0"/>
+              <a:t>JDBC</a:t>
+            </a:r>
+          </a:p>
+        </p:txBody>
+      </p:sp>
+      <p:sp>
+        <p:nvSpPr>
+          <p:cNvPr id="81" name="TextBox 80"/>
+          <p:cNvSpPr txBox="1"/>
+          <p:nvPr/>
+        </p:nvSpPr>
+        <p:spPr>
+          <a:xfrm>
+            <a:off x="2903311" y="3543375"/>
+            <a:ext cx="1176124" cy="646331"/>
+          </a:xfrm>
+          <a:prstGeom prst="rect">
+            <a:avLst/>
+          </a:prstGeom>
+          <a:noFill/>
+        </p:spPr>
+        <p:txBody>
+          <a:bodyPr wrap="square" rtlCol="0">
+            <a:spAutoFit/>
+          </a:bodyPr>
+          <a:lstStyle/>
+          <a:p>
+            <a:r>
+              <a:rPr lang="en-US" dirty="0" smtClean="0"/>
+              <a:t>TCP IP Sockets</a:t>
+            </a:r>
           </a:p>
         </p:txBody>
       </p:sp>
@@ -15297,6 +16518,13 @@
   <p:clrMapOvr>
     <a:masterClrMapping/>
   </p:clrMapOvr>
+  <p:timing>
+    <p:tnLst>
+      <p:par>
+        <p:cTn xmlns:p14="http://schemas.microsoft.com/office/powerpoint/2010/main" id="1" dur="indefinite" restart="never" nodeType="tmRoot"/>
+      </p:par>
+    </p:tnLst>
+  </p:timing>
 </p:sld>
 </file>
 
@@ -15317,31 +16545,6 @@
           <a:chExt cx="0" cy="0"/>
         </a:xfrm>
       </p:grpSpPr>
-      <p:pic>
-        <p:nvPicPr>
-          <p:cNvPr id="7" name="Content Placeholder 6" descr="broker-threading.eps"/>
-          <p:cNvPicPr>
-            <a:picLocks noGrp="1" noChangeAspect="1"/>
-          </p:cNvPicPr>
-          <p:nvPr>
-            <p:ph idx="1"/>
-          </p:nvPr>
-        </p:nvPicPr>
-        <p:blipFill>
-          <a:blip r:embed="rId2">
-            <a:extLst>
-              <a:ext uri="{28A0092B-C50C-407E-A947-70E740481C1C}">
-                <a14:useLocalDpi xmlns:a14="http://schemas.microsoft.com/office/drawing/2010/main" val="0"/>
-              </a:ext>
-            </a:extLst>
-          </a:blip>
-          <a:srcRect t="-27774" b="-27774"/>
-          <a:stretch>
-            <a:fillRect/>
-          </a:stretch>
-        </p:blipFill>
-        <p:spPr/>
-      </p:pic>
       <p:sp>
         <p:nvSpPr>
           <p:cNvPr id="3" name="Date Placeholder 2"/>
@@ -15428,16 +16631,1132 @@
           <a:p>
             <a:r>
               <a:rPr lang="en-US" dirty="0"/>
-              <a:t>Design - </a:t>
+              <a:t>Design –</a:t>
             </a:r>
             <a:r>
               <a:rPr lang="en-US" dirty="0" smtClean="0"/>
-              <a:t>Middleware</a:t>
+              <a:t> Middleware</a:t>
             </a:r>
             <a:endParaRPr lang="en-US" dirty="0"/>
           </a:p>
         </p:txBody>
       </p:sp>
+      <p:grpSp>
+        <p:nvGrpSpPr>
+          <p:cNvPr id="47" name="Group 46"/>
+          <p:cNvGrpSpPr/>
+          <p:nvPr/>
+        </p:nvGrpSpPr>
+        <p:grpSpPr>
+          <a:xfrm>
+            <a:off x="459425" y="2131391"/>
+            <a:ext cx="8220739" cy="3136348"/>
+            <a:chOff x="459425" y="2131391"/>
+            <a:chExt cx="8220739" cy="3136348"/>
+          </a:xfrm>
+        </p:grpSpPr>
+        <p:sp>
+          <p:nvSpPr>
+            <p:cNvPr id="16" name="Rectangle 15"/>
+            <p:cNvSpPr/>
+            <p:nvPr/>
+          </p:nvSpPr>
+          <p:spPr>
+            <a:xfrm>
+              <a:off x="1921565" y="2131391"/>
+              <a:ext cx="5256696" cy="3136348"/>
+            </a:xfrm>
+            <a:prstGeom prst="rect">
+              <a:avLst/>
+            </a:prstGeom>
+          </p:spPr>
+          <p:style>
+            <a:lnRef idx="2">
+              <a:schemeClr val="accent1"/>
+            </a:lnRef>
+            <a:fillRef idx="1">
+              <a:schemeClr val="lt1"/>
+            </a:fillRef>
+            <a:effectRef idx="0">
+              <a:schemeClr val="accent1"/>
+            </a:effectRef>
+            <a:fontRef idx="minor">
+              <a:schemeClr val="dk1"/>
+            </a:fontRef>
+          </p:style>
+          <p:txBody>
+            <a:bodyPr rtlCol="0" anchor="t"/>
+            <a:lstStyle/>
+            <a:p>
+              <a:r>
+                <a:rPr lang="en-US" dirty="0" smtClean="0"/>
+                <a:t>Middleware</a:t>
+              </a:r>
+              <a:endParaRPr lang="en-US" dirty="0"/>
+            </a:p>
+          </p:txBody>
+        </p:sp>
+        <p:grpSp>
+          <p:nvGrpSpPr>
+            <p:cNvPr id="11" name="Group 10"/>
+            <p:cNvGrpSpPr/>
+            <p:nvPr/>
+          </p:nvGrpSpPr>
+          <p:grpSpPr>
+            <a:xfrm>
+              <a:off x="459425" y="2975112"/>
+              <a:ext cx="1115391" cy="1104348"/>
+              <a:chOff x="1380446" y="2142435"/>
+              <a:chExt cx="1115391" cy="1104348"/>
+            </a:xfrm>
+          </p:grpSpPr>
+          <p:sp>
+            <p:nvSpPr>
+              <p:cNvPr id="13" name="Rounded Rectangle 12"/>
+              <p:cNvSpPr/>
+              <p:nvPr/>
+            </p:nvSpPr>
+            <p:spPr>
+              <a:xfrm>
+                <a:off x="1380446" y="2142435"/>
+                <a:ext cx="921021" cy="921021"/>
+              </a:xfrm>
+              <a:prstGeom prst="roundRect">
+                <a:avLst/>
+              </a:prstGeom>
+            </p:spPr>
+            <p:style>
+              <a:lnRef idx="1">
+                <a:schemeClr val="accent1"/>
+              </a:lnRef>
+              <a:fillRef idx="3">
+                <a:schemeClr val="accent1"/>
+              </a:fillRef>
+              <a:effectRef idx="2">
+                <a:schemeClr val="accent1"/>
+              </a:effectRef>
+              <a:fontRef idx="minor">
+                <a:schemeClr val="lt1"/>
+              </a:fontRef>
+            </p:style>
+            <p:txBody>
+              <a:bodyPr rtlCol="0" anchor="ctr"/>
+              <a:lstStyle/>
+              <a:p>
+                <a:pPr algn="ctr"/>
+                <a:r>
+                  <a:rPr lang="en-US" sz="1600" dirty="0" smtClean="0"/>
+                  <a:t>Client</a:t>
+                </a:r>
+                <a:endParaRPr lang="en-US" sz="1600" dirty="0"/>
+              </a:p>
+            </p:txBody>
+          </p:sp>
+          <p:sp>
+            <p:nvSpPr>
+              <p:cNvPr id="14" name="Rounded Rectangle 13"/>
+              <p:cNvSpPr/>
+              <p:nvPr/>
+            </p:nvSpPr>
+            <p:spPr>
+              <a:xfrm>
+                <a:off x="1477631" y="2228577"/>
+                <a:ext cx="921021" cy="921021"/>
+              </a:xfrm>
+              <a:prstGeom prst="roundRect">
+                <a:avLst/>
+              </a:prstGeom>
+            </p:spPr>
+            <p:style>
+              <a:lnRef idx="1">
+                <a:schemeClr val="accent1"/>
+              </a:lnRef>
+              <a:fillRef idx="3">
+                <a:schemeClr val="accent1"/>
+              </a:fillRef>
+              <a:effectRef idx="2">
+                <a:schemeClr val="accent1"/>
+              </a:effectRef>
+              <a:fontRef idx="minor">
+                <a:schemeClr val="lt1"/>
+              </a:fontRef>
+            </p:style>
+            <p:txBody>
+              <a:bodyPr rtlCol="0" anchor="ctr"/>
+              <a:lstStyle/>
+              <a:p>
+                <a:pPr algn="ctr"/>
+                <a:r>
+                  <a:rPr lang="en-US" sz="1600" dirty="0" smtClean="0"/>
+                  <a:t>Client</a:t>
+                </a:r>
+                <a:endParaRPr lang="en-US" sz="1600" dirty="0"/>
+              </a:p>
+            </p:txBody>
+          </p:sp>
+          <p:sp>
+            <p:nvSpPr>
+              <p:cNvPr id="15" name="Rounded Rectangle 14"/>
+              <p:cNvSpPr/>
+              <p:nvPr/>
+            </p:nvSpPr>
+            <p:spPr>
+              <a:xfrm>
+                <a:off x="1574816" y="2325762"/>
+                <a:ext cx="921021" cy="921021"/>
+              </a:xfrm>
+              <a:prstGeom prst="roundRect">
+                <a:avLst/>
+              </a:prstGeom>
+            </p:spPr>
+            <p:style>
+              <a:lnRef idx="1">
+                <a:schemeClr val="accent1"/>
+              </a:lnRef>
+              <a:fillRef idx="3">
+                <a:schemeClr val="accent1"/>
+              </a:fillRef>
+              <a:effectRef idx="2">
+                <a:schemeClr val="accent1"/>
+              </a:effectRef>
+              <a:fontRef idx="minor">
+                <a:schemeClr val="lt1"/>
+              </a:fontRef>
+            </p:style>
+            <p:txBody>
+              <a:bodyPr rtlCol="0" anchor="ctr"/>
+              <a:lstStyle/>
+              <a:p>
+                <a:pPr algn="ctr"/>
+                <a:r>
+                  <a:rPr lang="en-US" sz="1600" dirty="0" smtClean="0"/>
+                  <a:t>Client</a:t>
+                </a:r>
+                <a:endParaRPr lang="en-US" sz="1600" dirty="0"/>
+              </a:p>
+            </p:txBody>
+          </p:sp>
+        </p:grpSp>
+        <p:sp>
+          <p:nvSpPr>
+            <p:cNvPr id="17" name="Rectangle 16"/>
+            <p:cNvSpPr/>
+            <p:nvPr/>
+          </p:nvSpPr>
+          <p:spPr>
+            <a:xfrm>
+              <a:off x="2065130" y="2606261"/>
+              <a:ext cx="828261" cy="1855304"/>
+            </a:xfrm>
+            <a:prstGeom prst="rect">
+              <a:avLst/>
+            </a:prstGeom>
+          </p:spPr>
+          <p:style>
+            <a:lnRef idx="1">
+              <a:schemeClr val="accent1"/>
+            </a:lnRef>
+            <a:fillRef idx="3">
+              <a:schemeClr val="accent1"/>
+            </a:fillRef>
+            <a:effectRef idx="2">
+              <a:schemeClr val="accent1"/>
+            </a:effectRef>
+            <a:fontRef idx="minor">
+              <a:schemeClr val="lt1"/>
+            </a:fontRef>
+          </p:style>
+          <p:txBody>
+            <a:bodyPr rtlCol="0" anchor="ctr"/>
+            <a:lstStyle/>
+            <a:p>
+              <a:pPr algn="ctr"/>
+              <a:r>
+                <a:rPr lang="en-US" sz="1400" dirty="0" smtClean="0"/>
+                <a:t>NIO</a:t>
+              </a:r>
+              <a:endParaRPr lang="en-US" sz="1400" dirty="0"/>
+            </a:p>
+          </p:txBody>
+        </p:sp>
+        <p:sp>
+          <p:nvSpPr>
+            <p:cNvPr id="18" name="Rectangle 17"/>
+            <p:cNvSpPr/>
+            <p:nvPr/>
+          </p:nvSpPr>
+          <p:spPr>
+            <a:xfrm>
+              <a:off x="2065130" y="4538870"/>
+              <a:ext cx="828261" cy="640522"/>
+            </a:xfrm>
+            <a:prstGeom prst="rect">
+              <a:avLst/>
+            </a:prstGeom>
+          </p:spPr>
+          <p:style>
+            <a:lnRef idx="1">
+              <a:schemeClr val="accent1"/>
+            </a:lnRef>
+            <a:fillRef idx="3">
+              <a:schemeClr val="accent1"/>
+            </a:fillRef>
+            <a:effectRef idx="2">
+              <a:schemeClr val="accent1"/>
+            </a:effectRef>
+            <a:fontRef idx="minor">
+              <a:schemeClr val="lt1"/>
+            </a:fontRef>
+          </p:style>
+          <p:txBody>
+            <a:bodyPr rtlCol="0" anchor="ctr"/>
+            <a:lstStyle/>
+            <a:p>
+              <a:pPr algn="ctr"/>
+              <a:r>
+                <a:rPr lang="en-US" sz="1400" dirty="0" smtClean="0"/>
+                <a:t>Buffer Pool</a:t>
+              </a:r>
+              <a:endParaRPr lang="en-US" sz="1400" dirty="0"/>
+            </a:p>
+          </p:txBody>
+        </p:sp>
+        <p:grpSp>
+          <p:nvGrpSpPr>
+            <p:cNvPr id="19" name="Group 18"/>
+            <p:cNvGrpSpPr/>
+            <p:nvPr/>
+          </p:nvGrpSpPr>
+          <p:grpSpPr>
+            <a:xfrm>
+              <a:off x="4731032" y="3061254"/>
+              <a:ext cx="1115391" cy="1104348"/>
+              <a:chOff x="1634435" y="2142435"/>
+              <a:chExt cx="1115391" cy="1104348"/>
+            </a:xfrm>
+          </p:grpSpPr>
+          <p:sp>
+            <p:nvSpPr>
+              <p:cNvPr id="20" name="Rounded Rectangle 19"/>
+              <p:cNvSpPr/>
+              <p:nvPr/>
+            </p:nvSpPr>
+            <p:spPr>
+              <a:xfrm>
+                <a:off x="1634435" y="2142435"/>
+                <a:ext cx="921021" cy="921021"/>
+              </a:xfrm>
+              <a:prstGeom prst="roundRect">
+                <a:avLst/>
+              </a:prstGeom>
+            </p:spPr>
+            <p:style>
+              <a:lnRef idx="1">
+                <a:schemeClr val="accent1"/>
+              </a:lnRef>
+              <a:fillRef idx="3">
+                <a:schemeClr val="accent1"/>
+              </a:fillRef>
+              <a:effectRef idx="2">
+                <a:schemeClr val="accent1"/>
+              </a:effectRef>
+              <a:fontRef idx="minor">
+                <a:schemeClr val="lt1"/>
+              </a:fontRef>
+            </p:style>
+            <p:txBody>
+              <a:bodyPr rtlCol="0" anchor="ctr"/>
+              <a:lstStyle/>
+              <a:p>
+                <a:pPr algn="ctr"/>
+                <a:r>
+                  <a:rPr lang="en-US" sz="1400" dirty="0" smtClean="0"/>
+                  <a:t>Client</a:t>
+                </a:r>
+                <a:endParaRPr lang="en-US" sz="1400" dirty="0"/>
+              </a:p>
+            </p:txBody>
+          </p:sp>
+          <p:sp>
+            <p:nvSpPr>
+              <p:cNvPr id="21" name="Rounded Rectangle 20"/>
+              <p:cNvSpPr/>
+              <p:nvPr/>
+            </p:nvSpPr>
+            <p:spPr>
+              <a:xfrm>
+                <a:off x="1731620" y="2228577"/>
+                <a:ext cx="921021" cy="921021"/>
+              </a:xfrm>
+              <a:prstGeom prst="roundRect">
+                <a:avLst/>
+              </a:prstGeom>
+            </p:spPr>
+            <p:style>
+              <a:lnRef idx="1">
+                <a:schemeClr val="accent1"/>
+              </a:lnRef>
+              <a:fillRef idx="3">
+                <a:schemeClr val="accent1"/>
+              </a:fillRef>
+              <a:effectRef idx="2">
+                <a:schemeClr val="accent1"/>
+              </a:effectRef>
+              <a:fontRef idx="minor">
+                <a:schemeClr val="lt1"/>
+              </a:fontRef>
+            </p:style>
+            <p:txBody>
+              <a:bodyPr rtlCol="0" anchor="ctr"/>
+              <a:lstStyle/>
+              <a:p>
+                <a:pPr algn="ctr"/>
+                <a:r>
+                  <a:rPr lang="en-US" sz="1400" dirty="0" smtClean="0"/>
+                  <a:t>Client</a:t>
+                </a:r>
+                <a:endParaRPr lang="en-US" sz="1400" dirty="0"/>
+              </a:p>
+            </p:txBody>
+          </p:sp>
+          <p:sp>
+            <p:nvSpPr>
+              <p:cNvPr id="22" name="Rounded Rectangle 21"/>
+              <p:cNvSpPr/>
+              <p:nvPr/>
+            </p:nvSpPr>
+            <p:spPr>
+              <a:xfrm>
+                <a:off x="1828805" y="2325762"/>
+                <a:ext cx="921021" cy="921021"/>
+              </a:xfrm>
+              <a:prstGeom prst="roundRect">
+                <a:avLst/>
+              </a:prstGeom>
+            </p:spPr>
+            <p:style>
+              <a:lnRef idx="1">
+                <a:schemeClr val="accent1"/>
+              </a:lnRef>
+              <a:fillRef idx="3">
+                <a:schemeClr val="accent1"/>
+              </a:fillRef>
+              <a:effectRef idx="2">
+                <a:schemeClr val="accent1"/>
+              </a:effectRef>
+              <a:fontRef idx="minor">
+                <a:schemeClr val="lt1"/>
+              </a:fontRef>
+            </p:style>
+            <p:txBody>
+              <a:bodyPr rtlCol="0" anchor="ctr"/>
+              <a:lstStyle/>
+              <a:p>
+                <a:pPr algn="ctr"/>
+                <a:r>
+                  <a:rPr lang="en-US" sz="1400" dirty="0" smtClean="0"/>
+                  <a:t>Worker</a:t>
+                </a:r>
+                <a:endParaRPr lang="en-US" sz="1400" dirty="0"/>
+              </a:p>
+            </p:txBody>
+          </p:sp>
+        </p:grpSp>
+        <p:sp>
+          <p:nvSpPr>
+            <p:cNvPr id="23" name="Rectangle 22"/>
+            <p:cNvSpPr/>
+            <p:nvPr/>
+          </p:nvSpPr>
+          <p:spPr>
+            <a:xfrm>
+              <a:off x="6040782" y="2705652"/>
+              <a:ext cx="1027044" cy="1755913"/>
+            </a:xfrm>
+            <a:prstGeom prst="rect">
+              <a:avLst/>
+            </a:prstGeom>
+          </p:spPr>
+          <p:style>
+            <a:lnRef idx="1">
+              <a:schemeClr val="accent1"/>
+            </a:lnRef>
+            <a:fillRef idx="3">
+              <a:schemeClr val="accent1"/>
+            </a:fillRef>
+            <a:effectRef idx="2">
+              <a:schemeClr val="accent1"/>
+            </a:effectRef>
+            <a:fontRef idx="minor">
+              <a:schemeClr val="lt1"/>
+            </a:fontRef>
+          </p:style>
+          <p:txBody>
+            <a:bodyPr rtlCol="0" anchor="ctr"/>
+            <a:lstStyle/>
+            <a:p>
+              <a:pPr algn="ctr"/>
+              <a:r>
+                <a:rPr lang="en-US" sz="1400" dirty="0" smtClean="0"/>
+                <a:t>DB Connection Pool</a:t>
+              </a:r>
+              <a:endParaRPr lang="en-US" sz="1400" dirty="0"/>
+            </a:p>
+          </p:txBody>
+        </p:sp>
+        <p:sp>
+          <p:nvSpPr>
+            <p:cNvPr id="24" name="Can 23"/>
+            <p:cNvSpPr/>
+            <p:nvPr/>
+          </p:nvSpPr>
+          <p:spPr>
+            <a:xfrm>
+              <a:off x="7564773" y="2848621"/>
+              <a:ext cx="1115391" cy="1483470"/>
+            </a:xfrm>
+            <a:prstGeom prst="can">
+              <a:avLst/>
+            </a:prstGeom>
+          </p:spPr>
+          <p:style>
+            <a:lnRef idx="1">
+              <a:schemeClr val="accent1"/>
+            </a:lnRef>
+            <a:fillRef idx="3">
+              <a:schemeClr val="accent1"/>
+            </a:fillRef>
+            <a:effectRef idx="2">
+              <a:schemeClr val="accent1"/>
+            </a:effectRef>
+            <a:fontRef idx="minor">
+              <a:schemeClr val="lt1"/>
+            </a:fontRef>
+          </p:style>
+          <p:txBody>
+            <a:bodyPr rtlCol="0" anchor="ctr"/>
+            <a:lstStyle/>
+            <a:p>
+              <a:pPr algn="ctr"/>
+              <a:r>
+                <a:rPr lang="en-US" dirty="0" smtClean="0"/>
+                <a:t>Database</a:t>
+              </a:r>
+              <a:endParaRPr lang="en-US" dirty="0"/>
+            </a:p>
+          </p:txBody>
+        </p:sp>
+        <p:grpSp>
+          <p:nvGrpSpPr>
+            <p:cNvPr id="34" name="Group 33"/>
+            <p:cNvGrpSpPr/>
+            <p:nvPr/>
+          </p:nvGrpSpPr>
+          <p:grpSpPr>
+            <a:xfrm>
+              <a:off x="2992783" y="2440607"/>
+              <a:ext cx="1546087" cy="879068"/>
+              <a:chOff x="2992783" y="2440607"/>
+              <a:chExt cx="1546087" cy="879068"/>
+            </a:xfrm>
+          </p:grpSpPr>
+          <p:grpSp>
+            <p:nvGrpSpPr>
+              <p:cNvPr id="32" name="Group 31"/>
+              <p:cNvGrpSpPr/>
+              <p:nvPr/>
+            </p:nvGrpSpPr>
+            <p:grpSpPr>
+              <a:xfrm>
+                <a:off x="2992783" y="2771910"/>
+                <a:ext cx="1546087" cy="547765"/>
+                <a:chOff x="2992783" y="2771910"/>
+                <a:chExt cx="1546087" cy="547765"/>
+              </a:xfrm>
+            </p:grpSpPr>
+            <p:sp>
+              <p:nvSpPr>
+                <p:cNvPr id="25" name="Rectangle 24"/>
+                <p:cNvSpPr/>
+                <p:nvPr/>
+              </p:nvSpPr>
+              <p:spPr>
+                <a:xfrm>
+                  <a:off x="2992783" y="2771910"/>
+                  <a:ext cx="1546087" cy="538929"/>
+                </a:xfrm>
+                <a:prstGeom prst="rect">
+                  <a:avLst/>
+                </a:prstGeom>
+              </p:spPr>
+              <p:style>
+                <a:lnRef idx="2">
+                  <a:schemeClr val="accent1"/>
+                </a:lnRef>
+                <a:fillRef idx="1">
+                  <a:schemeClr val="lt1"/>
+                </a:fillRef>
+                <a:effectRef idx="0">
+                  <a:schemeClr val="accent1"/>
+                </a:effectRef>
+                <a:fontRef idx="minor">
+                  <a:schemeClr val="dk1"/>
+                </a:fontRef>
+              </p:style>
+              <p:txBody>
+                <a:bodyPr rtlCol="0" anchor="ctr"/>
+                <a:lstStyle/>
+                <a:p>
+                  <a:pPr algn="ctr"/>
+                  <a:endParaRPr lang="en-US"/>
+                </a:p>
+              </p:txBody>
+            </p:sp>
+            <p:cxnSp>
+              <p:nvCxnSpPr>
+                <p:cNvPr id="27" name="Straight Connector 26"/>
+                <p:cNvCxnSpPr/>
+                <p:nvPr/>
+              </p:nvCxnSpPr>
+              <p:spPr>
+                <a:xfrm>
+                  <a:off x="3235741" y="2771910"/>
+                  <a:ext cx="0" cy="538929"/>
+                </a:xfrm>
+                <a:prstGeom prst="line">
+                  <a:avLst/>
+                </a:prstGeom>
+              </p:spPr>
+              <p:style>
+                <a:lnRef idx="2">
+                  <a:schemeClr val="accent1"/>
+                </a:lnRef>
+                <a:fillRef idx="0">
+                  <a:schemeClr val="accent1"/>
+                </a:fillRef>
+                <a:effectRef idx="1">
+                  <a:schemeClr val="accent1"/>
+                </a:effectRef>
+                <a:fontRef idx="minor">
+                  <a:schemeClr val="tx1"/>
+                </a:fontRef>
+              </p:style>
+            </p:cxnSp>
+            <p:cxnSp>
+              <p:nvCxnSpPr>
+                <p:cNvPr id="28" name="Straight Connector 27"/>
+                <p:cNvCxnSpPr/>
+                <p:nvPr/>
+              </p:nvCxnSpPr>
+              <p:spPr>
+                <a:xfrm>
+                  <a:off x="3487533" y="2780746"/>
+                  <a:ext cx="0" cy="538929"/>
+                </a:xfrm>
+                <a:prstGeom prst="line">
+                  <a:avLst/>
+                </a:prstGeom>
+              </p:spPr>
+              <p:style>
+                <a:lnRef idx="2">
+                  <a:schemeClr val="accent1"/>
+                </a:lnRef>
+                <a:fillRef idx="0">
+                  <a:schemeClr val="accent1"/>
+                </a:fillRef>
+                <a:effectRef idx="1">
+                  <a:schemeClr val="accent1"/>
+                </a:effectRef>
+                <a:fontRef idx="minor">
+                  <a:schemeClr val="tx1"/>
+                </a:fontRef>
+              </p:style>
+            </p:cxnSp>
+            <p:cxnSp>
+              <p:nvCxnSpPr>
+                <p:cNvPr id="29" name="Straight Connector 28"/>
+                <p:cNvCxnSpPr/>
+                <p:nvPr/>
+              </p:nvCxnSpPr>
+              <p:spPr>
+                <a:xfrm>
+                  <a:off x="3752577" y="2780746"/>
+                  <a:ext cx="0" cy="538929"/>
+                </a:xfrm>
+                <a:prstGeom prst="line">
+                  <a:avLst/>
+                </a:prstGeom>
+              </p:spPr>
+              <p:style>
+                <a:lnRef idx="2">
+                  <a:schemeClr val="accent1"/>
+                </a:lnRef>
+                <a:fillRef idx="0">
+                  <a:schemeClr val="accent1"/>
+                </a:fillRef>
+                <a:effectRef idx="1">
+                  <a:schemeClr val="accent1"/>
+                </a:effectRef>
+                <a:fontRef idx="minor">
+                  <a:schemeClr val="tx1"/>
+                </a:fontRef>
+              </p:style>
+            </p:cxnSp>
+            <p:cxnSp>
+              <p:nvCxnSpPr>
+                <p:cNvPr id="30" name="Straight Connector 29"/>
+                <p:cNvCxnSpPr/>
+                <p:nvPr/>
+              </p:nvCxnSpPr>
+              <p:spPr>
+                <a:xfrm>
+                  <a:off x="4017620" y="2780746"/>
+                  <a:ext cx="0" cy="538929"/>
+                </a:xfrm>
+                <a:prstGeom prst="line">
+                  <a:avLst/>
+                </a:prstGeom>
+              </p:spPr>
+              <p:style>
+                <a:lnRef idx="2">
+                  <a:schemeClr val="accent1"/>
+                </a:lnRef>
+                <a:fillRef idx="0">
+                  <a:schemeClr val="accent1"/>
+                </a:fillRef>
+                <a:effectRef idx="1">
+                  <a:schemeClr val="accent1"/>
+                </a:effectRef>
+                <a:fontRef idx="minor">
+                  <a:schemeClr val="tx1"/>
+                </a:fontRef>
+              </p:style>
+            </p:cxnSp>
+            <p:cxnSp>
+              <p:nvCxnSpPr>
+                <p:cNvPr id="31" name="Straight Connector 30"/>
+                <p:cNvCxnSpPr/>
+                <p:nvPr/>
+              </p:nvCxnSpPr>
+              <p:spPr>
+                <a:xfrm>
+                  <a:off x="4271619" y="2780746"/>
+                  <a:ext cx="0" cy="538929"/>
+                </a:xfrm>
+                <a:prstGeom prst="line">
+                  <a:avLst/>
+                </a:prstGeom>
+              </p:spPr>
+              <p:style>
+                <a:lnRef idx="2">
+                  <a:schemeClr val="accent1"/>
+                </a:lnRef>
+                <a:fillRef idx="0">
+                  <a:schemeClr val="accent1"/>
+                </a:fillRef>
+                <a:effectRef idx="1">
+                  <a:schemeClr val="accent1"/>
+                </a:effectRef>
+                <a:fontRef idx="minor">
+                  <a:schemeClr val="tx1"/>
+                </a:fontRef>
+              </p:style>
+            </p:cxnSp>
+          </p:grpSp>
+          <p:sp>
+            <p:nvSpPr>
+              <p:cNvPr id="33" name="TextBox 32"/>
+              <p:cNvSpPr txBox="1"/>
+              <p:nvPr/>
+            </p:nvSpPr>
+            <p:spPr>
+              <a:xfrm>
+                <a:off x="3092174" y="2440607"/>
+                <a:ext cx="1446696" cy="307777"/>
+              </a:xfrm>
+              <a:prstGeom prst="rect">
+                <a:avLst/>
+              </a:prstGeom>
+              <a:noFill/>
+            </p:spPr>
+            <p:txBody>
+              <a:bodyPr wrap="square" rtlCol="0">
+                <a:spAutoFit/>
+              </a:bodyPr>
+              <a:lstStyle/>
+              <a:p>
+                <a:r>
+                  <a:rPr lang="en-US" sz="1400" dirty="0" smtClean="0"/>
+                  <a:t>Request Queue</a:t>
+                </a:r>
+                <a:endParaRPr lang="en-US" sz="1400" dirty="0"/>
+              </a:p>
+            </p:txBody>
+          </p:sp>
+        </p:grpSp>
+        <p:grpSp>
+          <p:nvGrpSpPr>
+            <p:cNvPr id="35" name="Group 34"/>
+            <p:cNvGrpSpPr/>
+            <p:nvPr/>
+          </p:nvGrpSpPr>
+          <p:grpSpPr>
+            <a:xfrm>
+              <a:off x="3010455" y="3582497"/>
+              <a:ext cx="1546087" cy="879068"/>
+              <a:chOff x="2992783" y="2440607"/>
+              <a:chExt cx="1546087" cy="879068"/>
+            </a:xfrm>
+          </p:grpSpPr>
+          <p:grpSp>
+            <p:nvGrpSpPr>
+              <p:cNvPr id="36" name="Group 35"/>
+              <p:cNvGrpSpPr/>
+              <p:nvPr/>
+            </p:nvGrpSpPr>
+            <p:grpSpPr>
+              <a:xfrm>
+                <a:off x="2992783" y="2771910"/>
+                <a:ext cx="1546087" cy="547765"/>
+                <a:chOff x="2992783" y="2771910"/>
+                <a:chExt cx="1546087" cy="547765"/>
+              </a:xfrm>
+            </p:grpSpPr>
+            <p:sp>
+              <p:nvSpPr>
+                <p:cNvPr id="38" name="Rectangle 37"/>
+                <p:cNvSpPr/>
+                <p:nvPr/>
+              </p:nvSpPr>
+              <p:spPr>
+                <a:xfrm>
+                  <a:off x="2992783" y="2771910"/>
+                  <a:ext cx="1546087" cy="538929"/>
+                </a:xfrm>
+                <a:prstGeom prst="rect">
+                  <a:avLst/>
+                </a:prstGeom>
+              </p:spPr>
+              <p:style>
+                <a:lnRef idx="2">
+                  <a:schemeClr val="accent1"/>
+                </a:lnRef>
+                <a:fillRef idx="1">
+                  <a:schemeClr val="lt1"/>
+                </a:fillRef>
+                <a:effectRef idx="0">
+                  <a:schemeClr val="accent1"/>
+                </a:effectRef>
+                <a:fontRef idx="minor">
+                  <a:schemeClr val="dk1"/>
+                </a:fontRef>
+              </p:style>
+              <p:txBody>
+                <a:bodyPr rtlCol="0" anchor="ctr"/>
+                <a:lstStyle/>
+                <a:p>
+                  <a:pPr algn="ctr"/>
+                  <a:endParaRPr lang="en-US"/>
+                </a:p>
+              </p:txBody>
+            </p:sp>
+            <p:cxnSp>
+              <p:nvCxnSpPr>
+                <p:cNvPr id="39" name="Straight Connector 38"/>
+                <p:cNvCxnSpPr/>
+                <p:nvPr/>
+              </p:nvCxnSpPr>
+              <p:spPr>
+                <a:xfrm>
+                  <a:off x="3235741" y="2771910"/>
+                  <a:ext cx="0" cy="538929"/>
+                </a:xfrm>
+                <a:prstGeom prst="line">
+                  <a:avLst/>
+                </a:prstGeom>
+              </p:spPr>
+              <p:style>
+                <a:lnRef idx="2">
+                  <a:schemeClr val="accent1"/>
+                </a:lnRef>
+                <a:fillRef idx="0">
+                  <a:schemeClr val="accent1"/>
+                </a:fillRef>
+                <a:effectRef idx="1">
+                  <a:schemeClr val="accent1"/>
+                </a:effectRef>
+                <a:fontRef idx="minor">
+                  <a:schemeClr val="tx1"/>
+                </a:fontRef>
+              </p:style>
+            </p:cxnSp>
+            <p:cxnSp>
+              <p:nvCxnSpPr>
+                <p:cNvPr id="40" name="Straight Connector 39"/>
+                <p:cNvCxnSpPr/>
+                <p:nvPr/>
+              </p:nvCxnSpPr>
+              <p:spPr>
+                <a:xfrm>
+                  <a:off x="3487533" y="2780746"/>
+                  <a:ext cx="0" cy="538929"/>
+                </a:xfrm>
+                <a:prstGeom prst="line">
+                  <a:avLst/>
+                </a:prstGeom>
+              </p:spPr>
+              <p:style>
+                <a:lnRef idx="2">
+                  <a:schemeClr val="accent1"/>
+                </a:lnRef>
+                <a:fillRef idx="0">
+                  <a:schemeClr val="accent1"/>
+                </a:fillRef>
+                <a:effectRef idx="1">
+                  <a:schemeClr val="accent1"/>
+                </a:effectRef>
+                <a:fontRef idx="minor">
+                  <a:schemeClr val="tx1"/>
+                </a:fontRef>
+              </p:style>
+            </p:cxnSp>
+            <p:cxnSp>
+              <p:nvCxnSpPr>
+                <p:cNvPr id="41" name="Straight Connector 40"/>
+                <p:cNvCxnSpPr/>
+                <p:nvPr/>
+              </p:nvCxnSpPr>
+              <p:spPr>
+                <a:xfrm>
+                  <a:off x="3752577" y="2780746"/>
+                  <a:ext cx="0" cy="538929"/>
+                </a:xfrm>
+                <a:prstGeom prst="line">
+                  <a:avLst/>
+                </a:prstGeom>
+              </p:spPr>
+              <p:style>
+                <a:lnRef idx="2">
+                  <a:schemeClr val="accent1"/>
+                </a:lnRef>
+                <a:fillRef idx="0">
+                  <a:schemeClr val="accent1"/>
+                </a:fillRef>
+                <a:effectRef idx="1">
+                  <a:schemeClr val="accent1"/>
+                </a:effectRef>
+                <a:fontRef idx="minor">
+                  <a:schemeClr val="tx1"/>
+                </a:fontRef>
+              </p:style>
+            </p:cxnSp>
+            <p:cxnSp>
+              <p:nvCxnSpPr>
+                <p:cNvPr id="42" name="Straight Connector 41"/>
+                <p:cNvCxnSpPr/>
+                <p:nvPr/>
+              </p:nvCxnSpPr>
+              <p:spPr>
+                <a:xfrm>
+                  <a:off x="4017620" y="2780746"/>
+                  <a:ext cx="0" cy="538929"/>
+                </a:xfrm>
+                <a:prstGeom prst="line">
+                  <a:avLst/>
+                </a:prstGeom>
+              </p:spPr>
+              <p:style>
+                <a:lnRef idx="2">
+                  <a:schemeClr val="accent1"/>
+                </a:lnRef>
+                <a:fillRef idx="0">
+                  <a:schemeClr val="accent1"/>
+                </a:fillRef>
+                <a:effectRef idx="1">
+                  <a:schemeClr val="accent1"/>
+                </a:effectRef>
+                <a:fontRef idx="minor">
+                  <a:schemeClr val="tx1"/>
+                </a:fontRef>
+              </p:style>
+            </p:cxnSp>
+            <p:cxnSp>
+              <p:nvCxnSpPr>
+                <p:cNvPr id="43" name="Straight Connector 42"/>
+                <p:cNvCxnSpPr/>
+                <p:nvPr/>
+              </p:nvCxnSpPr>
+              <p:spPr>
+                <a:xfrm>
+                  <a:off x="4271619" y="2780746"/>
+                  <a:ext cx="0" cy="538929"/>
+                </a:xfrm>
+                <a:prstGeom prst="line">
+                  <a:avLst/>
+                </a:prstGeom>
+              </p:spPr>
+              <p:style>
+                <a:lnRef idx="2">
+                  <a:schemeClr val="accent1"/>
+                </a:lnRef>
+                <a:fillRef idx="0">
+                  <a:schemeClr val="accent1"/>
+                </a:fillRef>
+                <a:effectRef idx="1">
+                  <a:schemeClr val="accent1"/>
+                </a:effectRef>
+                <a:fontRef idx="minor">
+                  <a:schemeClr val="tx1"/>
+                </a:fontRef>
+              </p:style>
+            </p:cxnSp>
+          </p:grpSp>
+          <p:sp>
+            <p:nvSpPr>
+              <p:cNvPr id="37" name="TextBox 36"/>
+              <p:cNvSpPr txBox="1"/>
+              <p:nvPr/>
+            </p:nvSpPr>
+            <p:spPr>
+              <a:xfrm>
+                <a:off x="3092174" y="2440607"/>
+                <a:ext cx="1446696" cy="307777"/>
+              </a:xfrm>
+              <a:prstGeom prst="rect">
+                <a:avLst/>
+              </a:prstGeom>
+              <a:noFill/>
+            </p:spPr>
+            <p:txBody>
+              <a:bodyPr wrap="square" rtlCol="0">
+                <a:spAutoFit/>
+              </a:bodyPr>
+              <a:lstStyle/>
+              <a:p>
+                <a:r>
+                  <a:rPr lang="en-US" sz="1400" dirty="0" smtClean="0"/>
+                  <a:t>Response Queue</a:t>
+                </a:r>
+                <a:endParaRPr lang="en-US" sz="1400" dirty="0"/>
+              </a:p>
+            </p:txBody>
+          </p:sp>
+        </p:grpSp>
+        <p:sp>
+          <p:nvSpPr>
+            <p:cNvPr id="45" name="Right Arrow 44"/>
+            <p:cNvSpPr/>
+            <p:nvPr/>
+          </p:nvSpPr>
+          <p:spPr>
+            <a:xfrm>
+              <a:off x="3092170" y="2837577"/>
+              <a:ext cx="1358351" cy="395959"/>
+            </a:xfrm>
+            <a:prstGeom prst="rightArrow">
+              <a:avLst/>
+            </a:prstGeom>
+            <a:gradFill>
+              <a:gsLst>
+                <a:gs pos="0">
+                  <a:schemeClr val="accent1">
+                    <a:tint val="96000"/>
+                    <a:satMod val="120000"/>
+                    <a:lumMod val="120000"/>
+                    <a:alpha val="22000"/>
+                  </a:schemeClr>
+                </a:gs>
+                <a:gs pos="100000">
+                  <a:schemeClr val="accent1">
+                    <a:shade val="89000"/>
+                    <a:lumMod val="90000"/>
+                    <a:alpha val="13000"/>
+                  </a:schemeClr>
+                </a:gs>
+              </a:gsLst>
+            </a:gradFill>
+          </p:spPr>
+          <p:style>
+            <a:lnRef idx="1">
+              <a:schemeClr val="accent1"/>
+            </a:lnRef>
+            <a:fillRef idx="3">
+              <a:schemeClr val="accent1"/>
+            </a:fillRef>
+            <a:effectRef idx="2">
+              <a:schemeClr val="accent1"/>
+            </a:effectRef>
+            <a:fontRef idx="minor">
+              <a:schemeClr val="lt1"/>
+            </a:fontRef>
+          </p:style>
+          <p:txBody>
+            <a:bodyPr rtlCol="0" anchor="ctr"/>
+            <a:lstStyle/>
+            <a:p>
+              <a:pPr algn="ctr"/>
+              <a:endParaRPr lang="en-US"/>
+            </a:p>
+          </p:txBody>
+        </p:sp>
+        <p:sp>
+          <p:nvSpPr>
+            <p:cNvPr id="46" name="Right Arrow 45"/>
+            <p:cNvSpPr/>
+            <p:nvPr/>
+          </p:nvSpPr>
+          <p:spPr>
+            <a:xfrm rot="10800000">
+              <a:off x="3092172" y="3980070"/>
+              <a:ext cx="1358349" cy="395959"/>
+            </a:xfrm>
+            <a:prstGeom prst="rightArrow">
+              <a:avLst/>
+            </a:prstGeom>
+            <a:gradFill>
+              <a:gsLst>
+                <a:gs pos="0">
+                  <a:schemeClr val="accent1">
+                    <a:tint val="96000"/>
+                    <a:satMod val="120000"/>
+                    <a:lumMod val="120000"/>
+                    <a:alpha val="22000"/>
+                  </a:schemeClr>
+                </a:gs>
+                <a:gs pos="100000">
+                  <a:schemeClr val="accent1">
+                    <a:shade val="89000"/>
+                    <a:lumMod val="90000"/>
+                    <a:alpha val="13000"/>
+                  </a:schemeClr>
+                </a:gs>
+              </a:gsLst>
+            </a:gradFill>
+          </p:spPr>
+          <p:style>
+            <a:lnRef idx="1">
+              <a:schemeClr val="accent1"/>
+            </a:lnRef>
+            <a:fillRef idx="3">
+              <a:schemeClr val="accent1"/>
+            </a:fillRef>
+            <a:effectRef idx="2">
+              <a:schemeClr val="accent1"/>
+            </a:effectRef>
+            <a:fontRef idx="minor">
+              <a:schemeClr val="lt1"/>
+            </a:fontRef>
+          </p:style>
+          <p:txBody>
+            <a:bodyPr rtlCol="0" anchor="ctr"/>
+            <a:lstStyle/>
+            <a:p>
+              <a:pPr algn="ctr"/>
+              <a:endParaRPr lang="en-US"/>
+            </a:p>
+          </p:txBody>
+        </p:sp>
+      </p:grpSp>
     </p:spTree>
     <p:extLst>
       <p:ext uri="{BB962C8B-B14F-4D97-AF65-F5344CB8AC3E}">
@@ -15448,6 +17767,13 @@
   <p:clrMapOvr>
     <a:masterClrMapping/>
   </p:clrMapOvr>
+  <p:timing>
+    <p:tnLst>
+      <p:par>
+        <p:cTn xmlns:p14="http://schemas.microsoft.com/office/powerpoint/2010/main" id="1" dur="indefinite" restart="never" nodeType="tmRoot"/>
+      </p:par>
+    </p:tnLst>
+  </p:timing>
 </p:sld>
 </file>
 
@@ -15470,25 +17796,6 @@
       </p:grpSpPr>
       <p:sp>
         <p:nvSpPr>
-          <p:cNvPr id="2" name="Content Placeholder 1"/>
-          <p:cNvSpPr>
-            <a:spLocks noGrp="1"/>
-          </p:cNvSpPr>
-          <p:nvPr>
-            <p:ph idx="1"/>
-          </p:nvPr>
-        </p:nvSpPr>
-        <p:spPr/>
-        <p:txBody>
-          <a:bodyPr/>
-          <a:lstStyle/>
-          <a:p>
-            <a:endParaRPr lang="en-US"/>
-          </a:p>
-        </p:txBody>
-      </p:sp>
-      <p:sp>
-        <p:nvSpPr>
           <p:cNvPr id="3" name="Date Placeholder 2"/>
           <p:cNvSpPr>
             <a:spLocks noGrp="1"/>
@@ -15573,12 +17880,44 @@
           <a:p>
             <a:r>
               <a:rPr lang="en-US" dirty="0" smtClean="0"/>
-              <a:t>Design - Database</a:t>
+              <a:t>Design </a:t>
+            </a:r>
+            <a:r>
+              <a:rPr lang="en-US" dirty="0"/>
+              <a:t>–</a:t>
+            </a:r>
+            <a:r>
+              <a:rPr lang="en-US" dirty="0" smtClean="0"/>
+              <a:t> Database</a:t>
             </a:r>
             <a:endParaRPr lang="en-US" dirty="0"/>
           </a:p>
         </p:txBody>
       </p:sp>
+      <p:pic>
+        <p:nvPicPr>
+          <p:cNvPr id="9" name="Picture 8"/>
+          <p:cNvPicPr>
+            <a:picLocks noChangeAspect="1"/>
+          </p:cNvPicPr>
+          <p:nvPr/>
+        </p:nvPicPr>
+        <p:blipFill>
+          <a:blip r:embed="rId2"/>
+          <a:stretch>
+            <a:fillRect/>
+          </a:stretch>
+        </p:blipFill>
+        <p:spPr>
+          <a:xfrm>
+            <a:off x="960749" y="1444070"/>
+            <a:ext cx="7222503" cy="4552539"/>
+          </a:xfrm>
+          <a:prstGeom prst="rect">
+            <a:avLst/>
+          </a:prstGeom>
+        </p:spPr>
+      </p:pic>
     </p:spTree>
     <p:extLst>
       <p:ext uri="{BB962C8B-B14F-4D97-AF65-F5344CB8AC3E}">
@@ -15589,6 +17928,13 @@
   <p:clrMapOvr>
     <a:masterClrMapping/>
   </p:clrMapOvr>
+  <p:timing>
+    <p:tnLst>
+      <p:par>
+        <p:cTn xmlns:p14="http://schemas.microsoft.com/office/powerpoint/2010/main" id="1" dur="indefinite" restart="never" nodeType="tmRoot"/>
+      </p:par>
+    </p:tnLst>
+  </p:timing>
 </p:sld>
 </file>
 
@@ -15624,7 +17970,90 @@
           <a:bodyPr/>
           <a:lstStyle/>
           <a:p>
-            <a:endParaRPr lang="en-US"/>
+            <a:r>
+              <a:rPr lang="en-US" dirty="0" smtClean="0"/>
+              <a:t>Indices (B-Trees)</a:t>
+            </a:r>
+          </a:p>
+          <a:p>
+            <a:pPr lvl="1"/>
+            <a:r>
+              <a:rPr lang="en-US" dirty="0"/>
+              <a:t>Queue: </a:t>
+            </a:r>
+            <a:r>
+              <a:rPr lang="en-US" dirty="0" err="1" smtClean="0"/>
+              <a:t>client_id</a:t>
+            </a:r>
+            <a:endParaRPr lang="en-US" dirty="0" smtClean="0"/>
+          </a:p>
+          <a:p>
+            <a:pPr lvl="1"/>
+            <a:r>
+              <a:rPr lang="en-US" dirty="0"/>
+              <a:t>Client: </a:t>
+            </a:r>
+            <a:r>
+              <a:rPr lang="en-US" dirty="0" smtClean="0"/>
+              <a:t>name</a:t>
+            </a:r>
+          </a:p>
+          <a:p>
+            <a:pPr lvl="1"/>
+            <a:r>
+              <a:rPr lang="en-US" dirty="0"/>
+              <a:t>Message: </a:t>
+            </a:r>
+            <a:r>
+              <a:rPr lang="en-US" dirty="0" err="1" smtClean="0"/>
+              <a:t>queue_id</a:t>
+            </a:r>
+            <a:r>
+              <a:rPr lang="en-US" dirty="0"/>
+              <a:t>, </a:t>
+            </a:r>
+            <a:r>
+              <a:rPr lang="en-US" dirty="0" err="1" smtClean="0"/>
+              <a:t>prio</a:t>
+            </a:r>
+            <a:r>
+              <a:rPr lang="en-US" dirty="0"/>
+              <a:t>, </a:t>
+            </a:r>
+            <a:r>
+              <a:rPr lang="en-US" dirty="0" err="1" smtClean="0"/>
+              <a:t>sent_at</a:t>
+            </a:r>
+            <a:r>
+              <a:rPr lang="en-US" dirty="0"/>
+              <a:t>, </a:t>
+            </a:r>
+            <a:r>
+              <a:rPr lang="en-US" dirty="0" err="1" smtClean="0"/>
+              <a:t>client_sender_id</a:t>
+            </a:r>
+            <a:r>
+              <a:rPr lang="en-US" dirty="0"/>
+              <a:t>, context</a:t>
+            </a:r>
+            <a:endParaRPr lang="en-US" dirty="0" smtClean="0"/>
+          </a:p>
+          <a:p>
+            <a:r>
+              <a:rPr lang="en-US" dirty="0" smtClean="0"/>
+              <a:t>Stored procedures</a:t>
+            </a:r>
+          </a:p>
+          <a:p>
+            <a:pPr lvl="1"/>
+            <a:r>
+              <a:rPr lang="en-US" dirty="0" err="1"/>
+              <a:t>peekMessage</a:t>
+            </a:r>
+            <a:endParaRPr lang="en-US" dirty="0" smtClean="0"/>
+          </a:p>
+          <a:p>
+            <a:endParaRPr lang="en-US" dirty="0"/>
           </a:p>
         </p:txBody>
       </p:sp>
@@ -15714,7 +18143,15 @@
           <a:p>
             <a:r>
               <a:rPr lang="en-US" dirty="0" smtClean="0"/>
-              <a:t>Design - Interfaces</a:t>
+              <a:t>Design </a:t>
+            </a:r>
+            <a:r>
+              <a:rPr lang="en-US" dirty="0"/>
+              <a:t>–</a:t>
+            </a:r>
+            <a:r>
+              <a:rPr lang="en-US" dirty="0" smtClean="0"/>
+              <a:t> Database</a:t>
             </a:r>
             <a:endParaRPr lang="en-US" dirty="0"/>
           </a:p>
@@ -15730,6 +18167,13 @@
   <p:clrMapOvr>
     <a:masterClrMapping/>
   </p:clrMapOvr>
+  <p:timing>
+    <p:tnLst>
+      <p:par>
+        <p:cTn xmlns:p14="http://schemas.microsoft.com/office/powerpoint/2010/main" id="1" dur="indefinite" restart="never" nodeType="tmRoot"/>
+      </p:par>
+    </p:tnLst>
+  </p:timing>
 </p:sld>
 </file>
 
@@ -15760,12 +18204,500 @@
             <p:ph idx="1"/>
           </p:nvPr>
         </p:nvSpPr>
-        <p:spPr/>
+        <p:spPr>
+          <a:xfrm>
+            <a:off x="872067" y="1294732"/>
+            <a:ext cx="7814733" cy="4831431"/>
+          </a:xfrm>
+        </p:spPr>
         <p:txBody>
-          <a:bodyPr/>
+          <a:bodyPr>
+            <a:normAutofit fontScale="55000" lnSpcReduction="20000"/>
+          </a:bodyPr>
           <a:lstStyle/>
           <a:p>
-            <a:endParaRPr lang="en-US"/>
+            <a:pPr marL="0" indent="0">
+              <a:buNone/>
+            </a:pPr>
+            <a:r>
+              <a:rPr lang="en-US" dirty="0" err="1"/>
+              <a:t>ClientDto</a:t>
+            </a:r>
+            <a:r>
+              <a:rPr lang="en-US" dirty="0"/>
+              <a:t> register(</a:t>
+            </a:r>
+            <a:r>
+              <a:rPr lang="en-US" dirty="0" smtClean="0"/>
+              <a:t>)</a:t>
+            </a:r>
+          </a:p>
+          <a:p>
+            <a:pPr marL="0" indent="0">
+              <a:buNone/>
+            </a:pPr>
+            <a:r>
+              <a:rPr lang="en-US" dirty="0" err="1" smtClean="0"/>
+              <a:t>ClientDto</a:t>
+            </a:r>
+            <a:r>
+              <a:rPr lang="en-US" dirty="0" smtClean="0"/>
+              <a:t> </a:t>
+            </a:r>
+            <a:r>
+              <a:rPr lang="en-US" dirty="0" err="1"/>
+              <a:t>lookupClient</a:t>
+            </a:r>
+            <a:r>
+              <a:rPr lang="en-US" dirty="0"/>
+              <a:t>(String </a:t>
+            </a:r>
+            <a:r>
+              <a:rPr lang="en-US" dirty="0" err="1"/>
+              <a:t>clientName</a:t>
+            </a:r>
+            <a:r>
+              <a:rPr lang="en-US" dirty="0"/>
+              <a:t>)</a:t>
+            </a:r>
+          </a:p>
+          <a:p>
+            <a:pPr marL="0" indent="0">
+              <a:buNone/>
+            </a:pPr>
+            <a:endParaRPr lang="en-US" dirty="0" smtClean="0"/>
+          </a:p>
+          <a:p>
+            <a:pPr marL="0" indent="0">
+              <a:buNone/>
+            </a:pPr>
+            <a:r>
+              <a:rPr lang="en-US" dirty="0" err="1" smtClean="0"/>
+              <a:t>QueueDto</a:t>
+            </a:r>
+            <a:r>
+              <a:rPr lang="en-US" dirty="0" smtClean="0"/>
+              <a:t> </a:t>
+            </a:r>
+            <a:r>
+              <a:rPr lang="en-US" dirty="0" err="1"/>
+              <a:t>lookupClientQueue</a:t>
+            </a:r>
+            <a:r>
+              <a:rPr lang="en-US" dirty="0"/>
+              <a:t>(long </a:t>
+            </a:r>
+            <a:r>
+              <a:rPr lang="en-US" dirty="0" err="1"/>
+              <a:t>clientId</a:t>
+            </a:r>
+            <a:r>
+              <a:rPr lang="en-US" dirty="0"/>
+              <a:t>)</a:t>
+            </a:r>
+          </a:p>
+          <a:p>
+            <a:pPr marL="0" indent="0">
+              <a:buNone/>
+            </a:pPr>
+            <a:r>
+              <a:rPr lang="en-US" dirty="0" err="1"/>
+              <a:t>QueueDto</a:t>
+            </a:r>
+            <a:r>
+              <a:rPr lang="en-US" dirty="0"/>
+              <a:t> </a:t>
+            </a:r>
+            <a:r>
+              <a:rPr lang="en-US" dirty="0" err="1"/>
+              <a:t>createQueue</a:t>
+            </a:r>
+            <a:r>
+              <a:rPr lang="en-US" dirty="0"/>
+              <a:t>(String </a:t>
+            </a:r>
+            <a:r>
+              <a:rPr lang="en-US" dirty="0" err="1"/>
+              <a:t>queueName</a:t>
+            </a:r>
+            <a:r>
+              <a:rPr lang="en-US" dirty="0"/>
+              <a:t>)</a:t>
+            </a:r>
+          </a:p>
+          <a:p>
+            <a:pPr marL="0" indent="0">
+              <a:buNone/>
+            </a:pPr>
+            <a:r>
+              <a:rPr lang="en-US" dirty="0" err="1"/>
+              <a:t>QueueDto</a:t>
+            </a:r>
+            <a:r>
+              <a:rPr lang="en-US" dirty="0"/>
+              <a:t> </a:t>
+            </a:r>
+            <a:r>
+              <a:rPr lang="en-US" dirty="0" err="1"/>
+              <a:t>lookupClientQueue</a:t>
+            </a:r>
+            <a:r>
+              <a:rPr lang="en-US" dirty="0"/>
+              <a:t>(String </a:t>
+            </a:r>
+            <a:r>
+              <a:rPr lang="en-US" dirty="0" err="1"/>
+              <a:t>queueName</a:t>
+            </a:r>
+            <a:r>
+              <a:rPr lang="en-US" dirty="0"/>
+              <a:t>)</a:t>
+            </a:r>
+          </a:p>
+          <a:p>
+            <a:pPr marL="0" indent="0">
+              <a:buNone/>
+            </a:pPr>
+            <a:r>
+              <a:rPr lang="en-US" dirty="0" smtClean="0"/>
+              <a:t>void </a:t>
+            </a:r>
+            <a:r>
+              <a:rPr lang="en-US" dirty="0" err="1"/>
+              <a:t>deleteQueue</a:t>
+            </a:r>
+            <a:r>
+              <a:rPr lang="en-US" dirty="0"/>
+              <a:t>(long id</a:t>
+            </a:r>
+            <a:r>
+              <a:rPr lang="en-US" dirty="0"/>
+              <a:t>)</a:t>
+            </a:r>
+          </a:p>
+          <a:p>
+            <a:pPr marL="0" indent="0">
+              <a:buNone/>
+            </a:pPr>
+            <a:endParaRPr lang="en-US" dirty="0" smtClean="0"/>
+          </a:p>
+          <a:p>
+            <a:pPr marL="0" indent="0">
+              <a:buNone/>
+            </a:pPr>
+            <a:r>
+              <a:rPr lang="en-US" dirty="0" smtClean="0"/>
+              <a:t>void </a:t>
+            </a:r>
+            <a:r>
+              <a:rPr lang="en-US" dirty="0" err="1"/>
+              <a:t>sendMessage</a:t>
+            </a:r>
+            <a:r>
+              <a:rPr lang="en-US" dirty="0"/>
+              <a:t>(long </a:t>
+            </a:r>
+            <a:r>
+              <a:rPr lang="en-US" dirty="0" err="1"/>
+              <a:t>queueId</a:t>
+            </a:r>
+            <a:r>
+              <a:rPr lang="en-US" dirty="0"/>
+              <a:t>, byte[] content, </a:t>
+            </a:r>
+            <a:r>
+              <a:rPr lang="en-US" dirty="0" err="1"/>
+              <a:t>int</a:t>
+            </a:r>
+            <a:r>
+              <a:rPr lang="en-US" dirty="0"/>
+              <a:t> </a:t>
+            </a:r>
+            <a:r>
+              <a:rPr lang="en-US" dirty="0" err="1"/>
+              <a:t>prio</a:t>
+            </a:r>
+            <a:r>
+              <a:rPr lang="en-US" dirty="0"/>
+              <a:t>)</a:t>
+            </a:r>
+          </a:p>
+          <a:p>
+            <a:pPr marL="0" indent="0">
+              <a:buNone/>
+            </a:pPr>
+            <a:r>
+              <a:rPr lang="en-US" dirty="0"/>
+              <a:t>void </a:t>
+            </a:r>
+            <a:r>
+              <a:rPr lang="en-US" dirty="0" err="1"/>
+              <a:t>sendMessage</a:t>
+            </a:r>
+            <a:r>
+              <a:rPr lang="en-US" dirty="0"/>
+              <a:t>(long[] </a:t>
+            </a:r>
+            <a:r>
+              <a:rPr lang="en-US" dirty="0" err="1"/>
+              <a:t>queueIds</a:t>
+            </a:r>
+            <a:r>
+              <a:rPr lang="en-US" dirty="0"/>
+              <a:t>, byte[] content, </a:t>
+            </a:r>
+            <a:r>
+              <a:rPr lang="en-US" dirty="0" err="1"/>
+              <a:t>int</a:t>
+            </a:r>
+            <a:r>
+              <a:rPr lang="en-US" dirty="0"/>
+              <a:t> </a:t>
+            </a:r>
+            <a:r>
+              <a:rPr lang="en-US" dirty="0" err="1"/>
+              <a:t>prio</a:t>
+            </a:r>
+            <a:r>
+              <a:rPr lang="en-US" dirty="0"/>
+              <a:t>)</a:t>
+            </a:r>
+            <a:endParaRPr lang="en-US" dirty="0"/>
+          </a:p>
+          <a:p>
+            <a:pPr marL="0" indent="0">
+              <a:buNone/>
+            </a:pPr>
+            <a:r>
+              <a:rPr lang="en-US" dirty="0"/>
+              <a:t>void </a:t>
+            </a:r>
+            <a:r>
+              <a:rPr lang="en-US" dirty="0" err="1"/>
+              <a:t>sendMessageToClient</a:t>
+            </a:r>
+            <a:r>
+              <a:rPr lang="en-US" dirty="0"/>
+              <a:t>(long </a:t>
+            </a:r>
+            <a:r>
+              <a:rPr lang="en-US" dirty="0" err="1"/>
+              <a:t>clientId</a:t>
+            </a:r>
+            <a:r>
+              <a:rPr lang="en-US" dirty="0"/>
+              <a:t>, byte[] content, </a:t>
+            </a:r>
+            <a:r>
+              <a:rPr lang="en-US" dirty="0" err="1"/>
+              <a:t>int</a:t>
+            </a:r>
+            <a:r>
+              <a:rPr lang="en-US" dirty="0"/>
+              <a:t> </a:t>
+            </a:r>
+            <a:r>
+              <a:rPr lang="en-US" dirty="0" err="1"/>
+              <a:t>prio</a:t>
+            </a:r>
+            <a:r>
+              <a:rPr lang="en-US" dirty="0"/>
+              <a:t>)</a:t>
+            </a:r>
+          </a:p>
+          <a:p>
+            <a:pPr marL="0" indent="0">
+              <a:buNone/>
+            </a:pPr>
+            <a:r>
+              <a:rPr lang="en-US" dirty="0"/>
+              <a:t>long </a:t>
+            </a:r>
+            <a:r>
+              <a:rPr lang="en-US" dirty="0" err="1"/>
+              <a:t>sendRequestToClient</a:t>
+            </a:r>
+            <a:r>
+              <a:rPr lang="en-US" dirty="0"/>
+              <a:t>(long client, byte[] content, </a:t>
+            </a:r>
+            <a:r>
+              <a:rPr lang="en-US" dirty="0" err="1"/>
+              <a:t>int</a:t>
+            </a:r>
+            <a:r>
+              <a:rPr lang="en-US" dirty="0"/>
+              <a:t> </a:t>
+            </a:r>
+            <a:r>
+              <a:rPr lang="en-US" dirty="0" err="1"/>
+              <a:t>prio</a:t>
+            </a:r>
+            <a:r>
+              <a:rPr lang="en-US" dirty="0"/>
+              <a:t>)</a:t>
+            </a:r>
+          </a:p>
+          <a:p>
+            <a:pPr marL="0" indent="0">
+              <a:buNone/>
+            </a:pPr>
+            <a:r>
+              <a:rPr lang="en-US" dirty="0"/>
+              <a:t>long </a:t>
+            </a:r>
+            <a:r>
+              <a:rPr lang="en-US" dirty="0" err="1"/>
+              <a:t>sendResponseToClient</a:t>
+            </a:r>
+            <a:r>
+              <a:rPr lang="en-US" dirty="0"/>
+              <a:t>(long </a:t>
+            </a:r>
+            <a:r>
+              <a:rPr lang="en-US" dirty="0" err="1"/>
+              <a:t>clientId</a:t>
+            </a:r>
+            <a:r>
+              <a:rPr lang="en-US" dirty="0"/>
+              <a:t>, long context, byte[] content, </a:t>
+            </a:r>
+            <a:r>
+              <a:rPr lang="en-US" dirty="0" err="1"/>
+              <a:t>int</a:t>
+            </a:r>
+            <a:r>
+              <a:rPr lang="en-US" dirty="0"/>
+              <a:t> </a:t>
+            </a:r>
+            <a:r>
+              <a:rPr lang="en-US" dirty="0" err="1"/>
+              <a:t>prio</a:t>
+            </a:r>
+            <a:r>
+              <a:rPr lang="en-US" dirty="0"/>
+              <a:t>)</a:t>
+            </a:r>
+          </a:p>
+          <a:p>
+            <a:pPr marL="0" indent="0">
+              <a:buNone/>
+            </a:pPr>
+            <a:r>
+              <a:rPr lang="en-US" dirty="0" err="1"/>
+              <a:t>int</a:t>
+            </a:r>
+            <a:r>
+              <a:rPr lang="en-US" dirty="0"/>
+              <a:t> </a:t>
+            </a:r>
+            <a:r>
+              <a:rPr lang="en-US" dirty="0" err="1"/>
+              <a:t>queuesWithPendingMessages</a:t>
+            </a:r>
+            <a:r>
+              <a:rPr lang="en-US" dirty="0"/>
+              <a:t>(List&lt;</a:t>
+            </a:r>
+            <a:r>
+              <a:rPr lang="en-US" dirty="0" err="1"/>
+              <a:t>QueueDto</a:t>
+            </a:r>
+            <a:r>
+              <a:rPr lang="en-US" dirty="0"/>
+              <a:t>&gt; queues, </a:t>
+            </a:r>
+            <a:r>
+              <a:rPr lang="en-US" dirty="0" err="1"/>
+              <a:t>int</a:t>
+            </a:r>
+            <a:r>
+              <a:rPr lang="en-US" dirty="0"/>
+              <a:t> </a:t>
+            </a:r>
+            <a:r>
+              <a:rPr lang="en-US" dirty="0" err="1"/>
+              <a:t>maxNumQueues</a:t>
+            </a:r>
+            <a:r>
+              <a:rPr lang="en-US" dirty="0"/>
+              <a:t>)</a:t>
+            </a:r>
+          </a:p>
+          <a:p>
+            <a:pPr marL="0" indent="0">
+              <a:buNone/>
+            </a:pPr>
+            <a:r>
+              <a:rPr lang="en-US" dirty="0" err="1"/>
+              <a:t>MessageDto</a:t>
+            </a:r>
+            <a:r>
+              <a:rPr lang="en-US" dirty="0"/>
+              <a:t> </a:t>
+            </a:r>
+            <a:r>
+              <a:rPr lang="en-US" dirty="0" err="1"/>
+              <a:t>peekMessage</a:t>
+            </a:r>
+            <a:r>
+              <a:rPr lang="en-US" dirty="0"/>
+              <a:t>(</a:t>
+            </a:r>
+            <a:r>
+              <a:rPr lang="en-US" dirty="0" err="1"/>
+              <a:t>MessageQueryInfoDto</a:t>
+            </a:r>
+            <a:r>
+              <a:rPr lang="en-US" dirty="0"/>
+              <a:t> </a:t>
+            </a:r>
+            <a:r>
+              <a:rPr lang="en-US" dirty="0" err="1"/>
+              <a:t>messageQueryInfo</a:t>
+            </a:r>
+            <a:r>
+              <a:rPr lang="en-US" dirty="0"/>
+              <a:t>)</a:t>
+            </a:r>
+          </a:p>
+          <a:p>
+            <a:pPr marL="0" indent="0">
+              <a:buNone/>
+            </a:pPr>
+            <a:r>
+              <a:rPr lang="en-US" dirty="0" err="1"/>
+              <a:t>MessageDto</a:t>
+            </a:r>
+            <a:r>
+              <a:rPr lang="en-US" dirty="0"/>
+              <a:t> </a:t>
+            </a:r>
+            <a:r>
+              <a:rPr lang="en-US" dirty="0" err="1"/>
+              <a:t>dequeueMessage</a:t>
+            </a:r>
+            <a:r>
+              <a:rPr lang="en-US" dirty="0"/>
+              <a:t>(</a:t>
+            </a:r>
+            <a:r>
+              <a:rPr lang="en-US" dirty="0" err="1"/>
+              <a:t>MessageQueryInfoDto</a:t>
+            </a:r>
+            <a:r>
+              <a:rPr lang="en-US" dirty="0"/>
+              <a:t> </a:t>
+            </a:r>
+            <a:r>
+              <a:rPr lang="en-US" dirty="0" err="1"/>
+              <a:t>messageQueryInfo</a:t>
+            </a:r>
+            <a:r>
+              <a:rPr lang="en-US" dirty="0" smtClean="0"/>
+              <a:t>)</a:t>
+            </a:r>
+            <a:endParaRPr lang="en-US" dirty="0"/>
           </a:p>
         </p:txBody>
       </p:sp>
@@ -15784,7 +18716,7 @@
           <a:bodyPr/>
           <a:lstStyle/>
           <a:p>
-            <a:fld id="{013D06A0-C6F4-A74A-9742-57B7FE2716B7}" type="datetime2">
+            <a:fld id="{9E2FB5A3-CE31-DD4B-B760-F3FE9D4C3106}" type="datetime2">
               <a:rPr lang="en-US" smtClean="0"/>
               <a:t>Tuesday 12 November 13</a:t>
             </a:fld>
@@ -15855,7 +18787,7 @@
           <a:p>
             <a:r>
               <a:rPr lang="en-US" dirty="0" smtClean="0"/>
-              <a:t>Experiments</a:t>
+              <a:t>Design – Interface</a:t>
             </a:r>
             <a:endParaRPr lang="en-US" dirty="0"/>
           </a:p>
@@ -15864,13 +18796,20 @@
     </p:spTree>
     <p:extLst>
       <p:ext uri="{BB962C8B-B14F-4D97-AF65-F5344CB8AC3E}">
-        <p14:creationId xmlns:p14="http://schemas.microsoft.com/office/powerpoint/2010/main" val="2974931231"/>
+        <p14:creationId xmlns:p14="http://schemas.microsoft.com/office/powerpoint/2010/main" val="279972736"/>
       </p:ext>
     </p:extLst>
   </p:cSld>
   <p:clrMapOvr>
     <a:masterClrMapping/>
   </p:clrMapOvr>
+  <p:timing>
+    <p:tnLst>
+      <p:par>
+        <p:cTn xmlns:p14="http://schemas.microsoft.com/office/powerpoint/2010/main" id="1" dur="indefinite" restart="never" nodeType="tmRoot"/>
+      </p:par>
+    </p:tnLst>
+  </p:timing>
 </p:sld>
 </file>
 
@@ -15891,34 +18830,25 @@
           <a:chExt cx="0" cy="0"/>
         </a:xfrm>
       </p:grpSpPr>
-      <p:pic>
-        <p:nvPicPr>
-          <p:cNvPr id="7" name="Content Placeholder 6" descr="testsystem-overview.eps"/>
-          <p:cNvPicPr>
-            <a:picLocks noGrp="1" noChangeAspect="1"/>
-          </p:cNvPicPr>
+      <p:sp>
+        <p:nvSpPr>
+          <p:cNvPr id="2" name="Content Placeholder 1"/>
+          <p:cNvSpPr>
+            <a:spLocks noGrp="1"/>
+          </p:cNvSpPr>
           <p:nvPr>
             <p:ph idx="1"/>
           </p:nvPr>
-        </p:nvPicPr>
-        <p:blipFill rotWithShape="1">
-          <a:blip r:embed="rId2">
-            <a:extLst>
-              <a:ext uri="{28A0092B-C50C-407E-A947-70E740481C1C}">
-                <a14:useLocalDpi xmlns:a14="http://schemas.microsoft.com/office/drawing/2010/main" val="0"/>
-              </a:ext>
-            </a:extLst>
-          </a:blip>
-          <a:srcRect l="6117" t="1680" r="23374" b="4931"/>
-          <a:stretch/>
-        </p:blipFill>
-        <p:spPr>
-          <a:xfrm>
-            <a:off x="1556573" y="1590271"/>
-            <a:ext cx="6030853" cy="4306957"/>
-          </a:xfrm>
-        </p:spPr>
-      </p:pic>
+        </p:nvSpPr>
+        <p:spPr/>
+        <p:txBody>
+          <a:bodyPr/>
+          <a:lstStyle/>
+          <a:p>
+            <a:endParaRPr lang="en-US"/>
+          </a:p>
+        </p:txBody>
+      </p:sp>
       <p:sp>
         <p:nvSpPr>
           <p:cNvPr id="3" name="Date Placeholder 2"/>
@@ -15934,7 +18864,7 @@
           <a:bodyPr/>
           <a:lstStyle/>
           <a:p>
-            <a:fld id="{90A3ECEC-D3DE-EE41-9AA6-A99EE53834FE}" type="datetime2">
+            <a:fld id="{013D06A0-C6F4-A74A-9742-57B7FE2716B7}" type="datetime2">
               <a:rPr lang="en-US" smtClean="0"/>
               <a:t>Tuesday 12 November 13</a:t>
             </a:fld>
@@ -16005,7 +18935,7 @@
           <a:p>
             <a:r>
               <a:rPr lang="en-US" dirty="0" smtClean="0"/>
-              <a:t>Experiments - Setup</a:t>
+              <a:t>Experiments</a:t>
             </a:r>
             <a:endParaRPr lang="en-US" dirty="0"/>
           </a:p>
@@ -16014,13 +18944,20 @@
     </p:spTree>
     <p:extLst>
       <p:ext uri="{BB962C8B-B14F-4D97-AF65-F5344CB8AC3E}">
-        <p14:creationId xmlns:p14="http://schemas.microsoft.com/office/powerpoint/2010/main" val="1837807830"/>
+        <p14:creationId xmlns:p14="http://schemas.microsoft.com/office/powerpoint/2010/main" val="2974931231"/>
       </p:ext>
     </p:extLst>
   </p:cSld>
   <p:clrMapOvr>
     <a:masterClrMapping/>
   </p:clrMapOvr>
+  <p:timing>
+    <p:tnLst>
+      <p:par>
+        <p:cTn xmlns:p14="http://schemas.microsoft.com/office/powerpoint/2010/main" id="1" dur="indefinite" restart="never" nodeType="tmRoot"/>
+      </p:par>
+    </p:tnLst>
+  </p:timing>
 </p:sld>
 </file>
 
